--- a/text/Предзащита.pptx
+++ b/text/Предзащита.pptx
@@ -2,28 +2,38 @@
 <file path=ppt/presentation.xml><?xml version="1.0" encoding="utf-8"?>
 <p:presentation xmlns:a="http://schemas.openxmlformats.org/drawingml/2006/main" xmlns:r="http://schemas.openxmlformats.org/officeDocument/2006/relationships" xmlns:mc="http://schemas.openxmlformats.org/markup-compatibility/2006" xmlns:mv="urn:schemas-microsoft-com:mac:vml" xmlns:p="http://schemas.openxmlformats.org/presentationml/2006/main" xmlns:c="http://schemas.openxmlformats.org/drawingml/2006/chart" xmlns:dgm="http://schemas.openxmlformats.org/drawingml/2006/diagram" xmlns:o="urn:schemas-microsoft-com:office:office" xmlns:v="urn:schemas-microsoft-com:vml" xmlns:pvml="urn:schemas-microsoft-com:office:powerpoint" xmlns:com="http://schemas.openxmlformats.org/drawingml/2006/compatibility" xmlns:p14="http://schemas.microsoft.com/office/powerpoint/2010/main" xmlns:p15="http://schemas.microsoft.com/office/powerpoint/2012/main" xmlns:ahyp="http://schemas.microsoft.com/office/drawing/2018/hyperlinkcolor" autoCompressPictures="0" embedTrueTypeFonts="1" strictFirstAndLastChars="0" saveSubsetFonts="1">
   <p:sldMasterIdLst>
-    <p:sldMasterId id="2147483659" r:id="rId4"/>
+    <p:sldMasterId id="2147483659" r:id="rId5"/>
   </p:sldMasterIdLst>
   <p:notesMasterIdLst>
-    <p:notesMasterId r:id="rId5"/>
+    <p:notesMasterId r:id="rId6"/>
   </p:notesMasterIdLst>
   <p:sldIdLst>
-    <p:sldId id="256" r:id="rId6"/>
-    <p:sldId id="257" r:id="rId7"/>
-    <p:sldId id="258" r:id="rId8"/>
-    <p:sldId id="259" r:id="rId9"/>
-    <p:sldId id="260" r:id="rId10"/>
-    <p:sldId id="261" r:id="rId11"/>
+    <p:sldId id="256" r:id="rId7"/>
+    <p:sldId id="257" r:id="rId8"/>
+    <p:sldId id="258" r:id="rId9"/>
+    <p:sldId id="259" r:id="rId10"/>
+    <p:sldId id="260" r:id="rId11"/>
+    <p:sldId id="261" r:id="rId12"/>
+    <p:sldId id="262" r:id="rId13"/>
+    <p:sldId id="263" r:id="rId14"/>
+    <p:sldId id="264" r:id="rId15"/>
+    <p:sldId id="265" r:id="rId16"/>
+    <p:sldId id="266" r:id="rId17"/>
+    <p:sldId id="267" r:id="rId18"/>
+    <p:sldId id="268" r:id="rId19"/>
+    <p:sldId id="269" r:id="rId20"/>
+    <p:sldId id="270" r:id="rId21"/>
+    <p:sldId id="271" r:id="rId22"/>
   </p:sldIdLst>
   <p:sldSz cy="5143500" cx="9144000"/>
   <p:notesSz cx="6858000" cy="9144000"/>
   <p:embeddedFontLst>
     <p:embeddedFont>
       <p:font typeface="Roboto"/>
-      <p:regular r:id="rId12"/>
-      <p:bold r:id="rId13"/>
-      <p:italic r:id="rId14"/>
-      <p:boldItalic r:id="rId15"/>
+      <p:regular r:id="rId23"/>
+      <p:bold r:id="rId24"/>
+      <p:italic r:id="rId25"/>
+      <p:boldItalic r:id="rId26"/>
     </p:embeddedFont>
   </p:embeddedFontLst>
   <p:defaultTextStyle>
@@ -799,12 +809,12 @@
 </p:notes>
 </file>
 
-<file path=ppt/notesSlides/notesSlide2.xml><?xml version="1.0" encoding="utf-8"?>
+<file path=ppt/notesSlides/notesSlide10.xml><?xml version="1.0" encoding="utf-8"?>
 <p:notes xmlns:a="http://schemas.openxmlformats.org/drawingml/2006/main" xmlns:r="http://schemas.openxmlformats.org/officeDocument/2006/relationships" xmlns:mc="http://schemas.openxmlformats.org/markup-compatibility/2006" xmlns:mv="urn:schemas-microsoft-com:mac:vml" xmlns:p="http://schemas.openxmlformats.org/presentationml/2006/main" xmlns:c="http://schemas.openxmlformats.org/drawingml/2006/chart" xmlns:dgm="http://schemas.openxmlformats.org/drawingml/2006/diagram" xmlns:o="urn:schemas-microsoft-com:office:office" xmlns:v="urn:schemas-microsoft-com:vml" xmlns:pvml="urn:schemas-microsoft-com:office:powerpoint" xmlns:com="http://schemas.openxmlformats.org/drawingml/2006/compatibility" xmlns:p14="http://schemas.microsoft.com/office/powerpoint/2010/main" xmlns:p15="http://schemas.microsoft.com/office/powerpoint/2012/main" xmlns:ahyp="http://schemas.microsoft.com/office/drawing/2018/hyperlinkcolor" showMasterPhAnim="0" showMasterSp="0">
   <p:cSld>
     <p:spTree>
       <p:nvGrpSpPr>
-        <p:cNvPr id="87" name="Shape 87"/>
+        <p:cNvPr id="140" name="Shape 140"/>
         <p:cNvGrpSpPr/>
         <p:nvPr/>
       </p:nvGrpSpPr>
@@ -818,7 +828,7 @@
       </p:grpSpPr>
       <p:sp>
         <p:nvSpPr>
-          <p:cNvPr id="88" name="Google Shape;88;g105e06faf48_0_428:notes"/>
+          <p:cNvPr id="141" name="Google Shape;141;g10538ac236f_0_80:notes"/>
           <p:cNvSpPr/>
           <p:nvPr>
             <p:ph idx="2" type="sldImg"/>
@@ -853,7 +863,700 @@
       </p:sp>
       <p:sp>
         <p:nvSpPr>
-          <p:cNvPr id="89" name="Google Shape;89;g105e06faf48_0_428:notes"/>
+          <p:cNvPr id="142" name="Google Shape;142;g10538ac236f_0_80:notes"/>
+          <p:cNvSpPr txBox="1"/>
+          <p:nvPr>
+            <p:ph idx="1" type="body"/>
+          </p:nvPr>
+        </p:nvSpPr>
+        <p:spPr>
+          <a:xfrm>
+            <a:off x="685800" y="4343400"/>
+            <a:ext cx="5486400" cy="4114800"/>
+          </a:xfrm>
+          <a:prstGeom prst="rect">
+            <a:avLst/>
+          </a:prstGeom>
+        </p:spPr>
+        <p:txBody>
+          <a:bodyPr anchorCtr="0" anchor="t" bIns="91425" lIns="91425" spcFirstLastPara="1" rIns="91425" wrap="square" tIns="91425">
+            <a:noAutofit/>
+          </a:bodyPr>
+          <a:lstStyle/>
+          <a:p>
+            <a:pPr indent="0" lvl="0" marL="0" rtl="0" algn="l">
+              <a:spcBef>
+                <a:spcPts val="0"/>
+              </a:spcBef>
+              <a:spcAft>
+                <a:spcPts val="0"/>
+              </a:spcAft>
+              <a:buNone/>
+            </a:pPr>
+            <a:r>
+              <a:t/>
+            </a:r>
+            <a:endParaRPr/>
+          </a:p>
+        </p:txBody>
+      </p:sp>
+    </p:spTree>
+  </p:cSld>
+  <p:clrMapOvr>
+    <a:masterClrMapping/>
+  </p:clrMapOvr>
+</p:notes>
+</file>
+
+<file path=ppt/notesSlides/notesSlide11.xml><?xml version="1.0" encoding="utf-8"?>
+<p:notes xmlns:a="http://schemas.openxmlformats.org/drawingml/2006/main" xmlns:r="http://schemas.openxmlformats.org/officeDocument/2006/relationships" xmlns:mc="http://schemas.openxmlformats.org/markup-compatibility/2006" xmlns:mv="urn:schemas-microsoft-com:mac:vml" xmlns:p="http://schemas.openxmlformats.org/presentationml/2006/main" xmlns:c="http://schemas.openxmlformats.org/drawingml/2006/chart" xmlns:dgm="http://schemas.openxmlformats.org/drawingml/2006/diagram" xmlns:o="urn:schemas-microsoft-com:office:office" xmlns:v="urn:schemas-microsoft-com:vml" xmlns:pvml="urn:schemas-microsoft-com:office:powerpoint" xmlns:com="http://schemas.openxmlformats.org/drawingml/2006/compatibility" xmlns:p14="http://schemas.microsoft.com/office/powerpoint/2010/main" xmlns:p15="http://schemas.microsoft.com/office/powerpoint/2012/main" xmlns:ahyp="http://schemas.microsoft.com/office/drawing/2018/hyperlinkcolor" showMasterPhAnim="0" showMasterSp="0">
+  <p:cSld>
+    <p:spTree>
+      <p:nvGrpSpPr>
+        <p:cNvPr id="147" name="Shape 147"/>
+        <p:cNvGrpSpPr/>
+        <p:nvPr/>
+      </p:nvGrpSpPr>
+      <p:grpSpPr>
+        <a:xfrm>
+          <a:off x="0" y="0"/>
+          <a:ext cx="0" cy="0"/>
+          <a:chOff x="0" y="0"/>
+          <a:chExt cx="0" cy="0"/>
+        </a:xfrm>
+      </p:grpSpPr>
+      <p:sp>
+        <p:nvSpPr>
+          <p:cNvPr id="148" name="Google Shape;148;g10538ac236f_0_88:notes"/>
+          <p:cNvSpPr/>
+          <p:nvPr>
+            <p:ph idx="2" type="sldImg"/>
+          </p:nvPr>
+        </p:nvSpPr>
+        <p:spPr>
+          <a:xfrm>
+            <a:off x="381300" y="685800"/>
+            <a:ext cx="6096000" cy="3429000"/>
+          </a:xfrm>
+          <a:custGeom>
+            <a:rect b="b" l="l" r="r" t="t"/>
+            <a:pathLst>
+              <a:path extrusionOk="0" h="120000" w="120000">
+                <a:moveTo>
+                  <a:pt x="0" y="0"/>
+                </a:moveTo>
+                <a:lnTo>
+                  <a:pt x="120000" y="0"/>
+                </a:lnTo>
+                <a:lnTo>
+                  <a:pt x="120000" y="120000"/>
+                </a:lnTo>
+                <a:lnTo>
+                  <a:pt x="0" y="120000"/>
+                </a:lnTo>
+                <a:close/>
+              </a:path>
+            </a:pathLst>
+          </a:custGeom>
+        </p:spPr>
+      </p:sp>
+      <p:sp>
+        <p:nvSpPr>
+          <p:cNvPr id="149" name="Google Shape;149;g10538ac236f_0_88:notes"/>
+          <p:cNvSpPr txBox="1"/>
+          <p:nvPr>
+            <p:ph idx="1" type="body"/>
+          </p:nvPr>
+        </p:nvSpPr>
+        <p:spPr>
+          <a:xfrm>
+            <a:off x="685800" y="4343400"/>
+            <a:ext cx="5486400" cy="4114800"/>
+          </a:xfrm>
+          <a:prstGeom prst="rect">
+            <a:avLst/>
+          </a:prstGeom>
+        </p:spPr>
+        <p:txBody>
+          <a:bodyPr anchorCtr="0" anchor="t" bIns="91425" lIns="91425" spcFirstLastPara="1" rIns="91425" wrap="square" tIns="91425">
+            <a:noAutofit/>
+          </a:bodyPr>
+          <a:lstStyle/>
+          <a:p>
+            <a:pPr indent="0" lvl="0" marL="0" rtl="0" algn="l">
+              <a:spcBef>
+                <a:spcPts val="0"/>
+              </a:spcBef>
+              <a:spcAft>
+                <a:spcPts val="0"/>
+              </a:spcAft>
+              <a:buNone/>
+            </a:pPr>
+            <a:r>
+              <a:t/>
+            </a:r>
+            <a:endParaRPr/>
+          </a:p>
+        </p:txBody>
+      </p:sp>
+    </p:spTree>
+  </p:cSld>
+  <p:clrMapOvr>
+    <a:masterClrMapping/>
+  </p:clrMapOvr>
+</p:notes>
+</file>
+
+<file path=ppt/notesSlides/notesSlide12.xml><?xml version="1.0" encoding="utf-8"?>
+<p:notes xmlns:a="http://schemas.openxmlformats.org/drawingml/2006/main" xmlns:r="http://schemas.openxmlformats.org/officeDocument/2006/relationships" xmlns:mc="http://schemas.openxmlformats.org/markup-compatibility/2006" xmlns:mv="urn:schemas-microsoft-com:mac:vml" xmlns:p="http://schemas.openxmlformats.org/presentationml/2006/main" xmlns:c="http://schemas.openxmlformats.org/drawingml/2006/chart" xmlns:dgm="http://schemas.openxmlformats.org/drawingml/2006/diagram" xmlns:o="urn:schemas-microsoft-com:office:office" xmlns:v="urn:schemas-microsoft-com:vml" xmlns:pvml="urn:schemas-microsoft-com:office:powerpoint" xmlns:com="http://schemas.openxmlformats.org/drawingml/2006/compatibility" xmlns:p14="http://schemas.microsoft.com/office/powerpoint/2010/main" xmlns:p15="http://schemas.microsoft.com/office/powerpoint/2012/main" xmlns:ahyp="http://schemas.microsoft.com/office/drawing/2018/hyperlinkcolor" showMasterPhAnim="0" showMasterSp="0">
+  <p:cSld>
+    <p:spTree>
+      <p:nvGrpSpPr>
+        <p:cNvPr id="154" name="Shape 154"/>
+        <p:cNvGrpSpPr/>
+        <p:nvPr/>
+      </p:nvGrpSpPr>
+      <p:grpSpPr>
+        <a:xfrm>
+          <a:off x="0" y="0"/>
+          <a:ext cx="0" cy="0"/>
+          <a:chOff x="0" y="0"/>
+          <a:chExt cx="0" cy="0"/>
+        </a:xfrm>
+      </p:grpSpPr>
+      <p:sp>
+        <p:nvSpPr>
+          <p:cNvPr id="155" name="Google Shape;155;g10538ac236f_0_68:notes"/>
+          <p:cNvSpPr/>
+          <p:nvPr>
+            <p:ph idx="2" type="sldImg"/>
+          </p:nvPr>
+        </p:nvSpPr>
+        <p:spPr>
+          <a:xfrm>
+            <a:off x="381300" y="685800"/>
+            <a:ext cx="6096000" cy="3429000"/>
+          </a:xfrm>
+          <a:custGeom>
+            <a:rect b="b" l="l" r="r" t="t"/>
+            <a:pathLst>
+              <a:path extrusionOk="0" h="120000" w="120000">
+                <a:moveTo>
+                  <a:pt x="0" y="0"/>
+                </a:moveTo>
+                <a:lnTo>
+                  <a:pt x="120000" y="0"/>
+                </a:lnTo>
+                <a:lnTo>
+                  <a:pt x="120000" y="120000"/>
+                </a:lnTo>
+                <a:lnTo>
+                  <a:pt x="0" y="120000"/>
+                </a:lnTo>
+                <a:close/>
+              </a:path>
+            </a:pathLst>
+          </a:custGeom>
+        </p:spPr>
+      </p:sp>
+      <p:sp>
+        <p:nvSpPr>
+          <p:cNvPr id="156" name="Google Shape;156;g10538ac236f_0_68:notes"/>
+          <p:cNvSpPr txBox="1"/>
+          <p:nvPr>
+            <p:ph idx="1" type="body"/>
+          </p:nvPr>
+        </p:nvSpPr>
+        <p:spPr>
+          <a:xfrm>
+            <a:off x="685800" y="4343400"/>
+            <a:ext cx="5486400" cy="4114800"/>
+          </a:xfrm>
+          <a:prstGeom prst="rect">
+            <a:avLst/>
+          </a:prstGeom>
+        </p:spPr>
+        <p:txBody>
+          <a:bodyPr anchorCtr="0" anchor="t" bIns="91425" lIns="91425" spcFirstLastPara="1" rIns="91425" wrap="square" tIns="91425">
+            <a:noAutofit/>
+          </a:bodyPr>
+          <a:lstStyle/>
+          <a:p>
+            <a:pPr indent="0" lvl="0" marL="0" rtl="0" algn="l">
+              <a:spcBef>
+                <a:spcPts val="0"/>
+              </a:spcBef>
+              <a:spcAft>
+                <a:spcPts val="0"/>
+              </a:spcAft>
+              <a:buNone/>
+            </a:pPr>
+            <a:r>
+              <a:t/>
+            </a:r>
+            <a:endParaRPr/>
+          </a:p>
+        </p:txBody>
+      </p:sp>
+    </p:spTree>
+  </p:cSld>
+  <p:clrMapOvr>
+    <a:masterClrMapping/>
+  </p:clrMapOvr>
+</p:notes>
+</file>
+
+<file path=ppt/notesSlides/notesSlide13.xml><?xml version="1.0" encoding="utf-8"?>
+<p:notes xmlns:a="http://schemas.openxmlformats.org/drawingml/2006/main" xmlns:r="http://schemas.openxmlformats.org/officeDocument/2006/relationships" xmlns:mc="http://schemas.openxmlformats.org/markup-compatibility/2006" xmlns:mv="urn:schemas-microsoft-com:mac:vml" xmlns:p="http://schemas.openxmlformats.org/presentationml/2006/main" xmlns:c="http://schemas.openxmlformats.org/drawingml/2006/chart" xmlns:dgm="http://schemas.openxmlformats.org/drawingml/2006/diagram" xmlns:o="urn:schemas-microsoft-com:office:office" xmlns:v="urn:schemas-microsoft-com:vml" xmlns:pvml="urn:schemas-microsoft-com:office:powerpoint" xmlns:com="http://schemas.openxmlformats.org/drawingml/2006/compatibility" xmlns:p14="http://schemas.microsoft.com/office/powerpoint/2010/main" xmlns:p15="http://schemas.microsoft.com/office/powerpoint/2012/main" xmlns:ahyp="http://schemas.microsoft.com/office/drawing/2018/hyperlinkcolor" showMasterPhAnim="0" showMasterSp="0">
+  <p:cSld>
+    <p:spTree>
+      <p:nvGrpSpPr>
+        <p:cNvPr id="159" name="Shape 159"/>
+        <p:cNvGrpSpPr/>
+        <p:nvPr/>
+      </p:nvGrpSpPr>
+      <p:grpSpPr>
+        <a:xfrm>
+          <a:off x="0" y="0"/>
+          <a:ext cx="0" cy="0"/>
+          <a:chOff x="0" y="0"/>
+          <a:chExt cx="0" cy="0"/>
+        </a:xfrm>
+      </p:grpSpPr>
+      <p:sp>
+        <p:nvSpPr>
+          <p:cNvPr id="160" name="Google Shape;160;g10538ac236f_0_2:notes"/>
+          <p:cNvSpPr/>
+          <p:nvPr>
+            <p:ph idx="2" type="sldImg"/>
+          </p:nvPr>
+        </p:nvSpPr>
+        <p:spPr>
+          <a:xfrm>
+            <a:off x="381300" y="685800"/>
+            <a:ext cx="6096000" cy="3429000"/>
+          </a:xfrm>
+          <a:custGeom>
+            <a:rect b="b" l="l" r="r" t="t"/>
+            <a:pathLst>
+              <a:path extrusionOk="0" h="120000" w="120000">
+                <a:moveTo>
+                  <a:pt x="0" y="0"/>
+                </a:moveTo>
+                <a:lnTo>
+                  <a:pt x="120000" y="0"/>
+                </a:lnTo>
+                <a:lnTo>
+                  <a:pt x="120000" y="120000"/>
+                </a:lnTo>
+                <a:lnTo>
+                  <a:pt x="0" y="120000"/>
+                </a:lnTo>
+                <a:close/>
+              </a:path>
+            </a:pathLst>
+          </a:custGeom>
+        </p:spPr>
+      </p:sp>
+      <p:sp>
+        <p:nvSpPr>
+          <p:cNvPr id="161" name="Google Shape;161;g10538ac236f_0_2:notes"/>
+          <p:cNvSpPr txBox="1"/>
+          <p:nvPr>
+            <p:ph idx="1" type="body"/>
+          </p:nvPr>
+        </p:nvSpPr>
+        <p:spPr>
+          <a:xfrm>
+            <a:off x="685800" y="4343400"/>
+            <a:ext cx="5486400" cy="4114800"/>
+          </a:xfrm>
+          <a:prstGeom prst="rect">
+            <a:avLst/>
+          </a:prstGeom>
+        </p:spPr>
+        <p:txBody>
+          <a:bodyPr anchorCtr="0" anchor="t" bIns="91425" lIns="91425" spcFirstLastPara="1" rIns="91425" wrap="square" tIns="91425">
+            <a:noAutofit/>
+          </a:bodyPr>
+          <a:lstStyle/>
+          <a:p>
+            <a:pPr indent="0" lvl="0" marL="0" rtl="0" algn="l">
+              <a:spcBef>
+                <a:spcPts val="0"/>
+              </a:spcBef>
+              <a:spcAft>
+                <a:spcPts val="0"/>
+              </a:spcAft>
+              <a:buNone/>
+            </a:pPr>
+            <a:r>
+              <a:t/>
+            </a:r>
+            <a:endParaRPr/>
+          </a:p>
+        </p:txBody>
+      </p:sp>
+    </p:spTree>
+  </p:cSld>
+  <p:clrMapOvr>
+    <a:masterClrMapping/>
+  </p:clrMapOvr>
+</p:notes>
+</file>
+
+<file path=ppt/notesSlides/notesSlide14.xml><?xml version="1.0" encoding="utf-8"?>
+<p:notes xmlns:a="http://schemas.openxmlformats.org/drawingml/2006/main" xmlns:r="http://schemas.openxmlformats.org/officeDocument/2006/relationships" xmlns:mc="http://schemas.openxmlformats.org/markup-compatibility/2006" xmlns:mv="urn:schemas-microsoft-com:mac:vml" xmlns:p="http://schemas.openxmlformats.org/presentationml/2006/main" xmlns:c="http://schemas.openxmlformats.org/drawingml/2006/chart" xmlns:dgm="http://schemas.openxmlformats.org/drawingml/2006/diagram" xmlns:o="urn:schemas-microsoft-com:office:office" xmlns:v="urn:schemas-microsoft-com:vml" xmlns:pvml="urn:schemas-microsoft-com:office:powerpoint" xmlns:com="http://schemas.openxmlformats.org/drawingml/2006/compatibility" xmlns:p14="http://schemas.microsoft.com/office/powerpoint/2010/main" xmlns:p15="http://schemas.microsoft.com/office/powerpoint/2012/main" xmlns:ahyp="http://schemas.microsoft.com/office/drawing/2018/hyperlinkcolor" showMasterPhAnim="0" showMasterSp="0">
+  <p:cSld>
+    <p:spTree>
+      <p:nvGrpSpPr>
+        <p:cNvPr id="168" name="Shape 168"/>
+        <p:cNvGrpSpPr/>
+        <p:nvPr/>
+      </p:nvGrpSpPr>
+      <p:grpSpPr>
+        <a:xfrm>
+          <a:off x="0" y="0"/>
+          <a:ext cx="0" cy="0"/>
+          <a:chOff x="0" y="0"/>
+          <a:chExt cx="0" cy="0"/>
+        </a:xfrm>
+      </p:grpSpPr>
+      <p:sp>
+        <p:nvSpPr>
+          <p:cNvPr id="169" name="Google Shape;169;g10538ac236f_0_98:notes"/>
+          <p:cNvSpPr/>
+          <p:nvPr>
+            <p:ph idx="2" type="sldImg"/>
+          </p:nvPr>
+        </p:nvSpPr>
+        <p:spPr>
+          <a:xfrm>
+            <a:off x="381300" y="685800"/>
+            <a:ext cx="6096000" cy="3429000"/>
+          </a:xfrm>
+          <a:custGeom>
+            <a:rect b="b" l="l" r="r" t="t"/>
+            <a:pathLst>
+              <a:path extrusionOk="0" h="120000" w="120000">
+                <a:moveTo>
+                  <a:pt x="0" y="0"/>
+                </a:moveTo>
+                <a:lnTo>
+                  <a:pt x="120000" y="0"/>
+                </a:lnTo>
+                <a:lnTo>
+                  <a:pt x="120000" y="120000"/>
+                </a:lnTo>
+                <a:lnTo>
+                  <a:pt x="0" y="120000"/>
+                </a:lnTo>
+                <a:close/>
+              </a:path>
+            </a:pathLst>
+          </a:custGeom>
+        </p:spPr>
+      </p:sp>
+      <p:sp>
+        <p:nvSpPr>
+          <p:cNvPr id="170" name="Google Shape;170;g10538ac236f_0_98:notes"/>
+          <p:cNvSpPr txBox="1"/>
+          <p:nvPr>
+            <p:ph idx="1" type="body"/>
+          </p:nvPr>
+        </p:nvSpPr>
+        <p:spPr>
+          <a:xfrm>
+            <a:off x="685800" y="4343400"/>
+            <a:ext cx="5486400" cy="4114800"/>
+          </a:xfrm>
+          <a:prstGeom prst="rect">
+            <a:avLst/>
+          </a:prstGeom>
+        </p:spPr>
+        <p:txBody>
+          <a:bodyPr anchorCtr="0" anchor="t" bIns="91425" lIns="91425" spcFirstLastPara="1" rIns="91425" wrap="square" tIns="91425">
+            <a:noAutofit/>
+          </a:bodyPr>
+          <a:lstStyle/>
+          <a:p>
+            <a:pPr indent="0" lvl="0" marL="0" rtl="0" algn="l">
+              <a:spcBef>
+                <a:spcPts val="0"/>
+              </a:spcBef>
+              <a:spcAft>
+                <a:spcPts val="0"/>
+              </a:spcAft>
+              <a:buNone/>
+            </a:pPr>
+            <a:r>
+              <a:t/>
+            </a:r>
+            <a:endParaRPr/>
+          </a:p>
+        </p:txBody>
+      </p:sp>
+    </p:spTree>
+  </p:cSld>
+  <p:clrMapOvr>
+    <a:masterClrMapping/>
+  </p:clrMapOvr>
+</p:notes>
+</file>
+
+<file path=ppt/notesSlides/notesSlide15.xml><?xml version="1.0" encoding="utf-8"?>
+<p:notes xmlns:a="http://schemas.openxmlformats.org/drawingml/2006/main" xmlns:r="http://schemas.openxmlformats.org/officeDocument/2006/relationships" xmlns:mc="http://schemas.openxmlformats.org/markup-compatibility/2006" xmlns:mv="urn:schemas-microsoft-com:mac:vml" xmlns:p="http://schemas.openxmlformats.org/presentationml/2006/main" xmlns:c="http://schemas.openxmlformats.org/drawingml/2006/chart" xmlns:dgm="http://schemas.openxmlformats.org/drawingml/2006/diagram" xmlns:o="urn:schemas-microsoft-com:office:office" xmlns:v="urn:schemas-microsoft-com:vml" xmlns:pvml="urn:schemas-microsoft-com:office:powerpoint" xmlns:com="http://schemas.openxmlformats.org/drawingml/2006/compatibility" xmlns:p14="http://schemas.microsoft.com/office/powerpoint/2010/main" xmlns:p15="http://schemas.microsoft.com/office/powerpoint/2012/main" xmlns:ahyp="http://schemas.microsoft.com/office/drawing/2018/hyperlinkcolor" showMasterPhAnim="0" showMasterSp="0">
+  <p:cSld>
+    <p:spTree>
+      <p:nvGrpSpPr>
+        <p:cNvPr id="176" name="Shape 176"/>
+        <p:cNvGrpSpPr/>
+        <p:nvPr/>
+      </p:nvGrpSpPr>
+      <p:grpSpPr>
+        <a:xfrm>
+          <a:off x="0" y="0"/>
+          <a:ext cx="0" cy="0"/>
+          <a:chOff x="0" y="0"/>
+          <a:chExt cx="0" cy="0"/>
+        </a:xfrm>
+      </p:grpSpPr>
+      <p:sp>
+        <p:nvSpPr>
+          <p:cNvPr id="177" name="Google Shape;177;g105e06faf48_0_433:notes"/>
+          <p:cNvSpPr/>
+          <p:nvPr>
+            <p:ph idx="2" type="sldImg"/>
+          </p:nvPr>
+        </p:nvSpPr>
+        <p:spPr>
+          <a:xfrm>
+            <a:off x="381300" y="685800"/>
+            <a:ext cx="6096000" cy="3429000"/>
+          </a:xfrm>
+          <a:custGeom>
+            <a:rect b="b" l="l" r="r" t="t"/>
+            <a:pathLst>
+              <a:path extrusionOk="0" h="120000" w="120000">
+                <a:moveTo>
+                  <a:pt x="0" y="0"/>
+                </a:moveTo>
+                <a:lnTo>
+                  <a:pt x="120000" y="0"/>
+                </a:lnTo>
+                <a:lnTo>
+                  <a:pt x="120000" y="120000"/>
+                </a:lnTo>
+                <a:lnTo>
+                  <a:pt x="0" y="120000"/>
+                </a:lnTo>
+                <a:close/>
+              </a:path>
+            </a:pathLst>
+          </a:custGeom>
+        </p:spPr>
+      </p:sp>
+      <p:sp>
+        <p:nvSpPr>
+          <p:cNvPr id="178" name="Google Shape;178;g105e06faf48_0_433:notes"/>
+          <p:cNvSpPr txBox="1"/>
+          <p:nvPr>
+            <p:ph idx="1" type="body"/>
+          </p:nvPr>
+        </p:nvSpPr>
+        <p:spPr>
+          <a:xfrm>
+            <a:off x="685800" y="4343400"/>
+            <a:ext cx="5486400" cy="4114800"/>
+          </a:xfrm>
+          <a:prstGeom prst="rect">
+            <a:avLst/>
+          </a:prstGeom>
+        </p:spPr>
+        <p:txBody>
+          <a:bodyPr anchorCtr="0" anchor="t" bIns="91425" lIns="91425" spcFirstLastPara="1" rIns="91425" wrap="square" tIns="91425">
+            <a:noAutofit/>
+          </a:bodyPr>
+          <a:lstStyle/>
+          <a:p>
+            <a:pPr indent="0" lvl="0" marL="0" rtl="0" algn="l">
+              <a:spcBef>
+                <a:spcPts val="0"/>
+              </a:spcBef>
+              <a:spcAft>
+                <a:spcPts val="0"/>
+              </a:spcAft>
+              <a:buNone/>
+            </a:pPr>
+            <a:r>
+              <a:t/>
+            </a:r>
+            <a:endParaRPr/>
+          </a:p>
+        </p:txBody>
+      </p:sp>
+    </p:spTree>
+  </p:cSld>
+  <p:clrMapOvr>
+    <a:masterClrMapping/>
+  </p:clrMapOvr>
+</p:notes>
+</file>
+
+<file path=ppt/notesSlides/notesSlide16.xml><?xml version="1.0" encoding="utf-8"?>
+<p:notes xmlns:a="http://schemas.openxmlformats.org/drawingml/2006/main" xmlns:r="http://schemas.openxmlformats.org/officeDocument/2006/relationships" xmlns:mc="http://schemas.openxmlformats.org/markup-compatibility/2006" xmlns:mv="urn:schemas-microsoft-com:mac:vml" xmlns:p="http://schemas.openxmlformats.org/presentationml/2006/main" xmlns:c="http://schemas.openxmlformats.org/drawingml/2006/chart" xmlns:dgm="http://schemas.openxmlformats.org/drawingml/2006/diagram" xmlns:o="urn:schemas-microsoft-com:office:office" xmlns:v="urn:schemas-microsoft-com:vml" xmlns:pvml="urn:schemas-microsoft-com:office:powerpoint" xmlns:com="http://schemas.openxmlformats.org/drawingml/2006/compatibility" xmlns:p14="http://schemas.microsoft.com/office/powerpoint/2010/main" xmlns:p15="http://schemas.microsoft.com/office/powerpoint/2012/main" xmlns:ahyp="http://schemas.microsoft.com/office/drawing/2018/hyperlinkcolor" showMasterPhAnim="0" showMasterSp="0">
+  <p:cSld>
+    <p:spTree>
+      <p:nvGrpSpPr>
+        <p:cNvPr id="181" name="Shape 181"/>
+        <p:cNvGrpSpPr/>
+        <p:nvPr/>
+      </p:nvGrpSpPr>
+      <p:grpSpPr>
+        <a:xfrm>
+          <a:off x="0" y="0"/>
+          <a:ext cx="0" cy="0"/>
+          <a:chOff x="0" y="0"/>
+          <a:chExt cx="0" cy="0"/>
+        </a:xfrm>
+      </p:grpSpPr>
+      <p:sp>
+        <p:nvSpPr>
+          <p:cNvPr id="182" name="Google Shape;182;g105e06faf48_0_443:notes"/>
+          <p:cNvSpPr/>
+          <p:nvPr>
+            <p:ph idx="2" type="sldImg"/>
+          </p:nvPr>
+        </p:nvSpPr>
+        <p:spPr>
+          <a:xfrm>
+            <a:off x="381300" y="685800"/>
+            <a:ext cx="6096000" cy="3429000"/>
+          </a:xfrm>
+          <a:custGeom>
+            <a:rect b="b" l="l" r="r" t="t"/>
+            <a:pathLst>
+              <a:path extrusionOk="0" h="120000" w="120000">
+                <a:moveTo>
+                  <a:pt x="0" y="0"/>
+                </a:moveTo>
+                <a:lnTo>
+                  <a:pt x="120000" y="0"/>
+                </a:lnTo>
+                <a:lnTo>
+                  <a:pt x="120000" y="120000"/>
+                </a:lnTo>
+                <a:lnTo>
+                  <a:pt x="0" y="120000"/>
+                </a:lnTo>
+                <a:close/>
+              </a:path>
+            </a:pathLst>
+          </a:custGeom>
+        </p:spPr>
+      </p:sp>
+      <p:sp>
+        <p:nvSpPr>
+          <p:cNvPr id="183" name="Google Shape;183;g105e06faf48_0_443:notes"/>
+          <p:cNvSpPr txBox="1"/>
+          <p:nvPr>
+            <p:ph idx="1" type="body"/>
+          </p:nvPr>
+        </p:nvSpPr>
+        <p:spPr>
+          <a:xfrm>
+            <a:off x="685800" y="4343400"/>
+            <a:ext cx="5486400" cy="4114800"/>
+          </a:xfrm>
+          <a:prstGeom prst="rect">
+            <a:avLst/>
+          </a:prstGeom>
+        </p:spPr>
+        <p:txBody>
+          <a:bodyPr anchorCtr="0" anchor="t" bIns="91425" lIns="91425" spcFirstLastPara="1" rIns="91425" wrap="square" tIns="91425">
+            <a:noAutofit/>
+          </a:bodyPr>
+          <a:lstStyle/>
+          <a:p>
+            <a:pPr indent="0" lvl="0" marL="0" rtl="0" algn="l">
+              <a:spcBef>
+                <a:spcPts val="0"/>
+              </a:spcBef>
+              <a:spcAft>
+                <a:spcPts val="0"/>
+              </a:spcAft>
+              <a:buNone/>
+            </a:pPr>
+            <a:r>
+              <a:t/>
+            </a:r>
+            <a:endParaRPr/>
+          </a:p>
+        </p:txBody>
+      </p:sp>
+    </p:spTree>
+  </p:cSld>
+  <p:clrMapOvr>
+    <a:masterClrMapping/>
+  </p:clrMapOvr>
+</p:notes>
+</file>
+
+<file path=ppt/notesSlides/notesSlide2.xml><?xml version="1.0" encoding="utf-8"?>
+<p:notes xmlns:a="http://schemas.openxmlformats.org/drawingml/2006/main" xmlns:r="http://schemas.openxmlformats.org/officeDocument/2006/relationships" xmlns:mc="http://schemas.openxmlformats.org/markup-compatibility/2006" xmlns:mv="urn:schemas-microsoft-com:mac:vml" xmlns:p="http://schemas.openxmlformats.org/presentationml/2006/main" xmlns:c="http://schemas.openxmlformats.org/drawingml/2006/chart" xmlns:dgm="http://schemas.openxmlformats.org/drawingml/2006/diagram" xmlns:o="urn:schemas-microsoft-com:office:office" xmlns:v="urn:schemas-microsoft-com:vml" xmlns:pvml="urn:schemas-microsoft-com:office:powerpoint" xmlns:com="http://schemas.openxmlformats.org/drawingml/2006/compatibility" xmlns:p14="http://schemas.microsoft.com/office/powerpoint/2010/main" xmlns:p15="http://schemas.microsoft.com/office/powerpoint/2012/main" xmlns:ahyp="http://schemas.microsoft.com/office/drawing/2018/hyperlinkcolor" showMasterPhAnim="0" showMasterSp="0">
+  <p:cSld>
+    <p:spTree>
+      <p:nvGrpSpPr>
+        <p:cNvPr id="87" name="Shape 87"/>
+        <p:cNvGrpSpPr/>
+        <p:nvPr/>
+      </p:nvGrpSpPr>
+      <p:grpSpPr>
+        <a:xfrm>
+          <a:off x="0" y="0"/>
+          <a:ext cx="0" cy="0"/>
+          <a:chOff x="0" y="0"/>
+          <a:chExt cx="0" cy="0"/>
+        </a:xfrm>
+      </p:grpSpPr>
+      <p:sp>
+        <p:nvSpPr>
+          <p:cNvPr id="88" name="Google Shape;88;g10538ac236f_0_27:notes"/>
+          <p:cNvSpPr/>
+          <p:nvPr>
+            <p:ph idx="2" type="sldImg"/>
+          </p:nvPr>
+        </p:nvSpPr>
+        <p:spPr>
+          <a:xfrm>
+            <a:off x="381300" y="685800"/>
+            <a:ext cx="6096000" cy="3429000"/>
+          </a:xfrm>
+          <a:custGeom>
+            <a:rect b="b" l="l" r="r" t="t"/>
+            <a:pathLst>
+              <a:path extrusionOk="0" h="120000" w="120000">
+                <a:moveTo>
+                  <a:pt x="0" y="0"/>
+                </a:moveTo>
+                <a:lnTo>
+                  <a:pt x="120000" y="0"/>
+                </a:lnTo>
+                <a:lnTo>
+                  <a:pt x="120000" y="120000"/>
+                </a:lnTo>
+                <a:lnTo>
+                  <a:pt x="0" y="120000"/>
+                </a:lnTo>
+                <a:close/>
+              </a:path>
+            </a:pathLst>
+          </a:custGeom>
+        </p:spPr>
+      </p:sp>
+      <p:sp>
+        <p:nvSpPr>
+          <p:cNvPr id="89" name="Google Shape;89;g10538ac236f_0_27:notes"/>
           <p:cNvSpPr txBox="1"/>
           <p:nvPr>
             <p:ph idx="1" type="body"/>
@@ -917,7 +1620,7 @@
       </p:grpSpPr>
       <p:sp>
         <p:nvSpPr>
-          <p:cNvPr id="93" name="Google Shape;93;g105e06faf48_1_0:notes"/>
+          <p:cNvPr id="93" name="Google Shape;93;g10538ac236f_0_19:notes"/>
           <p:cNvSpPr/>
           <p:nvPr>
             <p:ph idx="2" type="sldImg"/>
@@ -952,7 +1655,7 @@
       </p:sp>
       <p:sp>
         <p:nvSpPr>
-          <p:cNvPr id="94" name="Google Shape;94;g105e06faf48_1_0:notes"/>
+          <p:cNvPr id="94" name="Google Shape;94;g10538ac236f_0_19:notes"/>
           <p:cNvSpPr txBox="1"/>
           <p:nvPr>
             <p:ph idx="1" type="body"/>
@@ -1016,7 +1719,7 @@
       </p:grpSpPr>
       <p:sp>
         <p:nvSpPr>
-          <p:cNvPr id="100" name="Google Shape;100;g105e06faf48_0_437:notes"/>
+          <p:cNvPr id="100" name="Google Shape;100;g10538ac236f_0_11:notes"/>
           <p:cNvSpPr/>
           <p:nvPr>
             <p:ph idx="2" type="sldImg"/>
@@ -1051,7 +1754,7 @@
       </p:sp>
       <p:sp>
         <p:nvSpPr>
-          <p:cNvPr id="101" name="Google Shape;101;g105e06faf48_0_437:notes"/>
+          <p:cNvPr id="101" name="Google Shape;101;g10538ac236f_0_11:notes"/>
           <p:cNvSpPr txBox="1"/>
           <p:nvPr>
             <p:ph idx="1" type="body"/>
@@ -1073,8 +1776,27 @@
           <a:lstStyle/>
           <a:p>
             <a:pPr indent="0" lvl="0" marL="0" rtl="0" algn="l">
-              <a:spcBef>
-                <a:spcPts val="0"/>
+              <a:lnSpc>
+                <a:spcPct val="108000"/>
+              </a:lnSpc>
+              <a:spcBef>
+                <a:spcPts val="1200"/>
+              </a:spcBef>
+              <a:spcAft>
+                <a:spcPts val="0"/>
+              </a:spcAft>
+              <a:buNone/>
+            </a:pPr>
+            <a:r>
+              <a:rPr lang="ru"/>
+              <a:t> Target - Средняя скорость изменения давления на приеме насоса в ЧАС, МПа/час",</a:t>
+            </a:r>
+            <a:endParaRPr/>
+          </a:p>
+          <a:p>
+            <a:pPr indent="0" lvl="0" marL="0" rtl="0" algn="l">
+              <a:spcBef>
+                <a:spcPts val="800"/>
               </a:spcBef>
               <a:spcAft>
                 <a:spcPts val="0"/>
@@ -1101,7 +1823,7 @@
   <p:cSld>
     <p:spTree>
       <p:nvGrpSpPr>
-        <p:cNvPr id="105" name="Shape 105"/>
+        <p:cNvPr id="106" name="Shape 106"/>
         <p:cNvGrpSpPr/>
         <p:nvPr/>
       </p:nvGrpSpPr>
@@ -1115,7 +1837,7 @@
       </p:grpSpPr>
       <p:sp>
         <p:nvSpPr>
-          <p:cNvPr id="106" name="Google Shape;106;g105e06faf48_0_433:notes"/>
+          <p:cNvPr id="107" name="Google Shape;107;g105e06faf48_1_0:notes"/>
           <p:cNvSpPr/>
           <p:nvPr>
             <p:ph idx="2" type="sldImg"/>
@@ -1150,7 +1872,7 @@
       </p:sp>
       <p:sp>
         <p:nvSpPr>
-          <p:cNvPr id="107" name="Google Shape;107;g105e06faf48_0_433:notes"/>
+          <p:cNvPr id="108" name="Google Shape;108;g105e06faf48_1_0:notes"/>
           <p:cNvSpPr txBox="1"/>
           <p:nvPr>
             <p:ph idx="1" type="body"/>
@@ -1172,8 +1894,32 @@
           <a:lstStyle/>
           <a:p>
             <a:pPr indent="0" lvl="0" marL="0" rtl="0" algn="l">
-              <a:spcBef>
-                <a:spcPts val="0"/>
+              <a:lnSpc>
+                <a:spcPct val="108000"/>
+              </a:lnSpc>
+              <a:spcBef>
+                <a:spcPts val="1200"/>
+              </a:spcBef>
+              <a:spcAft>
+                <a:spcPts val="0"/>
+              </a:spcAft>
+              <a:buClr>
+                <a:schemeClr val="dk1"/>
+              </a:buClr>
+              <a:buSzPts val="1100"/>
+              <a:buFont typeface="Arial"/>
+              <a:buNone/>
+            </a:pPr>
+            <a:r>
+              <a:rPr lang="ru"/>
+              <a:t> Target - Средняя скорость изменения давления на приеме насоса в ЧАС, МПа/час",</a:t>
+            </a:r>
+            <a:endParaRPr/>
+          </a:p>
+          <a:p>
+            <a:pPr indent="0" lvl="0" marL="0" rtl="0" algn="l">
+              <a:spcBef>
+                <a:spcPts val="800"/>
               </a:spcBef>
               <a:spcAft>
                 <a:spcPts val="0"/>
@@ -1200,7 +1946,7 @@
   <p:cSld>
     <p:spTree>
       <p:nvGrpSpPr>
-        <p:cNvPr id="110" name="Shape 110"/>
+        <p:cNvPr id="115" name="Shape 115"/>
         <p:cNvGrpSpPr/>
         <p:nvPr/>
       </p:nvGrpSpPr>
@@ -1214,7 +1960,7 @@
       </p:grpSpPr>
       <p:sp>
         <p:nvSpPr>
-          <p:cNvPr id="111" name="Google Shape;111;g105e06faf48_0_443:notes"/>
+          <p:cNvPr id="116" name="Google Shape;116;g10538ac236f_0_52:notes"/>
           <p:cNvSpPr/>
           <p:nvPr>
             <p:ph idx="2" type="sldImg"/>
@@ -1249,7 +1995,304 @@
       </p:sp>
       <p:sp>
         <p:nvSpPr>
-          <p:cNvPr id="112" name="Google Shape;112;g105e06faf48_0_443:notes"/>
+          <p:cNvPr id="117" name="Google Shape;117;g10538ac236f_0_52:notes"/>
+          <p:cNvSpPr txBox="1"/>
+          <p:nvPr>
+            <p:ph idx="1" type="body"/>
+          </p:nvPr>
+        </p:nvSpPr>
+        <p:spPr>
+          <a:xfrm>
+            <a:off x="685800" y="4343400"/>
+            <a:ext cx="5486400" cy="4114800"/>
+          </a:xfrm>
+          <a:prstGeom prst="rect">
+            <a:avLst/>
+          </a:prstGeom>
+        </p:spPr>
+        <p:txBody>
+          <a:bodyPr anchorCtr="0" anchor="t" bIns="91425" lIns="91425" spcFirstLastPara="1" rIns="91425" wrap="square" tIns="91425">
+            <a:noAutofit/>
+          </a:bodyPr>
+          <a:lstStyle/>
+          <a:p>
+            <a:pPr indent="0" lvl="0" marL="0" rtl="0" algn="l">
+              <a:spcBef>
+                <a:spcPts val="0"/>
+              </a:spcBef>
+              <a:spcAft>
+                <a:spcPts val="0"/>
+              </a:spcAft>
+              <a:buNone/>
+            </a:pPr>
+            <a:r>
+              <a:t/>
+            </a:r>
+            <a:endParaRPr/>
+          </a:p>
+        </p:txBody>
+      </p:sp>
+    </p:spTree>
+  </p:cSld>
+  <p:clrMapOvr>
+    <a:masterClrMapping/>
+  </p:clrMapOvr>
+</p:notes>
+</file>
+
+<file path=ppt/notesSlides/notesSlide7.xml><?xml version="1.0" encoding="utf-8"?>
+<p:notes xmlns:a="http://schemas.openxmlformats.org/drawingml/2006/main" xmlns:r="http://schemas.openxmlformats.org/officeDocument/2006/relationships" xmlns:mc="http://schemas.openxmlformats.org/markup-compatibility/2006" xmlns:mv="urn:schemas-microsoft-com:mac:vml" xmlns:p="http://schemas.openxmlformats.org/presentationml/2006/main" xmlns:c="http://schemas.openxmlformats.org/drawingml/2006/chart" xmlns:dgm="http://schemas.openxmlformats.org/drawingml/2006/diagram" xmlns:o="urn:schemas-microsoft-com:office:office" xmlns:v="urn:schemas-microsoft-com:vml" xmlns:pvml="urn:schemas-microsoft-com:office:powerpoint" xmlns:com="http://schemas.openxmlformats.org/drawingml/2006/compatibility" xmlns:p14="http://schemas.microsoft.com/office/powerpoint/2010/main" xmlns:p15="http://schemas.microsoft.com/office/powerpoint/2012/main" xmlns:ahyp="http://schemas.microsoft.com/office/drawing/2018/hyperlinkcolor" showMasterPhAnim="0" showMasterSp="0">
+  <p:cSld>
+    <p:spTree>
+      <p:nvGrpSpPr>
+        <p:cNvPr id="120" name="Shape 120"/>
+        <p:cNvGrpSpPr/>
+        <p:nvPr/>
+      </p:nvGrpSpPr>
+      <p:grpSpPr>
+        <a:xfrm>
+          <a:off x="0" y="0"/>
+          <a:ext cx="0" cy="0"/>
+          <a:chOff x="0" y="0"/>
+          <a:chExt cx="0" cy="0"/>
+        </a:xfrm>
+      </p:grpSpPr>
+      <p:sp>
+        <p:nvSpPr>
+          <p:cNvPr id="121" name="Google Shape;121;g10538ac236f_0_56:notes"/>
+          <p:cNvSpPr/>
+          <p:nvPr>
+            <p:ph idx="2" type="sldImg"/>
+          </p:nvPr>
+        </p:nvSpPr>
+        <p:spPr>
+          <a:xfrm>
+            <a:off x="381300" y="685800"/>
+            <a:ext cx="6096000" cy="3429000"/>
+          </a:xfrm>
+          <a:custGeom>
+            <a:rect b="b" l="l" r="r" t="t"/>
+            <a:pathLst>
+              <a:path extrusionOk="0" h="120000" w="120000">
+                <a:moveTo>
+                  <a:pt x="0" y="0"/>
+                </a:moveTo>
+                <a:lnTo>
+                  <a:pt x="120000" y="0"/>
+                </a:lnTo>
+                <a:lnTo>
+                  <a:pt x="120000" y="120000"/>
+                </a:lnTo>
+                <a:lnTo>
+                  <a:pt x="0" y="120000"/>
+                </a:lnTo>
+                <a:close/>
+              </a:path>
+            </a:pathLst>
+          </a:custGeom>
+        </p:spPr>
+      </p:sp>
+      <p:sp>
+        <p:nvSpPr>
+          <p:cNvPr id="122" name="Google Shape;122;g10538ac236f_0_56:notes"/>
+          <p:cNvSpPr txBox="1"/>
+          <p:nvPr>
+            <p:ph idx="1" type="body"/>
+          </p:nvPr>
+        </p:nvSpPr>
+        <p:spPr>
+          <a:xfrm>
+            <a:off x="685800" y="4343400"/>
+            <a:ext cx="5486400" cy="4114800"/>
+          </a:xfrm>
+          <a:prstGeom prst="rect">
+            <a:avLst/>
+          </a:prstGeom>
+        </p:spPr>
+        <p:txBody>
+          <a:bodyPr anchorCtr="0" anchor="t" bIns="91425" lIns="91425" spcFirstLastPara="1" rIns="91425" wrap="square" tIns="91425">
+            <a:noAutofit/>
+          </a:bodyPr>
+          <a:lstStyle/>
+          <a:p>
+            <a:pPr indent="0" lvl="0" marL="0" rtl="0" algn="l">
+              <a:spcBef>
+                <a:spcPts val="0"/>
+              </a:spcBef>
+              <a:spcAft>
+                <a:spcPts val="0"/>
+              </a:spcAft>
+              <a:buNone/>
+            </a:pPr>
+            <a:r>
+              <a:t/>
+            </a:r>
+            <a:endParaRPr/>
+          </a:p>
+        </p:txBody>
+      </p:sp>
+    </p:spTree>
+  </p:cSld>
+  <p:clrMapOvr>
+    <a:masterClrMapping/>
+  </p:clrMapOvr>
+</p:notes>
+</file>
+
+<file path=ppt/notesSlides/notesSlide8.xml><?xml version="1.0" encoding="utf-8"?>
+<p:notes xmlns:a="http://schemas.openxmlformats.org/drawingml/2006/main" xmlns:r="http://schemas.openxmlformats.org/officeDocument/2006/relationships" xmlns:mc="http://schemas.openxmlformats.org/markup-compatibility/2006" xmlns:mv="urn:schemas-microsoft-com:mac:vml" xmlns:p="http://schemas.openxmlformats.org/presentationml/2006/main" xmlns:c="http://schemas.openxmlformats.org/drawingml/2006/chart" xmlns:dgm="http://schemas.openxmlformats.org/drawingml/2006/diagram" xmlns:o="urn:schemas-microsoft-com:office:office" xmlns:v="urn:schemas-microsoft-com:vml" xmlns:pvml="urn:schemas-microsoft-com:office:powerpoint" xmlns:com="http://schemas.openxmlformats.org/drawingml/2006/compatibility" xmlns:p14="http://schemas.microsoft.com/office/powerpoint/2010/main" xmlns:p15="http://schemas.microsoft.com/office/powerpoint/2012/main" xmlns:ahyp="http://schemas.microsoft.com/office/drawing/2018/hyperlinkcolor" showMasterPhAnim="0" showMasterSp="0">
+  <p:cSld>
+    <p:spTree>
+      <p:nvGrpSpPr>
+        <p:cNvPr id="128" name="Shape 128"/>
+        <p:cNvGrpSpPr/>
+        <p:nvPr/>
+      </p:nvGrpSpPr>
+      <p:grpSpPr>
+        <a:xfrm>
+          <a:off x="0" y="0"/>
+          <a:ext cx="0" cy="0"/>
+          <a:chOff x="0" y="0"/>
+          <a:chExt cx="0" cy="0"/>
+        </a:xfrm>
+      </p:grpSpPr>
+      <p:sp>
+        <p:nvSpPr>
+          <p:cNvPr id="129" name="Google Shape;129;g10538ac236f_0_72:notes"/>
+          <p:cNvSpPr/>
+          <p:nvPr>
+            <p:ph idx="2" type="sldImg"/>
+          </p:nvPr>
+        </p:nvSpPr>
+        <p:spPr>
+          <a:xfrm>
+            <a:off x="381300" y="685800"/>
+            <a:ext cx="6096000" cy="3429000"/>
+          </a:xfrm>
+          <a:custGeom>
+            <a:rect b="b" l="l" r="r" t="t"/>
+            <a:pathLst>
+              <a:path extrusionOk="0" h="120000" w="120000">
+                <a:moveTo>
+                  <a:pt x="0" y="0"/>
+                </a:moveTo>
+                <a:lnTo>
+                  <a:pt x="120000" y="0"/>
+                </a:lnTo>
+                <a:lnTo>
+                  <a:pt x="120000" y="120000"/>
+                </a:lnTo>
+                <a:lnTo>
+                  <a:pt x="0" y="120000"/>
+                </a:lnTo>
+                <a:close/>
+              </a:path>
+            </a:pathLst>
+          </a:custGeom>
+        </p:spPr>
+      </p:sp>
+      <p:sp>
+        <p:nvSpPr>
+          <p:cNvPr id="130" name="Google Shape;130;g10538ac236f_0_72:notes"/>
+          <p:cNvSpPr txBox="1"/>
+          <p:nvPr>
+            <p:ph idx="1" type="body"/>
+          </p:nvPr>
+        </p:nvSpPr>
+        <p:spPr>
+          <a:xfrm>
+            <a:off x="685800" y="4343400"/>
+            <a:ext cx="5486400" cy="4114800"/>
+          </a:xfrm>
+          <a:prstGeom prst="rect">
+            <a:avLst/>
+          </a:prstGeom>
+        </p:spPr>
+        <p:txBody>
+          <a:bodyPr anchorCtr="0" anchor="t" bIns="91425" lIns="91425" spcFirstLastPara="1" rIns="91425" wrap="square" tIns="91425">
+            <a:noAutofit/>
+          </a:bodyPr>
+          <a:lstStyle/>
+          <a:p>
+            <a:pPr indent="0" lvl="0" marL="0" rtl="0" algn="l">
+              <a:spcBef>
+                <a:spcPts val="0"/>
+              </a:spcBef>
+              <a:spcAft>
+                <a:spcPts val="0"/>
+              </a:spcAft>
+              <a:buNone/>
+            </a:pPr>
+            <a:r>
+              <a:t/>
+            </a:r>
+            <a:endParaRPr/>
+          </a:p>
+        </p:txBody>
+      </p:sp>
+    </p:spTree>
+  </p:cSld>
+  <p:clrMapOvr>
+    <a:masterClrMapping/>
+  </p:clrMapOvr>
+</p:notes>
+</file>
+
+<file path=ppt/notesSlides/notesSlide9.xml><?xml version="1.0" encoding="utf-8"?>
+<p:notes xmlns:a="http://schemas.openxmlformats.org/drawingml/2006/main" xmlns:r="http://schemas.openxmlformats.org/officeDocument/2006/relationships" xmlns:mc="http://schemas.openxmlformats.org/markup-compatibility/2006" xmlns:mv="urn:schemas-microsoft-com:mac:vml" xmlns:p="http://schemas.openxmlformats.org/presentationml/2006/main" xmlns:c="http://schemas.openxmlformats.org/drawingml/2006/chart" xmlns:dgm="http://schemas.openxmlformats.org/drawingml/2006/diagram" xmlns:o="urn:schemas-microsoft-com:office:office" xmlns:v="urn:schemas-microsoft-com:vml" xmlns:pvml="urn:schemas-microsoft-com:office:powerpoint" xmlns:com="http://schemas.openxmlformats.org/drawingml/2006/compatibility" xmlns:p14="http://schemas.microsoft.com/office/powerpoint/2010/main" xmlns:p15="http://schemas.microsoft.com/office/powerpoint/2012/main" xmlns:ahyp="http://schemas.microsoft.com/office/drawing/2018/hyperlinkcolor" showMasterPhAnim="0" showMasterSp="0">
+  <p:cSld>
+    <p:spTree>
+      <p:nvGrpSpPr>
+        <p:cNvPr id="133" name="Shape 133"/>
+        <p:cNvGrpSpPr/>
+        <p:nvPr/>
+      </p:nvGrpSpPr>
+      <p:grpSpPr>
+        <a:xfrm>
+          <a:off x="0" y="0"/>
+          <a:ext cx="0" cy="0"/>
+          <a:chOff x="0" y="0"/>
+          <a:chExt cx="0" cy="0"/>
+        </a:xfrm>
+      </p:grpSpPr>
+      <p:sp>
+        <p:nvSpPr>
+          <p:cNvPr id="134" name="Google Shape;134;g10538ac236f_0_64:notes"/>
+          <p:cNvSpPr/>
+          <p:nvPr>
+            <p:ph idx="2" type="sldImg"/>
+          </p:nvPr>
+        </p:nvSpPr>
+        <p:spPr>
+          <a:xfrm>
+            <a:off x="381300" y="685800"/>
+            <a:ext cx="6096000" cy="3429000"/>
+          </a:xfrm>
+          <a:custGeom>
+            <a:rect b="b" l="l" r="r" t="t"/>
+            <a:pathLst>
+              <a:path extrusionOk="0" h="120000" w="120000">
+                <a:moveTo>
+                  <a:pt x="0" y="0"/>
+                </a:moveTo>
+                <a:lnTo>
+                  <a:pt x="120000" y="0"/>
+                </a:lnTo>
+                <a:lnTo>
+                  <a:pt x="120000" y="120000"/>
+                </a:lnTo>
+                <a:lnTo>
+                  <a:pt x="0" y="120000"/>
+                </a:lnTo>
+                <a:close/>
+              </a:path>
+            </a:pathLst>
+          </a:custGeom>
+        </p:spPr>
+      </p:sp>
+      <p:sp>
+        <p:nvSpPr>
+          <p:cNvPr id="135" name="Google Shape;135;g10538ac236f_0_64:notes"/>
           <p:cNvSpPr txBox="1"/>
           <p:nvPr>
             <p:ph idx="1" type="body"/>
@@ -7999,6 +9042,2861 @@
 </p:sld>
 </file>
 
+<file path=ppt/slides/slide10.xml><?xml version="1.0" encoding="utf-8"?>
+<p:sld xmlns:a="http://schemas.openxmlformats.org/drawingml/2006/main" xmlns:r="http://schemas.openxmlformats.org/officeDocument/2006/relationships" xmlns:mc="http://schemas.openxmlformats.org/markup-compatibility/2006" xmlns:mv="urn:schemas-microsoft-com:mac:vml" xmlns:p="http://schemas.openxmlformats.org/presentationml/2006/main" xmlns:c="http://schemas.openxmlformats.org/drawingml/2006/chart" xmlns:dgm="http://schemas.openxmlformats.org/drawingml/2006/diagram" xmlns:o="urn:schemas-microsoft-com:office:office" xmlns:v="urn:schemas-microsoft-com:vml" xmlns:pvml="urn:schemas-microsoft-com:office:powerpoint" xmlns:com="http://schemas.openxmlformats.org/drawingml/2006/compatibility" xmlns:p14="http://schemas.microsoft.com/office/powerpoint/2010/main" xmlns:p15="http://schemas.microsoft.com/office/powerpoint/2012/main" xmlns:ahyp="http://schemas.microsoft.com/office/drawing/2018/hyperlinkcolor">
+  <p:cSld>
+    <p:spTree>
+      <p:nvGrpSpPr>
+        <p:cNvPr id="143" name="Shape 143"/>
+        <p:cNvGrpSpPr/>
+        <p:nvPr/>
+      </p:nvGrpSpPr>
+      <p:grpSpPr>
+        <a:xfrm>
+          <a:off x="0" y="0"/>
+          <a:ext cx="0" cy="0"/>
+          <a:chOff x="0" y="0"/>
+          <a:chExt cx="0" cy="0"/>
+        </a:xfrm>
+      </p:grpSpPr>
+      <p:sp>
+        <p:nvSpPr>
+          <p:cNvPr id="144" name="Google Shape;144;p22"/>
+          <p:cNvSpPr txBox="1"/>
+          <p:nvPr>
+            <p:ph type="title"/>
+          </p:nvPr>
+        </p:nvSpPr>
+        <p:spPr>
+          <a:xfrm>
+            <a:off x="311700" y="410000"/>
+            <a:ext cx="8520600" cy="607800"/>
+          </a:xfrm>
+          <a:prstGeom prst="rect">
+            <a:avLst/>
+          </a:prstGeom>
+        </p:spPr>
+        <p:txBody>
+          <a:bodyPr anchorCtr="0" anchor="t" bIns="91425" lIns="91425" spcFirstLastPara="1" rIns="91425" wrap="square" tIns="91425">
+            <a:normAutofit fontScale="90000"/>
+          </a:bodyPr>
+          <a:lstStyle/>
+          <a:p>
+            <a:pPr indent="0" lvl="0" marL="0" rtl="0" algn="l">
+              <a:spcBef>
+                <a:spcPts val="0"/>
+              </a:spcBef>
+              <a:spcAft>
+                <a:spcPts val="0"/>
+              </a:spcAft>
+              <a:buNone/>
+            </a:pPr>
+            <a:r>
+              <a:rPr lang="ru"/>
+              <a:t>Результаты - остатки</a:t>
+            </a:r>
+            <a:endParaRPr/>
+          </a:p>
+          <a:p>
+            <a:pPr indent="0" lvl="0" marL="0" rtl="0" algn="l">
+              <a:spcBef>
+                <a:spcPts val="0"/>
+              </a:spcBef>
+              <a:spcAft>
+                <a:spcPts val="0"/>
+              </a:spcAft>
+              <a:buNone/>
+            </a:pPr>
+            <a:r>
+              <a:t/>
+            </a:r>
+            <a:endParaRPr/>
+          </a:p>
+        </p:txBody>
+      </p:sp>
+      <p:pic>
+        <p:nvPicPr>
+          <p:cNvPr id="145" name="Google Shape;145;p22"/>
+          <p:cNvPicPr preferRelativeResize="0"/>
+          <p:nvPr/>
+        </p:nvPicPr>
+        <p:blipFill>
+          <a:blip r:embed="rId3">
+            <a:alphaModFix/>
+          </a:blip>
+          <a:stretch>
+            <a:fillRect/>
+          </a:stretch>
+        </p:blipFill>
+        <p:spPr>
+          <a:xfrm>
+            <a:off x="152400" y="2786950"/>
+            <a:ext cx="8273198" cy="2205650"/>
+          </a:xfrm>
+          <a:prstGeom prst="rect">
+            <a:avLst/>
+          </a:prstGeom>
+          <a:noFill/>
+          <a:ln>
+            <a:noFill/>
+          </a:ln>
+        </p:spPr>
+      </p:pic>
+      <p:pic>
+        <p:nvPicPr>
+          <p:cNvPr id="146" name="Google Shape;146;p22"/>
+          <p:cNvPicPr preferRelativeResize="0"/>
+          <p:nvPr/>
+        </p:nvPicPr>
+        <p:blipFill>
+          <a:blip r:embed="rId4">
+            <a:alphaModFix/>
+          </a:blip>
+          <a:stretch>
+            <a:fillRect/>
+          </a:stretch>
+        </p:blipFill>
+        <p:spPr>
+          <a:xfrm>
+            <a:off x="152400" y="864750"/>
+            <a:ext cx="8839199" cy="2106212"/>
+          </a:xfrm>
+          <a:prstGeom prst="rect">
+            <a:avLst/>
+          </a:prstGeom>
+          <a:noFill/>
+          <a:ln>
+            <a:noFill/>
+          </a:ln>
+        </p:spPr>
+      </p:pic>
+    </p:spTree>
+  </p:cSld>
+  <p:clrMapOvr>
+    <a:masterClrMapping/>
+  </p:clrMapOvr>
+</p:sld>
+</file>
+
+<file path=ppt/slides/slide11.xml><?xml version="1.0" encoding="utf-8"?>
+<p:sld xmlns:a="http://schemas.openxmlformats.org/drawingml/2006/main" xmlns:r="http://schemas.openxmlformats.org/officeDocument/2006/relationships" xmlns:mc="http://schemas.openxmlformats.org/markup-compatibility/2006" xmlns:mv="urn:schemas-microsoft-com:mac:vml" xmlns:p="http://schemas.openxmlformats.org/presentationml/2006/main" xmlns:c="http://schemas.openxmlformats.org/drawingml/2006/chart" xmlns:dgm="http://schemas.openxmlformats.org/drawingml/2006/diagram" xmlns:o="urn:schemas-microsoft-com:office:office" xmlns:v="urn:schemas-microsoft-com:vml" xmlns:pvml="urn:schemas-microsoft-com:office:powerpoint" xmlns:com="http://schemas.openxmlformats.org/drawingml/2006/compatibility" xmlns:p14="http://schemas.microsoft.com/office/powerpoint/2010/main" xmlns:p15="http://schemas.microsoft.com/office/powerpoint/2012/main" xmlns:ahyp="http://schemas.microsoft.com/office/drawing/2018/hyperlinkcolor">
+  <p:cSld>
+    <p:spTree>
+      <p:nvGrpSpPr>
+        <p:cNvPr id="150" name="Shape 150"/>
+        <p:cNvGrpSpPr/>
+        <p:nvPr/>
+      </p:nvGrpSpPr>
+      <p:grpSpPr>
+        <a:xfrm>
+          <a:off x="0" y="0"/>
+          <a:ext cx="0" cy="0"/>
+          <a:chOff x="0" y="0"/>
+          <a:chExt cx="0" cy="0"/>
+        </a:xfrm>
+      </p:grpSpPr>
+      <p:sp>
+        <p:nvSpPr>
+          <p:cNvPr id="151" name="Google Shape;151;p23"/>
+          <p:cNvSpPr txBox="1"/>
+          <p:nvPr>
+            <p:ph type="title"/>
+          </p:nvPr>
+        </p:nvSpPr>
+        <p:spPr>
+          <a:xfrm>
+            <a:off x="311700" y="410000"/>
+            <a:ext cx="8520600" cy="607800"/>
+          </a:xfrm>
+          <a:prstGeom prst="rect">
+            <a:avLst/>
+          </a:prstGeom>
+        </p:spPr>
+        <p:txBody>
+          <a:bodyPr anchorCtr="0" anchor="t" bIns="91425" lIns="91425" spcFirstLastPara="1" rIns="91425" wrap="square" tIns="91425">
+            <a:normAutofit fontScale="90000"/>
+          </a:bodyPr>
+          <a:lstStyle/>
+          <a:p>
+            <a:pPr indent="0" lvl="0" marL="0" rtl="0" algn="l">
+              <a:spcBef>
+                <a:spcPts val="0"/>
+              </a:spcBef>
+              <a:spcAft>
+                <a:spcPts val="0"/>
+              </a:spcAft>
+              <a:buNone/>
+            </a:pPr>
+            <a:r>
+              <a:rPr lang="ru"/>
+              <a:t>Результаты - метрики</a:t>
+            </a:r>
+            <a:endParaRPr/>
+          </a:p>
+          <a:p>
+            <a:pPr indent="0" lvl="0" marL="0" rtl="0" algn="l">
+              <a:spcBef>
+                <a:spcPts val="0"/>
+              </a:spcBef>
+              <a:spcAft>
+                <a:spcPts val="0"/>
+              </a:spcAft>
+              <a:buNone/>
+            </a:pPr>
+            <a:r>
+              <a:t/>
+            </a:r>
+            <a:endParaRPr/>
+          </a:p>
+        </p:txBody>
+      </p:sp>
+      <p:pic>
+        <p:nvPicPr>
+          <p:cNvPr id="152" name="Google Shape;152;p23"/>
+          <p:cNvPicPr preferRelativeResize="0"/>
+          <p:nvPr/>
+        </p:nvPicPr>
+        <p:blipFill>
+          <a:blip r:embed="rId3">
+            <a:alphaModFix/>
+          </a:blip>
+          <a:stretch>
+            <a:fillRect/>
+          </a:stretch>
+        </p:blipFill>
+        <p:spPr>
+          <a:xfrm>
+            <a:off x="152400" y="1170200"/>
+            <a:ext cx="2933940" cy="3820901"/>
+          </a:xfrm>
+          <a:prstGeom prst="rect">
+            <a:avLst/>
+          </a:prstGeom>
+          <a:noFill/>
+          <a:ln>
+            <a:noFill/>
+          </a:ln>
+        </p:spPr>
+      </p:pic>
+      <p:graphicFrame>
+        <p:nvGraphicFramePr>
+          <p:cNvPr id="153" name="Google Shape;153;p23"/>
+          <p:cNvGraphicFramePr/>
+          <p:nvPr/>
+        </p:nvGraphicFramePr>
+        <p:xfrm>
+          <a:off x="3857825" y="1170210"/>
+          <a:ext cx="3000000" cy="3000000"/>
+        </p:xfrm>
+        <a:graphic>
+          <a:graphicData uri="http://schemas.openxmlformats.org/drawingml/2006/table">
+            <a:tbl>
+              <a:tblPr>
+                <a:noFill/>
+                <a:tableStyleId>{A6B1AA2D-C1E6-46CE-B786-9897B2C660E1}</a:tableStyleId>
+              </a:tblPr>
+              <a:tblGrid>
+                <a:gridCol w="1339250"/>
+                <a:gridCol w="1217200"/>
+                <a:gridCol w="1199800"/>
+                <a:gridCol w="1031900"/>
+              </a:tblGrid>
+              <a:tr h="298550">
+                <a:tc>
+                  <a:txBody>
+                    <a:bodyPr/>
+                    <a:lstStyle/>
+                    <a:p>
+                      <a:pPr indent="0" lvl="0" marL="0" rtl="0" algn="l">
+                        <a:lnSpc>
+                          <a:spcPct val="115000"/>
+                        </a:lnSpc>
+                        <a:spcBef>
+                          <a:spcPts val="0"/>
+                        </a:spcBef>
+                        <a:spcAft>
+                          <a:spcPts val="0"/>
+                        </a:spcAft>
+                        <a:buNone/>
+                      </a:pPr>
+                      <a:r>
+                        <a:t/>
+                      </a:r>
+                      <a:endParaRPr/>
+                    </a:p>
+                  </a:txBody>
+                  <a:tcPr marT="91425" marB="91425" marR="91425" marL="91425">
+                    <a:lnR cap="flat" cmpd="sng" w="9525">
+                      <a:solidFill>
+                        <a:srgbClr val="000000"/>
+                      </a:solidFill>
+                      <a:prstDash val="solid"/>
+                      <a:round/>
+                      <a:headEnd len="sm" w="sm" type="none"/>
+                      <a:tailEnd len="sm" w="sm" type="none"/>
+                    </a:lnR>
+                    <a:lnB cap="flat" cmpd="sng" w="9525">
+                      <a:solidFill>
+                        <a:srgbClr val="000000"/>
+                      </a:solidFill>
+                      <a:prstDash val="solid"/>
+                      <a:round/>
+                      <a:headEnd len="sm" w="sm" type="none"/>
+                      <a:tailEnd len="sm" w="sm" type="none"/>
+                    </a:lnB>
+                  </a:tcPr>
+                </a:tc>
+                <a:tc>
+                  <a:txBody>
+                    <a:bodyPr/>
+                    <a:lstStyle/>
+                    <a:p>
+                      <a:pPr indent="0" lvl="0" marL="0" rtl="0" algn="ctr">
+                        <a:lnSpc>
+                          <a:spcPct val="115000"/>
+                        </a:lnSpc>
+                        <a:spcBef>
+                          <a:spcPts val="0"/>
+                        </a:spcBef>
+                        <a:spcAft>
+                          <a:spcPts val="0"/>
+                        </a:spcAft>
+                        <a:buNone/>
+                      </a:pPr>
+                      <a:r>
+                        <a:rPr b="1" lang="ru" sz="1100"/>
+                        <a:t>SMAPE</a:t>
+                      </a:r>
+                      <a:endParaRPr b="1" sz="1100"/>
+                    </a:p>
+                  </a:txBody>
+                  <a:tcPr marT="91425" marB="91425" marR="91425" marL="91425">
+                    <a:lnL cap="flat" cmpd="sng" w="9525">
+                      <a:solidFill>
+                        <a:srgbClr val="000000"/>
+                      </a:solidFill>
+                      <a:prstDash val="solid"/>
+                      <a:round/>
+                      <a:headEnd len="sm" w="sm" type="none"/>
+                      <a:tailEnd len="sm" w="sm" type="none"/>
+                    </a:lnL>
+                    <a:lnR cap="flat" cmpd="sng" w="9525">
+                      <a:solidFill>
+                        <a:srgbClr val="000000"/>
+                      </a:solidFill>
+                      <a:prstDash val="solid"/>
+                      <a:round/>
+                      <a:headEnd len="sm" w="sm" type="none"/>
+                      <a:tailEnd len="sm" w="sm" type="none"/>
+                    </a:lnR>
+                    <a:lnT cap="flat" cmpd="sng" w="9525">
+                      <a:solidFill>
+                        <a:srgbClr val="000000"/>
+                      </a:solidFill>
+                      <a:prstDash val="solid"/>
+                      <a:round/>
+                      <a:headEnd len="sm" w="sm" type="none"/>
+                      <a:tailEnd len="sm" w="sm" type="none"/>
+                    </a:lnT>
+                    <a:lnB cap="flat" cmpd="sng" w="9525">
+                      <a:solidFill>
+                        <a:srgbClr val="000000"/>
+                      </a:solidFill>
+                      <a:prstDash val="solid"/>
+                      <a:round/>
+                      <a:headEnd len="sm" w="sm" type="none"/>
+                      <a:tailEnd len="sm" w="sm" type="none"/>
+                    </a:lnB>
+                  </a:tcPr>
+                </a:tc>
+                <a:tc>
+                  <a:txBody>
+                    <a:bodyPr/>
+                    <a:lstStyle/>
+                    <a:p>
+                      <a:pPr indent="0" lvl="0" marL="0" rtl="0" algn="ctr">
+                        <a:lnSpc>
+                          <a:spcPct val="115000"/>
+                        </a:lnSpc>
+                        <a:spcBef>
+                          <a:spcPts val="0"/>
+                        </a:spcBef>
+                        <a:spcAft>
+                          <a:spcPts val="0"/>
+                        </a:spcAft>
+                        <a:buNone/>
+                      </a:pPr>
+                      <a:r>
+                        <a:rPr b="1" lang="ru" sz="1100"/>
+                        <a:t>MAE</a:t>
+                      </a:r>
+                      <a:endParaRPr b="1" sz="1100"/>
+                    </a:p>
+                  </a:txBody>
+                  <a:tcPr marT="91425" marB="91425" marR="91425" marL="91425">
+                    <a:lnL cap="flat" cmpd="sng" w="9525">
+                      <a:solidFill>
+                        <a:srgbClr val="000000"/>
+                      </a:solidFill>
+                      <a:prstDash val="solid"/>
+                      <a:round/>
+                      <a:headEnd len="sm" w="sm" type="none"/>
+                      <a:tailEnd len="sm" w="sm" type="none"/>
+                    </a:lnL>
+                    <a:lnR cap="flat" cmpd="sng" w="9525">
+                      <a:solidFill>
+                        <a:srgbClr val="000000"/>
+                      </a:solidFill>
+                      <a:prstDash val="solid"/>
+                      <a:round/>
+                      <a:headEnd len="sm" w="sm" type="none"/>
+                      <a:tailEnd len="sm" w="sm" type="none"/>
+                    </a:lnR>
+                    <a:lnT cap="flat" cmpd="sng" w="9525">
+                      <a:solidFill>
+                        <a:srgbClr val="000000"/>
+                      </a:solidFill>
+                      <a:prstDash val="solid"/>
+                      <a:round/>
+                      <a:headEnd len="sm" w="sm" type="none"/>
+                      <a:tailEnd len="sm" w="sm" type="none"/>
+                    </a:lnT>
+                    <a:lnB cap="flat" cmpd="sng" w="9525">
+                      <a:solidFill>
+                        <a:srgbClr val="000000"/>
+                      </a:solidFill>
+                      <a:prstDash val="solid"/>
+                      <a:round/>
+                      <a:headEnd len="sm" w="sm" type="none"/>
+                      <a:tailEnd len="sm" w="sm" type="none"/>
+                    </a:lnB>
+                  </a:tcPr>
+                </a:tc>
+                <a:tc>
+                  <a:txBody>
+                    <a:bodyPr/>
+                    <a:lstStyle/>
+                    <a:p>
+                      <a:pPr indent="0" lvl="0" marL="0" rtl="0" algn="ctr">
+                        <a:lnSpc>
+                          <a:spcPct val="115000"/>
+                        </a:lnSpc>
+                        <a:spcBef>
+                          <a:spcPts val="0"/>
+                        </a:spcBef>
+                        <a:spcAft>
+                          <a:spcPts val="0"/>
+                        </a:spcAft>
+                        <a:buNone/>
+                      </a:pPr>
+                      <a:r>
+                        <a:rPr b="1" lang="ru" sz="1100"/>
+                        <a:t>R</a:t>
+                      </a:r>
+                      <a:r>
+                        <a:rPr b="1" baseline="30000" lang="ru" sz="1100"/>
+                        <a:t>2</a:t>
+                      </a:r>
+                      <a:endParaRPr b="1" baseline="30000" sz="1100"/>
+                    </a:p>
+                  </a:txBody>
+                  <a:tcPr marT="91425" marB="91425" marR="91425" marL="91425">
+                    <a:lnL cap="flat" cmpd="sng" w="9525">
+                      <a:solidFill>
+                        <a:srgbClr val="000000"/>
+                      </a:solidFill>
+                      <a:prstDash val="solid"/>
+                      <a:round/>
+                      <a:headEnd len="sm" w="sm" type="none"/>
+                      <a:tailEnd len="sm" w="sm" type="none"/>
+                    </a:lnL>
+                    <a:lnR cap="flat" cmpd="sng" w="9525">
+                      <a:solidFill>
+                        <a:srgbClr val="000000"/>
+                      </a:solidFill>
+                      <a:prstDash val="solid"/>
+                      <a:round/>
+                      <a:headEnd len="sm" w="sm" type="none"/>
+                      <a:tailEnd len="sm" w="sm" type="none"/>
+                    </a:lnR>
+                    <a:lnT cap="flat" cmpd="sng" w="9525">
+                      <a:solidFill>
+                        <a:srgbClr val="000000"/>
+                      </a:solidFill>
+                      <a:prstDash val="solid"/>
+                      <a:round/>
+                      <a:headEnd len="sm" w="sm" type="none"/>
+                      <a:tailEnd len="sm" w="sm" type="none"/>
+                    </a:lnT>
+                    <a:lnB cap="flat" cmpd="sng" w="9525">
+                      <a:solidFill>
+                        <a:srgbClr val="000000"/>
+                      </a:solidFill>
+                      <a:prstDash val="solid"/>
+                      <a:round/>
+                      <a:headEnd len="sm" w="sm" type="none"/>
+                      <a:tailEnd len="sm" w="sm" type="none"/>
+                    </a:lnB>
+                  </a:tcPr>
+                </a:tc>
+              </a:tr>
+              <a:tr h="449250">
+                <a:tc>
+                  <a:txBody>
+                    <a:bodyPr/>
+                    <a:lstStyle/>
+                    <a:p>
+                      <a:pPr indent="0" lvl="0" marL="0" rtl="0" algn="ctr">
+                        <a:lnSpc>
+                          <a:spcPct val="115000"/>
+                        </a:lnSpc>
+                        <a:spcBef>
+                          <a:spcPts val="0"/>
+                        </a:spcBef>
+                        <a:spcAft>
+                          <a:spcPts val="0"/>
+                        </a:spcAft>
+                        <a:buNone/>
+                      </a:pPr>
+                      <a:r>
+                        <a:rPr b="1" lang="ru" sz="1100"/>
+                        <a:t>TCN</a:t>
+                      </a:r>
+                      <a:endParaRPr b="1" sz="1100"/>
+                    </a:p>
+                  </a:txBody>
+                  <a:tcPr marT="91425" marB="91425" marR="91425" marL="91425">
+                    <a:lnL cap="flat" cmpd="sng" w="9525">
+                      <a:solidFill>
+                        <a:srgbClr val="000000"/>
+                      </a:solidFill>
+                      <a:prstDash val="solid"/>
+                      <a:round/>
+                      <a:headEnd len="sm" w="sm" type="none"/>
+                      <a:tailEnd len="sm" w="sm" type="none"/>
+                    </a:lnL>
+                    <a:lnR cap="flat" cmpd="sng" w="9525">
+                      <a:solidFill>
+                        <a:srgbClr val="000000"/>
+                      </a:solidFill>
+                      <a:prstDash val="solid"/>
+                      <a:round/>
+                      <a:headEnd len="sm" w="sm" type="none"/>
+                      <a:tailEnd len="sm" w="sm" type="none"/>
+                    </a:lnR>
+                    <a:lnT cap="flat" cmpd="sng" w="9525">
+                      <a:solidFill>
+                        <a:srgbClr val="000000"/>
+                      </a:solidFill>
+                      <a:prstDash val="solid"/>
+                      <a:round/>
+                      <a:headEnd len="sm" w="sm" type="none"/>
+                      <a:tailEnd len="sm" w="sm" type="none"/>
+                    </a:lnT>
+                    <a:lnB cap="flat" cmpd="sng" w="9525">
+                      <a:solidFill>
+                        <a:srgbClr val="000000"/>
+                      </a:solidFill>
+                      <a:prstDash val="solid"/>
+                      <a:round/>
+                      <a:headEnd len="sm" w="sm" type="none"/>
+                      <a:tailEnd len="sm" w="sm" type="none"/>
+                    </a:lnB>
+                  </a:tcPr>
+                </a:tc>
+                <a:tc>
+                  <a:txBody>
+                    <a:bodyPr/>
+                    <a:lstStyle/>
+                    <a:p>
+                      <a:pPr indent="0" lvl="0" marL="0" rtl="0" algn="r">
+                        <a:lnSpc>
+                          <a:spcPct val="115000"/>
+                        </a:lnSpc>
+                        <a:spcBef>
+                          <a:spcPts val="0"/>
+                        </a:spcBef>
+                        <a:spcAft>
+                          <a:spcPts val="0"/>
+                        </a:spcAft>
+                        <a:buNone/>
+                      </a:pPr>
+                      <a:r>
+                        <a:rPr lang="ru"/>
+                        <a:t>0,04443</a:t>
+                      </a:r>
+                      <a:endParaRPr/>
+                    </a:p>
+                  </a:txBody>
+                  <a:tcPr marT="91425" marB="91425" marR="91425" marL="91425">
+                    <a:lnL cap="flat" cmpd="sng" w="9525">
+                      <a:solidFill>
+                        <a:srgbClr val="000000"/>
+                      </a:solidFill>
+                      <a:prstDash val="solid"/>
+                      <a:round/>
+                      <a:headEnd len="sm" w="sm" type="none"/>
+                      <a:tailEnd len="sm" w="sm" type="none"/>
+                    </a:lnL>
+                    <a:lnT cap="flat" cmpd="sng" w="9525">
+                      <a:solidFill>
+                        <a:srgbClr val="000000"/>
+                      </a:solidFill>
+                      <a:prstDash val="solid"/>
+                      <a:round/>
+                      <a:headEnd len="sm" w="sm" type="none"/>
+                      <a:tailEnd len="sm" w="sm" type="none"/>
+                    </a:lnT>
+                  </a:tcPr>
+                </a:tc>
+                <a:tc>
+                  <a:txBody>
+                    <a:bodyPr/>
+                    <a:lstStyle/>
+                    <a:p>
+                      <a:pPr indent="0" lvl="0" marL="0" rtl="0" algn="r">
+                        <a:lnSpc>
+                          <a:spcPct val="115000"/>
+                        </a:lnSpc>
+                        <a:spcBef>
+                          <a:spcPts val="0"/>
+                        </a:spcBef>
+                        <a:spcAft>
+                          <a:spcPts val="0"/>
+                        </a:spcAft>
+                        <a:buNone/>
+                      </a:pPr>
+                      <a:r>
+                        <a:rPr lang="ru"/>
+                        <a:t>0,01243</a:t>
+                      </a:r>
+                      <a:endParaRPr/>
+                    </a:p>
+                  </a:txBody>
+                  <a:tcPr marT="91425" marB="91425" marR="91425" marL="91425">
+                    <a:lnT cap="flat" cmpd="sng" w="9525">
+                      <a:solidFill>
+                        <a:srgbClr val="000000"/>
+                      </a:solidFill>
+                      <a:prstDash val="solid"/>
+                      <a:round/>
+                      <a:headEnd len="sm" w="sm" type="none"/>
+                      <a:tailEnd len="sm" w="sm" type="none"/>
+                    </a:lnT>
+                  </a:tcPr>
+                </a:tc>
+                <a:tc>
+                  <a:txBody>
+                    <a:bodyPr/>
+                    <a:lstStyle/>
+                    <a:p>
+                      <a:pPr indent="0" lvl="0" marL="0" rtl="0" algn="r">
+                        <a:lnSpc>
+                          <a:spcPct val="115000"/>
+                        </a:lnSpc>
+                        <a:spcBef>
+                          <a:spcPts val="0"/>
+                        </a:spcBef>
+                        <a:spcAft>
+                          <a:spcPts val="0"/>
+                        </a:spcAft>
+                        <a:buNone/>
+                      </a:pPr>
+                      <a:r>
+                        <a:rPr lang="ru"/>
+                        <a:t>0,97863</a:t>
+                      </a:r>
+                      <a:endParaRPr/>
+                    </a:p>
+                  </a:txBody>
+                  <a:tcPr marT="91425" marB="91425" marR="91425" marL="91425">
+                    <a:lnT cap="flat" cmpd="sng" w="9525">
+                      <a:solidFill>
+                        <a:srgbClr val="000000"/>
+                      </a:solidFill>
+                      <a:prstDash val="solid"/>
+                      <a:round/>
+                      <a:headEnd len="sm" w="sm" type="none"/>
+                      <a:tailEnd len="sm" w="sm" type="none"/>
+                    </a:lnT>
+                  </a:tcPr>
+                </a:tc>
+              </a:tr>
+              <a:tr h="449250">
+                <a:tc>
+                  <a:txBody>
+                    <a:bodyPr/>
+                    <a:lstStyle/>
+                    <a:p>
+                      <a:pPr indent="0" lvl="0" marL="0" rtl="0" algn="ctr">
+                        <a:lnSpc>
+                          <a:spcPct val="115000"/>
+                        </a:lnSpc>
+                        <a:spcBef>
+                          <a:spcPts val="0"/>
+                        </a:spcBef>
+                        <a:spcAft>
+                          <a:spcPts val="0"/>
+                        </a:spcAft>
+                        <a:buNone/>
+                      </a:pPr>
+                      <a:r>
+                        <a:rPr b="1" lang="ru" sz="1100"/>
+                        <a:t>Transformer</a:t>
+                      </a:r>
+                      <a:endParaRPr b="1" sz="1100"/>
+                    </a:p>
+                  </a:txBody>
+                  <a:tcPr marT="91425" marB="91425" marR="91425" marL="91425">
+                    <a:lnL cap="flat" cmpd="sng" w="9525">
+                      <a:solidFill>
+                        <a:srgbClr val="000000"/>
+                      </a:solidFill>
+                      <a:prstDash val="solid"/>
+                      <a:round/>
+                      <a:headEnd len="sm" w="sm" type="none"/>
+                      <a:tailEnd len="sm" w="sm" type="none"/>
+                    </a:lnL>
+                    <a:lnR cap="flat" cmpd="sng" w="9525">
+                      <a:solidFill>
+                        <a:srgbClr val="000000"/>
+                      </a:solidFill>
+                      <a:prstDash val="solid"/>
+                      <a:round/>
+                      <a:headEnd len="sm" w="sm" type="none"/>
+                      <a:tailEnd len="sm" w="sm" type="none"/>
+                    </a:lnR>
+                    <a:lnT cap="flat" cmpd="sng" w="9525">
+                      <a:solidFill>
+                        <a:srgbClr val="000000"/>
+                      </a:solidFill>
+                      <a:prstDash val="solid"/>
+                      <a:round/>
+                      <a:headEnd len="sm" w="sm" type="none"/>
+                      <a:tailEnd len="sm" w="sm" type="none"/>
+                    </a:lnT>
+                    <a:lnB cap="flat" cmpd="sng" w="9525">
+                      <a:solidFill>
+                        <a:srgbClr val="000000"/>
+                      </a:solidFill>
+                      <a:prstDash val="solid"/>
+                      <a:round/>
+                      <a:headEnd len="sm" w="sm" type="none"/>
+                      <a:tailEnd len="sm" w="sm" type="none"/>
+                    </a:lnB>
+                  </a:tcPr>
+                </a:tc>
+                <a:tc>
+                  <a:txBody>
+                    <a:bodyPr/>
+                    <a:lstStyle/>
+                    <a:p>
+                      <a:pPr indent="0" lvl="0" marL="0" rtl="0" algn="r">
+                        <a:lnSpc>
+                          <a:spcPct val="115000"/>
+                        </a:lnSpc>
+                        <a:spcBef>
+                          <a:spcPts val="0"/>
+                        </a:spcBef>
+                        <a:spcAft>
+                          <a:spcPts val="0"/>
+                        </a:spcAft>
+                        <a:buNone/>
+                      </a:pPr>
+                      <a:r>
+                        <a:rPr lang="ru"/>
+                        <a:t>0,07002</a:t>
+                      </a:r>
+                      <a:endParaRPr/>
+                    </a:p>
+                  </a:txBody>
+                  <a:tcPr marT="91425" marB="91425" marR="91425" marL="91425">
+                    <a:lnL cap="flat" cmpd="sng" w="9525">
+                      <a:solidFill>
+                        <a:srgbClr val="000000"/>
+                      </a:solidFill>
+                      <a:prstDash val="solid"/>
+                      <a:round/>
+                      <a:headEnd len="sm" w="sm" type="none"/>
+                      <a:tailEnd len="sm" w="sm" type="none"/>
+                    </a:lnL>
+                  </a:tcPr>
+                </a:tc>
+                <a:tc>
+                  <a:txBody>
+                    <a:bodyPr/>
+                    <a:lstStyle/>
+                    <a:p>
+                      <a:pPr indent="0" lvl="0" marL="0" rtl="0" algn="r">
+                        <a:lnSpc>
+                          <a:spcPct val="115000"/>
+                        </a:lnSpc>
+                        <a:spcBef>
+                          <a:spcPts val="0"/>
+                        </a:spcBef>
+                        <a:spcAft>
+                          <a:spcPts val="0"/>
+                        </a:spcAft>
+                        <a:buNone/>
+                      </a:pPr>
+                      <a:r>
+                        <a:rPr lang="ru"/>
+                        <a:t>0,02558</a:t>
+                      </a:r>
+                      <a:endParaRPr/>
+                    </a:p>
+                  </a:txBody>
+                  <a:tcPr marT="91425" marB="91425" marR="91425" marL="91425"/>
+                </a:tc>
+                <a:tc>
+                  <a:txBody>
+                    <a:bodyPr/>
+                    <a:lstStyle/>
+                    <a:p>
+                      <a:pPr indent="0" lvl="0" marL="0" rtl="0" algn="r">
+                        <a:lnSpc>
+                          <a:spcPct val="115000"/>
+                        </a:lnSpc>
+                        <a:spcBef>
+                          <a:spcPts val="0"/>
+                        </a:spcBef>
+                        <a:spcAft>
+                          <a:spcPts val="0"/>
+                        </a:spcAft>
+                        <a:buNone/>
+                      </a:pPr>
+                      <a:r>
+                        <a:rPr lang="ru"/>
+                        <a:t>0,95225</a:t>
+                      </a:r>
+                      <a:endParaRPr/>
+                    </a:p>
+                  </a:txBody>
+                  <a:tcPr marT="91425" marB="91425" marR="91425" marL="91425"/>
+                </a:tc>
+              </a:tr>
+              <a:tr h="449250">
+                <a:tc>
+                  <a:txBody>
+                    <a:bodyPr/>
+                    <a:lstStyle/>
+                    <a:p>
+                      <a:pPr indent="0" lvl="0" marL="0" rtl="0" algn="ctr">
+                        <a:lnSpc>
+                          <a:spcPct val="115000"/>
+                        </a:lnSpc>
+                        <a:spcBef>
+                          <a:spcPts val="0"/>
+                        </a:spcBef>
+                        <a:spcAft>
+                          <a:spcPts val="0"/>
+                        </a:spcAft>
+                        <a:buNone/>
+                      </a:pPr>
+                      <a:r>
+                        <a:rPr b="1" lang="ru" sz="1100"/>
+                        <a:t>N-Beats</a:t>
+                      </a:r>
+                      <a:endParaRPr b="1" sz="1100"/>
+                    </a:p>
+                  </a:txBody>
+                  <a:tcPr marT="91425" marB="91425" marR="91425" marL="91425">
+                    <a:lnL cap="flat" cmpd="sng" w="9525">
+                      <a:solidFill>
+                        <a:srgbClr val="000000"/>
+                      </a:solidFill>
+                      <a:prstDash val="solid"/>
+                      <a:round/>
+                      <a:headEnd len="sm" w="sm" type="none"/>
+                      <a:tailEnd len="sm" w="sm" type="none"/>
+                    </a:lnL>
+                    <a:lnR cap="flat" cmpd="sng" w="9525">
+                      <a:solidFill>
+                        <a:srgbClr val="000000"/>
+                      </a:solidFill>
+                      <a:prstDash val="solid"/>
+                      <a:round/>
+                      <a:headEnd len="sm" w="sm" type="none"/>
+                      <a:tailEnd len="sm" w="sm" type="none"/>
+                    </a:lnR>
+                    <a:lnT cap="flat" cmpd="sng" w="9525">
+                      <a:solidFill>
+                        <a:srgbClr val="000000"/>
+                      </a:solidFill>
+                      <a:prstDash val="solid"/>
+                      <a:round/>
+                      <a:headEnd len="sm" w="sm" type="none"/>
+                      <a:tailEnd len="sm" w="sm" type="none"/>
+                    </a:lnT>
+                    <a:lnB cap="flat" cmpd="sng" w="9525">
+                      <a:solidFill>
+                        <a:srgbClr val="000000"/>
+                      </a:solidFill>
+                      <a:prstDash val="solid"/>
+                      <a:round/>
+                      <a:headEnd len="sm" w="sm" type="none"/>
+                      <a:tailEnd len="sm" w="sm" type="none"/>
+                    </a:lnB>
+                  </a:tcPr>
+                </a:tc>
+                <a:tc>
+                  <a:txBody>
+                    <a:bodyPr/>
+                    <a:lstStyle/>
+                    <a:p>
+                      <a:pPr indent="0" lvl="0" marL="0" rtl="0" algn="r">
+                        <a:lnSpc>
+                          <a:spcPct val="115000"/>
+                        </a:lnSpc>
+                        <a:spcBef>
+                          <a:spcPts val="0"/>
+                        </a:spcBef>
+                        <a:spcAft>
+                          <a:spcPts val="0"/>
+                        </a:spcAft>
+                        <a:buNone/>
+                      </a:pPr>
+                      <a:r>
+                        <a:rPr lang="ru"/>
+                        <a:t>0,17577</a:t>
+                      </a:r>
+                      <a:endParaRPr/>
+                    </a:p>
+                  </a:txBody>
+                  <a:tcPr marT="91425" marB="91425" marR="91425" marL="91425">
+                    <a:lnL cap="flat" cmpd="sng" w="9525">
+                      <a:solidFill>
+                        <a:srgbClr val="000000"/>
+                      </a:solidFill>
+                      <a:prstDash val="solid"/>
+                      <a:round/>
+                      <a:headEnd len="sm" w="sm" type="none"/>
+                      <a:tailEnd len="sm" w="sm" type="none"/>
+                    </a:lnL>
+                  </a:tcPr>
+                </a:tc>
+                <a:tc>
+                  <a:txBody>
+                    <a:bodyPr/>
+                    <a:lstStyle/>
+                    <a:p>
+                      <a:pPr indent="0" lvl="0" marL="0" rtl="0" algn="r">
+                        <a:lnSpc>
+                          <a:spcPct val="115000"/>
+                        </a:lnSpc>
+                        <a:spcBef>
+                          <a:spcPts val="0"/>
+                        </a:spcBef>
+                        <a:spcAft>
+                          <a:spcPts val="0"/>
+                        </a:spcAft>
+                        <a:buNone/>
+                      </a:pPr>
+                      <a:r>
+                        <a:rPr lang="ru"/>
+                        <a:t>0,08316</a:t>
+                      </a:r>
+                      <a:endParaRPr/>
+                    </a:p>
+                  </a:txBody>
+                  <a:tcPr marT="91425" marB="91425" marR="91425" marL="91425"/>
+                </a:tc>
+                <a:tc>
+                  <a:txBody>
+                    <a:bodyPr/>
+                    <a:lstStyle/>
+                    <a:p>
+                      <a:pPr indent="0" lvl="0" marL="0" rtl="0" algn="r">
+                        <a:lnSpc>
+                          <a:spcPct val="115000"/>
+                        </a:lnSpc>
+                        <a:spcBef>
+                          <a:spcPts val="0"/>
+                        </a:spcBef>
+                        <a:spcAft>
+                          <a:spcPts val="0"/>
+                        </a:spcAft>
+                        <a:buNone/>
+                      </a:pPr>
+                      <a:r>
+                        <a:rPr lang="ru"/>
+                        <a:t>0,81066</a:t>
+                      </a:r>
+                      <a:endParaRPr/>
+                    </a:p>
+                  </a:txBody>
+                  <a:tcPr marT="91425" marB="91425" marR="91425" marL="91425"/>
+                </a:tc>
+              </a:tr>
+              <a:tr h="449250">
+                <a:tc>
+                  <a:txBody>
+                    <a:bodyPr/>
+                    <a:lstStyle/>
+                    <a:p>
+                      <a:pPr indent="0" lvl="0" marL="0" rtl="0" algn="ctr">
+                        <a:lnSpc>
+                          <a:spcPct val="115000"/>
+                        </a:lnSpc>
+                        <a:spcBef>
+                          <a:spcPts val="0"/>
+                        </a:spcBef>
+                        <a:spcAft>
+                          <a:spcPts val="0"/>
+                        </a:spcAft>
+                        <a:buNone/>
+                      </a:pPr>
+                      <a:r>
+                        <a:rPr b="1" lang="ru" sz="1100"/>
+                        <a:t>LAMA AutoML</a:t>
+                      </a:r>
+                      <a:endParaRPr b="1" sz="1100"/>
+                    </a:p>
+                  </a:txBody>
+                  <a:tcPr marT="91425" marB="91425" marR="91425" marL="91425">
+                    <a:lnL cap="flat" cmpd="sng" w="9525">
+                      <a:solidFill>
+                        <a:srgbClr val="000000"/>
+                      </a:solidFill>
+                      <a:prstDash val="solid"/>
+                      <a:round/>
+                      <a:headEnd len="sm" w="sm" type="none"/>
+                      <a:tailEnd len="sm" w="sm" type="none"/>
+                    </a:lnL>
+                    <a:lnR cap="flat" cmpd="sng" w="9525">
+                      <a:solidFill>
+                        <a:srgbClr val="000000"/>
+                      </a:solidFill>
+                      <a:prstDash val="solid"/>
+                      <a:round/>
+                      <a:headEnd len="sm" w="sm" type="none"/>
+                      <a:tailEnd len="sm" w="sm" type="none"/>
+                    </a:lnR>
+                    <a:lnT cap="flat" cmpd="sng" w="9525">
+                      <a:solidFill>
+                        <a:srgbClr val="000000"/>
+                      </a:solidFill>
+                      <a:prstDash val="solid"/>
+                      <a:round/>
+                      <a:headEnd len="sm" w="sm" type="none"/>
+                      <a:tailEnd len="sm" w="sm" type="none"/>
+                    </a:lnT>
+                    <a:lnB cap="flat" cmpd="sng" w="9525">
+                      <a:solidFill>
+                        <a:srgbClr val="000000"/>
+                      </a:solidFill>
+                      <a:prstDash val="solid"/>
+                      <a:round/>
+                      <a:headEnd len="sm" w="sm" type="none"/>
+                      <a:tailEnd len="sm" w="sm" type="none"/>
+                    </a:lnB>
+                  </a:tcPr>
+                </a:tc>
+                <a:tc>
+                  <a:txBody>
+                    <a:bodyPr/>
+                    <a:lstStyle/>
+                    <a:p>
+                      <a:pPr indent="0" lvl="0" marL="0" rtl="0" algn="r">
+                        <a:lnSpc>
+                          <a:spcPct val="115000"/>
+                        </a:lnSpc>
+                        <a:spcBef>
+                          <a:spcPts val="0"/>
+                        </a:spcBef>
+                        <a:spcAft>
+                          <a:spcPts val="0"/>
+                        </a:spcAft>
+                        <a:buNone/>
+                      </a:pPr>
+                      <a:r>
+                        <a:rPr lang="ru"/>
+                        <a:t>1,52328</a:t>
+                      </a:r>
+                      <a:endParaRPr/>
+                    </a:p>
+                  </a:txBody>
+                  <a:tcPr marT="91425" marB="91425" marR="91425" marL="91425">
+                    <a:lnL cap="flat" cmpd="sng" w="9525">
+                      <a:solidFill>
+                        <a:srgbClr val="000000"/>
+                      </a:solidFill>
+                      <a:prstDash val="solid"/>
+                      <a:round/>
+                      <a:headEnd len="sm" w="sm" type="none"/>
+                      <a:tailEnd len="sm" w="sm" type="none"/>
+                    </a:lnL>
+                  </a:tcPr>
+                </a:tc>
+                <a:tc>
+                  <a:txBody>
+                    <a:bodyPr/>
+                    <a:lstStyle/>
+                    <a:p>
+                      <a:pPr indent="0" lvl="0" marL="0" rtl="0" algn="r">
+                        <a:lnSpc>
+                          <a:spcPct val="115000"/>
+                        </a:lnSpc>
+                        <a:spcBef>
+                          <a:spcPts val="0"/>
+                        </a:spcBef>
+                        <a:spcAft>
+                          <a:spcPts val="0"/>
+                        </a:spcAft>
+                        <a:buNone/>
+                      </a:pPr>
+                      <a:r>
+                        <a:rPr lang="ru"/>
+                        <a:t>0,05426</a:t>
+                      </a:r>
+                      <a:endParaRPr/>
+                    </a:p>
+                  </a:txBody>
+                  <a:tcPr marT="91425" marB="91425" marR="91425" marL="91425"/>
+                </a:tc>
+                <a:tc>
+                  <a:txBody>
+                    <a:bodyPr/>
+                    <a:lstStyle/>
+                    <a:p>
+                      <a:pPr indent="0" lvl="0" marL="0" rtl="0" algn="r">
+                        <a:lnSpc>
+                          <a:spcPct val="115000"/>
+                        </a:lnSpc>
+                        <a:spcBef>
+                          <a:spcPts val="0"/>
+                        </a:spcBef>
+                        <a:spcAft>
+                          <a:spcPts val="0"/>
+                        </a:spcAft>
+                        <a:buNone/>
+                      </a:pPr>
+                      <a:r>
+                        <a:rPr lang="ru"/>
+                        <a:t>0,95214</a:t>
+                      </a:r>
+                      <a:endParaRPr/>
+                    </a:p>
+                  </a:txBody>
+                  <a:tcPr marT="91425" marB="91425" marR="91425" marL="91425"/>
+                </a:tc>
+              </a:tr>
+              <a:tr h="625925">
+                <a:tc>
+                  <a:txBody>
+                    <a:bodyPr/>
+                    <a:lstStyle/>
+                    <a:p>
+                      <a:pPr indent="0" lvl="0" marL="0" rtl="0" algn="ctr">
+                        <a:lnSpc>
+                          <a:spcPct val="115000"/>
+                        </a:lnSpc>
+                        <a:spcBef>
+                          <a:spcPts val="0"/>
+                        </a:spcBef>
+                        <a:spcAft>
+                          <a:spcPts val="0"/>
+                        </a:spcAft>
+                        <a:buNone/>
+                      </a:pPr>
+                      <a:r>
+                        <a:rPr b="1" lang="ru" sz="1100"/>
+                        <a:t>Time Fusion Transformer</a:t>
+                      </a:r>
+                      <a:endParaRPr b="1" sz="1100"/>
+                    </a:p>
+                  </a:txBody>
+                  <a:tcPr marT="91425" marB="91425" marR="91425" marL="91425">
+                    <a:lnL cap="flat" cmpd="sng" w="9525">
+                      <a:solidFill>
+                        <a:srgbClr val="000000"/>
+                      </a:solidFill>
+                      <a:prstDash val="solid"/>
+                      <a:round/>
+                      <a:headEnd len="sm" w="sm" type="none"/>
+                      <a:tailEnd len="sm" w="sm" type="none"/>
+                    </a:lnL>
+                    <a:lnR cap="flat" cmpd="sng" w="9525">
+                      <a:solidFill>
+                        <a:srgbClr val="000000"/>
+                      </a:solidFill>
+                      <a:prstDash val="solid"/>
+                      <a:round/>
+                      <a:headEnd len="sm" w="sm" type="none"/>
+                      <a:tailEnd len="sm" w="sm" type="none"/>
+                    </a:lnR>
+                    <a:lnT cap="flat" cmpd="sng" w="9525">
+                      <a:solidFill>
+                        <a:srgbClr val="000000"/>
+                      </a:solidFill>
+                      <a:prstDash val="solid"/>
+                      <a:round/>
+                      <a:headEnd len="sm" w="sm" type="none"/>
+                      <a:tailEnd len="sm" w="sm" type="none"/>
+                    </a:lnT>
+                    <a:lnB cap="flat" cmpd="sng" w="9525">
+                      <a:solidFill>
+                        <a:srgbClr val="000000"/>
+                      </a:solidFill>
+                      <a:prstDash val="solid"/>
+                      <a:round/>
+                      <a:headEnd len="sm" w="sm" type="none"/>
+                      <a:tailEnd len="sm" w="sm" type="none"/>
+                    </a:lnB>
+                  </a:tcPr>
+                </a:tc>
+                <a:tc>
+                  <a:txBody>
+                    <a:bodyPr/>
+                    <a:lstStyle/>
+                    <a:p>
+                      <a:pPr indent="0" lvl="0" marL="0" rtl="0" algn="r">
+                        <a:lnSpc>
+                          <a:spcPct val="115000"/>
+                        </a:lnSpc>
+                        <a:spcBef>
+                          <a:spcPts val="0"/>
+                        </a:spcBef>
+                        <a:spcAft>
+                          <a:spcPts val="0"/>
+                        </a:spcAft>
+                        <a:buNone/>
+                      </a:pPr>
+                      <a:r>
+                        <a:rPr lang="ru"/>
+                        <a:t>1,55919</a:t>
+                      </a:r>
+                      <a:endParaRPr/>
+                    </a:p>
+                  </a:txBody>
+                  <a:tcPr marT="91425" marB="91425" marR="91425" marL="91425">
+                    <a:lnL cap="flat" cmpd="sng" w="9525">
+                      <a:solidFill>
+                        <a:srgbClr val="000000"/>
+                      </a:solidFill>
+                      <a:prstDash val="solid"/>
+                      <a:round/>
+                      <a:headEnd len="sm" w="sm" type="none"/>
+                      <a:tailEnd len="sm" w="sm" type="none"/>
+                    </a:lnL>
+                  </a:tcPr>
+                </a:tc>
+                <a:tc>
+                  <a:txBody>
+                    <a:bodyPr/>
+                    <a:lstStyle/>
+                    <a:p>
+                      <a:pPr indent="0" lvl="0" marL="0" rtl="0" algn="r">
+                        <a:lnSpc>
+                          <a:spcPct val="115000"/>
+                        </a:lnSpc>
+                        <a:spcBef>
+                          <a:spcPts val="0"/>
+                        </a:spcBef>
+                        <a:spcAft>
+                          <a:spcPts val="0"/>
+                        </a:spcAft>
+                        <a:buNone/>
+                      </a:pPr>
+                      <a:r>
+                        <a:rPr lang="ru"/>
+                        <a:t>0,03595</a:t>
+                      </a:r>
+                      <a:endParaRPr/>
+                    </a:p>
+                  </a:txBody>
+                  <a:tcPr marT="91425" marB="91425" marR="91425" marL="91425"/>
+                </a:tc>
+                <a:tc>
+                  <a:txBody>
+                    <a:bodyPr/>
+                    <a:lstStyle/>
+                    <a:p>
+                      <a:pPr indent="0" lvl="0" marL="0" rtl="0" algn="r">
+                        <a:lnSpc>
+                          <a:spcPct val="115000"/>
+                        </a:lnSpc>
+                        <a:spcBef>
+                          <a:spcPts val="0"/>
+                        </a:spcBef>
+                        <a:spcAft>
+                          <a:spcPts val="0"/>
+                        </a:spcAft>
+                        <a:buNone/>
+                      </a:pPr>
+                      <a:r>
+                        <a:rPr lang="ru"/>
+                        <a:t>0,89242</a:t>
+                      </a:r>
+                      <a:endParaRPr/>
+                    </a:p>
+                  </a:txBody>
+                  <a:tcPr marT="91425" marB="91425" marR="91425" marL="91425"/>
+                </a:tc>
+              </a:tr>
+            </a:tbl>
+          </a:graphicData>
+        </a:graphic>
+      </p:graphicFrame>
+    </p:spTree>
+  </p:cSld>
+  <p:clrMapOvr>
+    <a:masterClrMapping/>
+  </p:clrMapOvr>
+</p:sld>
+</file>
+
+<file path=ppt/slides/slide12.xml><?xml version="1.0" encoding="utf-8"?>
+<p:sld xmlns:a="http://schemas.openxmlformats.org/drawingml/2006/main" xmlns:r="http://schemas.openxmlformats.org/officeDocument/2006/relationships" xmlns:mc="http://schemas.openxmlformats.org/markup-compatibility/2006" xmlns:mv="urn:schemas-microsoft-com:mac:vml" xmlns:p="http://schemas.openxmlformats.org/presentationml/2006/main" xmlns:c="http://schemas.openxmlformats.org/drawingml/2006/chart" xmlns:dgm="http://schemas.openxmlformats.org/drawingml/2006/diagram" xmlns:o="urn:schemas-microsoft-com:office:office" xmlns:v="urn:schemas-microsoft-com:vml" xmlns:pvml="urn:schemas-microsoft-com:office:powerpoint" xmlns:com="http://schemas.openxmlformats.org/drawingml/2006/compatibility" xmlns:p14="http://schemas.microsoft.com/office/powerpoint/2010/main" xmlns:p15="http://schemas.microsoft.com/office/powerpoint/2012/main" xmlns:ahyp="http://schemas.microsoft.com/office/drawing/2018/hyperlinkcolor">
+  <p:cSld>
+    <p:spTree>
+      <p:nvGrpSpPr>
+        <p:cNvPr id="157" name="Shape 157"/>
+        <p:cNvGrpSpPr/>
+        <p:nvPr/>
+      </p:nvGrpSpPr>
+      <p:grpSpPr>
+        <a:xfrm>
+          <a:off x="0" y="0"/>
+          <a:ext cx="0" cy="0"/>
+          <a:chOff x="0" y="0"/>
+          <a:chExt cx="0" cy="0"/>
+        </a:xfrm>
+      </p:grpSpPr>
+      <p:sp>
+        <p:nvSpPr>
+          <p:cNvPr id="158" name="Google Shape;158;p24"/>
+          <p:cNvSpPr txBox="1"/>
+          <p:nvPr>
+            <p:ph type="title"/>
+          </p:nvPr>
+        </p:nvSpPr>
+        <p:spPr>
+          <a:xfrm>
+            <a:off x="598100" y="2152347"/>
+            <a:ext cx="8222100" cy="838800"/>
+          </a:xfrm>
+          <a:prstGeom prst="rect">
+            <a:avLst/>
+          </a:prstGeom>
+        </p:spPr>
+        <p:txBody>
+          <a:bodyPr anchorCtr="0" anchor="ctr" bIns="91425" lIns="91425" spcFirstLastPara="1" rIns="91425" wrap="square" tIns="91425">
+            <a:normAutofit/>
+          </a:bodyPr>
+          <a:lstStyle/>
+          <a:p>
+            <a:pPr indent="0" lvl="0" marL="0" rtl="0" algn="l">
+              <a:spcBef>
+                <a:spcPts val="0"/>
+              </a:spcBef>
+              <a:spcAft>
+                <a:spcPts val="0"/>
+              </a:spcAft>
+              <a:buNone/>
+            </a:pPr>
+            <a:r>
+              <a:rPr lang="ru"/>
+              <a:t>Дополнительный анализ</a:t>
+            </a:r>
+            <a:endParaRPr/>
+          </a:p>
+        </p:txBody>
+      </p:sp>
+    </p:spTree>
+  </p:cSld>
+  <p:clrMapOvr>
+    <a:masterClrMapping/>
+  </p:clrMapOvr>
+</p:sld>
+</file>
+
+<file path=ppt/slides/slide13.xml><?xml version="1.0" encoding="utf-8"?>
+<p:sld xmlns:a="http://schemas.openxmlformats.org/drawingml/2006/main" xmlns:r="http://schemas.openxmlformats.org/officeDocument/2006/relationships" xmlns:mc="http://schemas.openxmlformats.org/markup-compatibility/2006" xmlns:mv="urn:schemas-microsoft-com:mac:vml" xmlns:p="http://schemas.openxmlformats.org/presentationml/2006/main" xmlns:c="http://schemas.openxmlformats.org/drawingml/2006/chart" xmlns:dgm="http://schemas.openxmlformats.org/drawingml/2006/diagram" xmlns:o="urn:schemas-microsoft-com:office:office" xmlns:v="urn:schemas-microsoft-com:vml" xmlns:pvml="urn:schemas-microsoft-com:office:powerpoint" xmlns:com="http://schemas.openxmlformats.org/drawingml/2006/compatibility" xmlns:p14="http://schemas.microsoft.com/office/powerpoint/2010/main" xmlns:p15="http://schemas.microsoft.com/office/powerpoint/2012/main" xmlns:ahyp="http://schemas.microsoft.com/office/drawing/2018/hyperlinkcolor">
+  <p:cSld>
+    <p:spTree>
+      <p:nvGrpSpPr>
+        <p:cNvPr id="162" name="Shape 162"/>
+        <p:cNvGrpSpPr/>
+        <p:nvPr/>
+      </p:nvGrpSpPr>
+      <p:grpSpPr>
+        <a:xfrm>
+          <a:off x="0" y="0"/>
+          <a:ext cx="0" cy="0"/>
+          <a:chOff x="0" y="0"/>
+          <a:chExt cx="0" cy="0"/>
+        </a:xfrm>
+      </p:grpSpPr>
+      <p:sp>
+        <p:nvSpPr>
+          <p:cNvPr id="163" name="Google Shape;163;p25"/>
+          <p:cNvSpPr txBox="1"/>
+          <p:nvPr>
+            <p:ph type="title"/>
+          </p:nvPr>
+        </p:nvSpPr>
+        <p:spPr>
+          <a:xfrm>
+            <a:off x="311700" y="410000"/>
+            <a:ext cx="8520600" cy="607800"/>
+          </a:xfrm>
+          <a:prstGeom prst="rect">
+            <a:avLst/>
+          </a:prstGeom>
+        </p:spPr>
+        <p:txBody>
+          <a:bodyPr anchorCtr="0" anchor="t" bIns="91425" lIns="91425" spcFirstLastPara="1" rIns="91425" wrap="square" tIns="91425">
+            <a:normAutofit fontScale="90000"/>
+          </a:bodyPr>
+          <a:lstStyle/>
+          <a:p>
+            <a:pPr indent="0" lvl="0" marL="0" rtl="0" algn="l">
+              <a:spcBef>
+                <a:spcPts val="0"/>
+              </a:spcBef>
+              <a:spcAft>
+                <a:spcPts val="0"/>
+              </a:spcAft>
+              <a:buNone/>
+            </a:pPr>
+            <a:r>
+              <a:rPr lang="ru"/>
+              <a:t>Catch22</a:t>
+            </a:r>
+            <a:endParaRPr/>
+          </a:p>
+        </p:txBody>
+      </p:sp>
+      <p:sp>
+        <p:nvSpPr>
+          <p:cNvPr id="164" name="Google Shape;164;p25"/>
+          <p:cNvSpPr txBox="1"/>
+          <p:nvPr>
+            <p:ph idx="1" type="body"/>
+          </p:nvPr>
+        </p:nvSpPr>
+        <p:spPr>
+          <a:xfrm>
+            <a:off x="3983750" y="1229875"/>
+            <a:ext cx="4848900" cy="3339000"/>
+          </a:xfrm>
+          <a:prstGeom prst="rect">
+            <a:avLst/>
+          </a:prstGeom>
+        </p:spPr>
+        <p:txBody>
+          <a:bodyPr anchorCtr="0" anchor="t" bIns="91425" lIns="91425" spcFirstLastPara="1" rIns="91425" wrap="square" tIns="91425">
+            <a:normAutofit/>
+          </a:bodyPr>
+          <a:lstStyle/>
+          <a:p>
+            <a:pPr indent="-317500" lvl="0" marL="457200" rtl="0" algn="l">
+              <a:spcBef>
+                <a:spcPts val="0"/>
+              </a:spcBef>
+              <a:spcAft>
+                <a:spcPts val="0"/>
+              </a:spcAft>
+              <a:buSzPts val="1400"/>
+              <a:buChar char="●"/>
+            </a:pPr>
+            <a:r>
+              <a:rPr lang="ru" sz="1400"/>
+              <a:t>На 3 насосе все модели работают хуже, чем в среднем</a:t>
+            </a:r>
+            <a:endParaRPr sz="1400"/>
+          </a:p>
+          <a:p>
+            <a:pPr indent="-317500" lvl="0" marL="457200" rtl="0" algn="l">
+              <a:spcBef>
+                <a:spcPts val="0"/>
+              </a:spcBef>
+              <a:spcAft>
+                <a:spcPts val="0"/>
+              </a:spcAft>
+              <a:buSzPts val="1400"/>
+              <a:buChar char="●"/>
+            </a:pPr>
+            <a:r>
+              <a:rPr lang="ru" sz="1400"/>
+              <a:t>На 7 - все кроме TCN работают хуже</a:t>
+            </a:r>
+            <a:endParaRPr sz="1400"/>
+          </a:p>
+          <a:p>
+            <a:pPr indent="0" lvl="0" marL="0" rtl="0" algn="l">
+              <a:spcBef>
+                <a:spcPts val="1200"/>
+              </a:spcBef>
+              <a:spcAft>
+                <a:spcPts val="1200"/>
+              </a:spcAft>
+              <a:buNone/>
+            </a:pPr>
+            <a:r>
+              <a:t/>
+            </a:r>
+            <a:endParaRPr/>
+          </a:p>
+        </p:txBody>
+      </p:sp>
+      <p:pic>
+        <p:nvPicPr>
+          <p:cNvPr id="165" name="Google Shape;165;p25"/>
+          <p:cNvPicPr preferRelativeResize="0"/>
+          <p:nvPr/>
+        </p:nvPicPr>
+        <p:blipFill>
+          <a:blip r:embed="rId3">
+            <a:alphaModFix/>
+          </a:blip>
+          <a:stretch>
+            <a:fillRect/>
+          </a:stretch>
+        </p:blipFill>
+        <p:spPr>
+          <a:xfrm>
+            <a:off x="311700" y="1017800"/>
+            <a:ext cx="3678948" cy="3678948"/>
+          </a:xfrm>
+          <a:prstGeom prst="rect">
+            <a:avLst/>
+          </a:prstGeom>
+          <a:noFill/>
+          <a:ln>
+            <a:noFill/>
+          </a:ln>
+        </p:spPr>
+      </p:pic>
+      <p:graphicFrame>
+        <p:nvGraphicFramePr>
+          <p:cNvPr id="166" name="Google Shape;166;p25"/>
+          <p:cNvGraphicFramePr/>
+          <p:nvPr/>
+        </p:nvGraphicFramePr>
+        <p:xfrm>
+          <a:off x="3983750" y="2227000"/>
+          <a:ext cx="3000000" cy="3000000"/>
+        </p:xfrm>
+        <a:graphic>
+          <a:graphicData uri="http://schemas.openxmlformats.org/drawingml/2006/table">
+            <a:tbl>
+              <a:tblPr>
+                <a:noFill/>
+                <a:tableStyleId>{C13E1892-5E88-4966-8B0D-E11AE7699886}</a:tableStyleId>
+              </a:tblPr>
+              <a:tblGrid>
+                <a:gridCol w="2165775"/>
+                <a:gridCol w="588775"/>
+                <a:gridCol w="588825"/>
+                <a:gridCol w="559700"/>
+                <a:gridCol w="583000"/>
+              </a:tblGrid>
+              <a:tr h="350500">
+                <a:tc>
+                  <a:txBody>
+                    <a:bodyPr/>
+                    <a:lstStyle/>
+                    <a:p>
+                      <a:pPr indent="0" lvl="0" marL="0" rtl="0" algn="l">
+                        <a:spcBef>
+                          <a:spcPts val="0"/>
+                        </a:spcBef>
+                        <a:spcAft>
+                          <a:spcPts val="0"/>
+                        </a:spcAft>
+                        <a:buNone/>
+                      </a:pPr>
+                      <a:r>
+                        <a:t/>
+                      </a:r>
+                      <a:endParaRPr sz="1100"/>
+                    </a:p>
+                  </a:txBody>
+                  <a:tcPr marT="91425" marB="91425" marR="91425" marL="91425"/>
+                </a:tc>
+                <a:tc>
+                  <a:txBody>
+                    <a:bodyPr/>
+                    <a:lstStyle/>
+                    <a:p>
+                      <a:pPr indent="0" lvl="0" marL="0" rtl="0" algn="r">
+                        <a:lnSpc>
+                          <a:spcPct val="115000"/>
+                        </a:lnSpc>
+                        <a:spcBef>
+                          <a:spcPts val="0"/>
+                        </a:spcBef>
+                        <a:spcAft>
+                          <a:spcPts val="0"/>
+                        </a:spcAft>
+                        <a:buNone/>
+                      </a:pPr>
+                      <a:r>
+                        <a:rPr b="1" lang="ru" sz="750"/>
+                        <a:t>Trans</a:t>
+                      </a:r>
+                      <a:endParaRPr b="1" sz="750"/>
+                    </a:p>
+                  </a:txBody>
+                  <a:tcPr marT="38100" marB="38100" marR="76200" marL="76200" anchor="ctr"/>
+                </a:tc>
+                <a:tc>
+                  <a:txBody>
+                    <a:bodyPr/>
+                    <a:lstStyle/>
+                    <a:p>
+                      <a:pPr indent="0" lvl="0" marL="0" rtl="0" algn="r">
+                        <a:lnSpc>
+                          <a:spcPct val="115000"/>
+                        </a:lnSpc>
+                        <a:spcBef>
+                          <a:spcPts val="0"/>
+                        </a:spcBef>
+                        <a:spcAft>
+                          <a:spcPts val="0"/>
+                        </a:spcAft>
+                        <a:buNone/>
+                      </a:pPr>
+                      <a:r>
+                        <a:rPr b="1" lang="ru" sz="750"/>
+                        <a:t>TCN</a:t>
+                      </a:r>
+                      <a:endParaRPr b="1" sz="750"/>
+                    </a:p>
+                  </a:txBody>
+                  <a:tcPr marT="38100" marB="38100" marR="76200" marL="76200" anchor="ctr"/>
+                </a:tc>
+                <a:tc>
+                  <a:txBody>
+                    <a:bodyPr/>
+                    <a:lstStyle/>
+                    <a:p>
+                      <a:pPr indent="0" lvl="0" marL="0" rtl="0" algn="r">
+                        <a:lnSpc>
+                          <a:spcPct val="115000"/>
+                        </a:lnSpc>
+                        <a:spcBef>
+                          <a:spcPts val="0"/>
+                        </a:spcBef>
+                        <a:spcAft>
+                          <a:spcPts val="0"/>
+                        </a:spcAft>
+                        <a:buNone/>
+                      </a:pPr>
+                      <a:r>
+                        <a:rPr b="1" lang="ru" sz="750"/>
+                        <a:t>N-Beats</a:t>
+                      </a:r>
+                      <a:endParaRPr b="1" sz="750"/>
+                    </a:p>
+                  </a:txBody>
+                  <a:tcPr marT="38100" marB="38100" marR="76200" marL="76200" anchor="ctr"/>
+                </a:tc>
+                <a:tc>
+                  <a:txBody>
+                    <a:bodyPr/>
+                    <a:lstStyle/>
+                    <a:p>
+                      <a:pPr indent="0" lvl="0" marL="0" rtl="0" algn="r">
+                        <a:lnSpc>
+                          <a:spcPct val="115000"/>
+                        </a:lnSpc>
+                        <a:spcBef>
+                          <a:spcPts val="0"/>
+                        </a:spcBef>
+                        <a:spcAft>
+                          <a:spcPts val="0"/>
+                        </a:spcAft>
+                        <a:buNone/>
+                      </a:pPr>
+                      <a:r>
+                        <a:rPr b="1" lang="ru" sz="750"/>
+                        <a:t>TFT</a:t>
+                      </a:r>
+                      <a:endParaRPr b="1" sz="750"/>
+                    </a:p>
+                  </a:txBody>
+                  <a:tcPr marT="38100" marB="38100" marR="76200" marL="76200" anchor="ctr"/>
+                </a:tc>
+              </a:tr>
+              <a:tr h="189500">
+                <a:tc>
+                  <a:txBody>
+                    <a:bodyPr/>
+                    <a:lstStyle/>
+                    <a:p>
+                      <a:pPr indent="0" lvl="0" marL="0" rtl="0" algn="r">
+                        <a:lnSpc>
+                          <a:spcPct val="115000"/>
+                        </a:lnSpc>
+                        <a:spcBef>
+                          <a:spcPts val="0"/>
+                        </a:spcBef>
+                        <a:spcAft>
+                          <a:spcPts val="0"/>
+                        </a:spcAft>
+                        <a:buNone/>
+                      </a:pPr>
+                      <a:r>
+                        <a:rPr lang="ru" sz="750"/>
+                        <a:t>DN_HistogramMode_5</a:t>
+                      </a:r>
+                      <a:endParaRPr sz="750"/>
+                    </a:p>
+                  </a:txBody>
+                  <a:tcPr marT="38100" marB="38100" marR="76200" marL="76200" anchor="ctr"/>
+                </a:tc>
+                <a:tc>
+                  <a:txBody>
+                    <a:bodyPr/>
+                    <a:lstStyle/>
+                    <a:p>
+                      <a:pPr indent="0" lvl="0" marL="0" rtl="0" algn="r">
+                        <a:lnSpc>
+                          <a:spcPct val="115000"/>
+                        </a:lnSpc>
+                        <a:spcBef>
+                          <a:spcPts val="0"/>
+                        </a:spcBef>
+                        <a:spcAft>
+                          <a:spcPts val="0"/>
+                        </a:spcAft>
+                        <a:buNone/>
+                      </a:pPr>
+                      <a:r>
+                        <a:rPr lang="ru" sz="750"/>
+                        <a:t>0.015071</a:t>
+                      </a:r>
+                      <a:endParaRPr sz="750"/>
+                    </a:p>
+                  </a:txBody>
+                  <a:tcPr marT="38100" marB="38100" marR="76200" marL="76200">
+                    <a:solidFill>
+                      <a:srgbClr val="B6D7A8"/>
+                    </a:solidFill>
+                  </a:tcPr>
+                </a:tc>
+                <a:tc>
+                  <a:txBody>
+                    <a:bodyPr/>
+                    <a:lstStyle/>
+                    <a:p>
+                      <a:pPr indent="0" lvl="0" marL="0" rtl="0" algn="r">
+                        <a:lnSpc>
+                          <a:spcPct val="115000"/>
+                        </a:lnSpc>
+                        <a:spcBef>
+                          <a:spcPts val="0"/>
+                        </a:spcBef>
+                        <a:spcAft>
+                          <a:spcPts val="0"/>
+                        </a:spcAft>
+                        <a:buNone/>
+                      </a:pPr>
+                      <a:r>
+                        <a:rPr lang="ru" sz="750"/>
+                        <a:t>0.199686</a:t>
+                      </a:r>
+                      <a:endParaRPr sz="750"/>
+                    </a:p>
+                  </a:txBody>
+                  <a:tcPr marT="38100" marB="38100" marR="76200" marL="76200"/>
+                </a:tc>
+                <a:tc>
+                  <a:txBody>
+                    <a:bodyPr/>
+                    <a:lstStyle/>
+                    <a:p>
+                      <a:pPr indent="0" lvl="0" marL="0" rtl="0" algn="r">
+                        <a:lnSpc>
+                          <a:spcPct val="115000"/>
+                        </a:lnSpc>
+                        <a:spcBef>
+                          <a:spcPts val="0"/>
+                        </a:spcBef>
+                        <a:spcAft>
+                          <a:spcPts val="0"/>
+                        </a:spcAft>
+                        <a:buNone/>
+                      </a:pPr>
+                      <a:r>
+                        <a:rPr lang="ru" sz="750"/>
+                        <a:t>0.010161</a:t>
+                      </a:r>
+                      <a:endParaRPr sz="750"/>
+                    </a:p>
+                  </a:txBody>
+                  <a:tcPr marT="38100" marB="38100" marR="76200" marL="76200">
+                    <a:solidFill>
+                      <a:srgbClr val="B6D7A8"/>
+                    </a:solidFill>
+                  </a:tcPr>
+                </a:tc>
+                <a:tc>
+                  <a:txBody>
+                    <a:bodyPr/>
+                    <a:lstStyle/>
+                    <a:p>
+                      <a:pPr indent="0" lvl="0" marL="0" rtl="0" algn="r">
+                        <a:lnSpc>
+                          <a:spcPct val="115000"/>
+                        </a:lnSpc>
+                        <a:spcBef>
+                          <a:spcPts val="0"/>
+                        </a:spcBef>
+                        <a:spcAft>
+                          <a:spcPts val="0"/>
+                        </a:spcAft>
+                        <a:buNone/>
+                      </a:pPr>
+                      <a:r>
+                        <a:rPr lang="ru" sz="750"/>
+                        <a:t>0.111029</a:t>
+                      </a:r>
+                      <a:endParaRPr sz="750"/>
+                    </a:p>
+                  </a:txBody>
+                  <a:tcPr marT="38100" marB="38100" marR="76200" marL="76200"/>
+                </a:tc>
+              </a:tr>
+              <a:tr h="189500">
+                <a:tc>
+                  <a:txBody>
+                    <a:bodyPr/>
+                    <a:lstStyle/>
+                    <a:p>
+                      <a:pPr indent="0" lvl="0" marL="0" rtl="0" algn="r">
+                        <a:lnSpc>
+                          <a:spcPct val="115000"/>
+                        </a:lnSpc>
+                        <a:spcBef>
+                          <a:spcPts val="0"/>
+                        </a:spcBef>
+                        <a:spcAft>
+                          <a:spcPts val="0"/>
+                        </a:spcAft>
+                        <a:buNone/>
+                      </a:pPr>
+                      <a:r>
+                        <a:rPr lang="ru" sz="750"/>
+                        <a:t>DN_HistogramMode_10</a:t>
+                      </a:r>
+                      <a:endParaRPr sz="750"/>
+                    </a:p>
+                  </a:txBody>
+                  <a:tcPr marT="38100" marB="38100" marR="76200" marL="76200" anchor="ctr"/>
+                </a:tc>
+                <a:tc>
+                  <a:txBody>
+                    <a:bodyPr/>
+                    <a:lstStyle/>
+                    <a:p>
+                      <a:pPr indent="0" lvl="0" marL="0" rtl="0" algn="r">
+                        <a:lnSpc>
+                          <a:spcPct val="115000"/>
+                        </a:lnSpc>
+                        <a:spcBef>
+                          <a:spcPts val="0"/>
+                        </a:spcBef>
+                        <a:spcAft>
+                          <a:spcPts val="0"/>
+                        </a:spcAft>
+                        <a:buNone/>
+                      </a:pPr>
+                      <a:r>
+                        <a:rPr lang="ru" sz="750"/>
+                        <a:t>0.012908</a:t>
+                      </a:r>
+                      <a:endParaRPr sz="750"/>
+                    </a:p>
+                  </a:txBody>
+                  <a:tcPr marT="38100" marB="38100" marR="76200" marL="76200">
+                    <a:solidFill>
+                      <a:srgbClr val="B6D7A8"/>
+                    </a:solidFill>
+                  </a:tcPr>
+                </a:tc>
+                <a:tc>
+                  <a:txBody>
+                    <a:bodyPr/>
+                    <a:lstStyle/>
+                    <a:p>
+                      <a:pPr indent="0" lvl="0" marL="0" rtl="0" algn="r">
+                        <a:lnSpc>
+                          <a:spcPct val="115000"/>
+                        </a:lnSpc>
+                        <a:spcBef>
+                          <a:spcPts val="0"/>
+                        </a:spcBef>
+                        <a:spcAft>
+                          <a:spcPts val="0"/>
+                        </a:spcAft>
+                        <a:buNone/>
+                      </a:pPr>
+                      <a:r>
+                        <a:rPr lang="ru" sz="750"/>
+                        <a:t>0.194820</a:t>
+                      </a:r>
+                      <a:endParaRPr sz="750"/>
+                    </a:p>
+                  </a:txBody>
+                  <a:tcPr marT="38100" marB="38100" marR="76200" marL="76200"/>
+                </a:tc>
+                <a:tc>
+                  <a:txBody>
+                    <a:bodyPr/>
+                    <a:lstStyle/>
+                    <a:p>
+                      <a:pPr indent="0" lvl="0" marL="0" rtl="0" algn="r">
+                        <a:lnSpc>
+                          <a:spcPct val="115000"/>
+                        </a:lnSpc>
+                        <a:spcBef>
+                          <a:spcPts val="0"/>
+                        </a:spcBef>
+                        <a:spcAft>
+                          <a:spcPts val="0"/>
+                        </a:spcAft>
+                        <a:buNone/>
+                      </a:pPr>
+                      <a:r>
+                        <a:rPr lang="ru" sz="750"/>
+                        <a:t>0.008116</a:t>
+                      </a:r>
+                      <a:endParaRPr sz="750"/>
+                    </a:p>
+                  </a:txBody>
+                  <a:tcPr marT="38100" marB="38100" marR="76200" marL="76200">
+                    <a:solidFill>
+                      <a:srgbClr val="B6D7A8"/>
+                    </a:solidFill>
+                  </a:tcPr>
+                </a:tc>
+                <a:tc>
+                  <a:txBody>
+                    <a:bodyPr/>
+                    <a:lstStyle/>
+                    <a:p>
+                      <a:pPr indent="0" lvl="0" marL="0" rtl="0" algn="r">
+                        <a:lnSpc>
+                          <a:spcPct val="115000"/>
+                        </a:lnSpc>
+                        <a:spcBef>
+                          <a:spcPts val="0"/>
+                        </a:spcBef>
+                        <a:spcAft>
+                          <a:spcPts val="0"/>
+                        </a:spcAft>
+                        <a:buNone/>
+                      </a:pPr>
+                      <a:r>
+                        <a:rPr lang="ru" sz="750"/>
+                        <a:t>0.111845</a:t>
+                      </a:r>
+                      <a:endParaRPr sz="750"/>
+                    </a:p>
+                  </a:txBody>
+                  <a:tcPr marT="38100" marB="38100" marR="76200" marL="76200"/>
+                </a:tc>
+              </a:tr>
+              <a:tr h="189500">
+                <a:tc>
+                  <a:txBody>
+                    <a:bodyPr/>
+                    <a:lstStyle/>
+                    <a:p>
+                      <a:pPr indent="0" lvl="0" marL="0" rtl="0" algn="r">
+                        <a:lnSpc>
+                          <a:spcPct val="115000"/>
+                        </a:lnSpc>
+                        <a:spcBef>
+                          <a:spcPts val="0"/>
+                        </a:spcBef>
+                        <a:spcAft>
+                          <a:spcPts val="0"/>
+                        </a:spcAft>
+                        <a:buNone/>
+                      </a:pPr>
+                      <a:r>
+                        <a:rPr lang="ru" sz="750"/>
+                        <a:t>CO_f1ecac</a:t>
+                      </a:r>
+                      <a:endParaRPr sz="750"/>
+                    </a:p>
+                  </a:txBody>
+                  <a:tcPr marT="38100" marB="38100" marR="76200" marL="76200" anchor="ctr"/>
+                </a:tc>
+                <a:tc>
+                  <a:txBody>
+                    <a:bodyPr/>
+                    <a:lstStyle/>
+                    <a:p>
+                      <a:pPr indent="0" lvl="0" marL="0" rtl="0" algn="r">
+                        <a:lnSpc>
+                          <a:spcPct val="115000"/>
+                        </a:lnSpc>
+                        <a:spcBef>
+                          <a:spcPts val="0"/>
+                        </a:spcBef>
+                        <a:spcAft>
+                          <a:spcPts val="0"/>
+                        </a:spcAft>
+                        <a:buNone/>
+                      </a:pPr>
+                      <a:r>
+                        <a:rPr lang="ru" sz="750"/>
+                        <a:t>0.120809</a:t>
+                      </a:r>
+                      <a:endParaRPr sz="750"/>
+                    </a:p>
+                  </a:txBody>
+                  <a:tcPr marT="38100" marB="38100" marR="76200" marL="76200"/>
+                </a:tc>
+                <a:tc>
+                  <a:txBody>
+                    <a:bodyPr/>
+                    <a:lstStyle/>
+                    <a:p>
+                      <a:pPr indent="0" lvl="0" marL="0" rtl="0" algn="r">
+                        <a:lnSpc>
+                          <a:spcPct val="115000"/>
+                        </a:lnSpc>
+                        <a:spcBef>
+                          <a:spcPts val="0"/>
+                        </a:spcBef>
+                        <a:spcAft>
+                          <a:spcPts val="0"/>
+                        </a:spcAft>
+                        <a:buNone/>
+                      </a:pPr>
+                      <a:r>
+                        <a:rPr lang="ru" sz="750"/>
+                        <a:t>0.685683</a:t>
+                      </a:r>
+                      <a:endParaRPr sz="750"/>
+                    </a:p>
+                  </a:txBody>
+                  <a:tcPr marT="38100" marB="38100" marR="76200" marL="76200"/>
+                </a:tc>
+                <a:tc>
+                  <a:txBody>
+                    <a:bodyPr/>
+                    <a:lstStyle/>
+                    <a:p>
+                      <a:pPr indent="0" lvl="0" marL="0" rtl="0" algn="r">
+                        <a:lnSpc>
+                          <a:spcPct val="115000"/>
+                        </a:lnSpc>
+                        <a:spcBef>
+                          <a:spcPts val="0"/>
+                        </a:spcBef>
+                        <a:spcAft>
+                          <a:spcPts val="0"/>
+                        </a:spcAft>
+                        <a:buNone/>
+                      </a:pPr>
+                      <a:r>
+                        <a:rPr lang="ru" sz="750"/>
+                        <a:t>0.088088</a:t>
+                      </a:r>
+                      <a:endParaRPr sz="750"/>
+                    </a:p>
+                  </a:txBody>
+                  <a:tcPr marT="38100" marB="38100" marR="76200" marL="76200">
+                    <a:solidFill>
+                      <a:srgbClr val="B6D7A8"/>
+                    </a:solidFill>
+                  </a:tcPr>
+                </a:tc>
+                <a:tc>
+                  <a:txBody>
+                    <a:bodyPr/>
+                    <a:lstStyle/>
+                    <a:p>
+                      <a:pPr indent="0" lvl="0" marL="0" rtl="0" algn="r">
+                        <a:lnSpc>
+                          <a:spcPct val="115000"/>
+                        </a:lnSpc>
+                        <a:spcBef>
+                          <a:spcPts val="0"/>
+                        </a:spcBef>
+                        <a:spcAft>
+                          <a:spcPts val="0"/>
+                        </a:spcAft>
+                        <a:buNone/>
+                      </a:pPr>
+                      <a:r>
+                        <a:rPr lang="ru" sz="750"/>
+                        <a:t>0.047290</a:t>
+                      </a:r>
+                      <a:endParaRPr sz="750"/>
+                    </a:p>
+                  </a:txBody>
+                  <a:tcPr marT="38100" marB="38100" marR="76200" marL="76200">
+                    <a:solidFill>
+                      <a:srgbClr val="B6D7A8"/>
+                    </a:solidFill>
+                  </a:tcPr>
+                </a:tc>
+              </a:tr>
+              <a:tr h="220000">
+                <a:tc>
+                  <a:txBody>
+                    <a:bodyPr/>
+                    <a:lstStyle/>
+                    <a:p>
+                      <a:pPr indent="0" lvl="0" marL="0" rtl="0" algn="r">
+                        <a:lnSpc>
+                          <a:spcPct val="115000"/>
+                        </a:lnSpc>
+                        <a:spcBef>
+                          <a:spcPts val="0"/>
+                        </a:spcBef>
+                        <a:spcAft>
+                          <a:spcPts val="0"/>
+                        </a:spcAft>
+                        <a:buNone/>
+                      </a:pPr>
+                      <a:r>
+                        <a:rPr lang="ru" sz="750"/>
+                        <a:t>CO_HistogramAMI_even_2_5</a:t>
+                      </a:r>
+                      <a:endParaRPr sz="750"/>
+                    </a:p>
+                  </a:txBody>
+                  <a:tcPr marT="38100" marB="38100" marR="76200" marL="76200" anchor="ctr"/>
+                </a:tc>
+                <a:tc>
+                  <a:txBody>
+                    <a:bodyPr/>
+                    <a:lstStyle/>
+                    <a:p>
+                      <a:pPr indent="0" lvl="0" marL="0" rtl="0" algn="r">
+                        <a:lnSpc>
+                          <a:spcPct val="115000"/>
+                        </a:lnSpc>
+                        <a:spcBef>
+                          <a:spcPts val="0"/>
+                        </a:spcBef>
+                        <a:spcAft>
+                          <a:spcPts val="0"/>
+                        </a:spcAft>
+                        <a:buNone/>
+                      </a:pPr>
+                      <a:r>
+                        <a:rPr lang="ru" sz="750"/>
+                        <a:t>0.034984</a:t>
+                      </a:r>
+                      <a:endParaRPr sz="750"/>
+                    </a:p>
+                  </a:txBody>
+                  <a:tcPr marT="38100" marB="38100" marR="76200" marL="76200">
+                    <a:solidFill>
+                      <a:srgbClr val="B6D7A8"/>
+                    </a:solidFill>
+                  </a:tcPr>
+                </a:tc>
+                <a:tc>
+                  <a:txBody>
+                    <a:bodyPr/>
+                    <a:lstStyle/>
+                    <a:p>
+                      <a:pPr indent="0" lvl="0" marL="0" rtl="0" algn="r">
+                        <a:lnSpc>
+                          <a:spcPct val="115000"/>
+                        </a:lnSpc>
+                        <a:spcBef>
+                          <a:spcPts val="0"/>
+                        </a:spcBef>
+                        <a:spcAft>
+                          <a:spcPts val="0"/>
+                        </a:spcAft>
+                        <a:buNone/>
+                      </a:pPr>
+                      <a:r>
+                        <a:rPr lang="ru" sz="750"/>
+                        <a:t>0.327320</a:t>
+                      </a:r>
+                      <a:endParaRPr sz="750"/>
+                    </a:p>
+                  </a:txBody>
+                  <a:tcPr marT="38100" marB="38100" marR="76200" marL="76200"/>
+                </a:tc>
+                <a:tc>
+                  <a:txBody>
+                    <a:bodyPr/>
+                    <a:lstStyle/>
+                    <a:p>
+                      <a:pPr indent="0" lvl="0" marL="0" rtl="0" algn="r">
+                        <a:lnSpc>
+                          <a:spcPct val="115000"/>
+                        </a:lnSpc>
+                        <a:spcBef>
+                          <a:spcPts val="0"/>
+                        </a:spcBef>
+                        <a:spcAft>
+                          <a:spcPts val="0"/>
+                        </a:spcAft>
+                        <a:buNone/>
+                      </a:pPr>
+                      <a:r>
+                        <a:rPr lang="ru" sz="750"/>
+                        <a:t>0.016642</a:t>
+                      </a:r>
+                      <a:endParaRPr sz="750"/>
+                    </a:p>
+                  </a:txBody>
+                  <a:tcPr marT="38100" marB="38100" marR="76200" marL="76200">
+                    <a:solidFill>
+                      <a:srgbClr val="B6D7A8"/>
+                    </a:solidFill>
+                  </a:tcPr>
+                </a:tc>
+                <a:tc>
+                  <a:txBody>
+                    <a:bodyPr/>
+                    <a:lstStyle/>
+                    <a:p>
+                      <a:pPr indent="0" lvl="0" marL="0" rtl="0" algn="r">
+                        <a:lnSpc>
+                          <a:spcPct val="115000"/>
+                        </a:lnSpc>
+                        <a:spcBef>
+                          <a:spcPts val="0"/>
+                        </a:spcBef>
+                        <a:spcAft>
+                          <a:spcPts val="0"/>
+                        </a:spcAft>
+                        <a:buNone/>
+                      </a:pPr>
+                      <a:r>
+                        <a:rPr lang="ru" sz="750"/>
+                        <a:t>0.123993</a:t>
+                      </a:r>
+                      <a:endParaRPr sz="750"/>
+                    </a:p>
+                  </a:txBody>
+                  <a:tcPr marT="38100" marB="38100" marR="76200" marL="76200"/>
+                </a:tc>
+              </a:tr>
+              <a:tr h="220000">
+                <a:tc>
+                  <a:txBody>
+                    <a:bodyPr/>
+                    <a:lstStyle/>
+                    <a:p>
+                      <a:pPr indent="0" lvl="0" marL="0" rtl="0" algn="r">
+                        <a:lnSpc>
+                          <a:spcPct val="115000"/>
+                        </a:lnSpc>
+                        <a:spcBef>
+                          <a:spcPts val="0"/>
+                        </a:spcBef>
+                        <a:spcAft>
+                          <a:spcPts val="0"/>
+                        </a:spcAft>
+                        <a:buNone/>
+                      </a:pPr>
+                      <a:r>
+                        <a:rPr lang="ru" sz="750"/>
+                        <a:t>SB_TransitionMatrix_3ac_sumdiagcov</a:t>
+                      </a:r>
+                      <a:endParaRPr sz="750"/>
+                    </a:p>
+                  </a:txBody>
+                  <a:tcPr marT="38100" marB="38100" marR="76200" marL="76200" anchor="ctr"/>
+                </a:tc>
+                <a:tc>
+                  <a:txBody>
+                    <a:bodyPr/>
+                    <a:lstStyle/>
+                    <a:p>
+                      <a:pPr indent="0" lvl="0" marL="0" rtl="0" algn="r">
+                        <a:lnSpc>
+                          <a:spcPct val="115000"/>
+                        </a:lnSpc>
+                        <a:spcBef>
+                          <a:spcPts val="0"/>
+                        </a:spcBef>
+                        <a:spcAft>
+                          <a:spcPts val="0"/>
+                        </a:spcAft>
+                        <a:buNone/>
+                      </a:pPr>
+                      <a:r>
+                        <a:rPr lang="ru" sz="750"/>
+                        <a:t>0.009079</a:t>
+                      </a:r>
+                      <a:endParaRPr sz="750"/>
+                    </a:p>
+                  </a:txBody>
+                  <a:tcPr marT="38100" marB="38100" marR="76200" marL="76200">
+                    <a:solidFill>
+                      <a:srgbClr val="B6D7A8"/>
+                    </a:solidFill>
+                  </a:tcPr>
+                </a:tc>
+                <a:tc>
+                  <a:txBody>
+                    <a:bodyPr/>
+                    <a:lstStyle/>
+                    <a:p>
+                      <a:pPr indent="0" lvl="0" marL="0" rtl="0" algn="r">
+                        <a:lnSpc>
+                          <a:spcPct val="115000"/>
+                        </a:lnSpc>
+                        <a:spcBef>
+                          <a:spcPts val="0"/>
+                        </a:spcBef>
+                        <a:spcAft>
+                          <a:spcPts val="0"/>
+                        </a:spcAft>
+                        <a:buNone/>
+                      </a:pPr>
+                      <a:r>
+                        <a:rPr lang="ru" sz="750"/>
+                        <a:t>0.146661</a:t>
+                      </a:r>
+                      <a:endParaRPr sz="750"/>
+                    </a:p>
+                  </a:txBody>
+                  <a:tcPr marT="38100" marB="38100" marR="76200" marL="76200"/>
+                </a:tc>
+                <a:tc>
+                  <a:txBody>
+                    <a:bodyPr/>
+                    <a:lstStyle/>
+                    <a:p>
+                      <a:pPr indent="0" lvl="0" marL="0" rtl="0" algn="r">
+                        <a:lnSpc>
+                          <a:spcPct val="115000"/>
+                        </a:lnSpc>
+                        <a:spcBef>
+                          <a:spcPts val="0"/>
+                        </a:spcBef>
+                        <a:spcAft>
+                          <a:spcPts val="0"/>
+                        </a:spcAft>
+                        <a:buNone/>
+                      </a:pPr>
+                      <a:r>
+                        <a:rPr lang="ru" sz="750"/>
+                        <a:t>0.009079</a:t>
+                      </a:r>
+                      <a:endParaRPr sz="750"/>
+                    </a:p>
+                  </a:txBody>
+                  <a:tcPr marT="38100" marB="38100" marR="76200" marL="76200">
+                    <a:solidFill>
+                      <a:srgbClr val="B6D7A8"/>
+                    </a:solidFill>
+                  </a:tcPr>
+                </a:tc>
+                <a:tc>
+                  <a:txBody>
+                    <a:bodyPr/>
+                    <a:lstStyle/>
+                    <a:p>
+                      <a:pPr indent="0" lvl="0" marL="0" rtl="0" algn="r">
+                        <a:lnSpc>
+                          <a:spcPct val="115000"/>
+                        </a:lnSpc>
+                        <a:spcBef>
+                          <a:spcPts val="0"/>
+                        </a:spcBef>
+                        <a:spcAft>
+                          <a:spcPts val="0"/>
+                        </a:spcAft>
+                        <a:buNone/>
+                      </a:pPr>
+                      <a:r>
+                        <a:rPr lang="ru" sz="750"/>
+                        <a:t>0.615027</a:t>
+                      </a:r>
+                      <a:endParaRPr sz="750"/>
+                    </a:p>
+                  </a:txBody>
+                  <a:tcPr marT="38100" marB="38100" marR="76200" marL="76200"/>
+                </a:tc>
+              </a:tr>
+              <a:tr h="295600">
+                <a:tc>
+                  <a:txBody>
+                    <a:bodyPr/>
+                    <a:lstStyle/>
+                    <a:p>
+                      <a:pPr indent="0" lvl="0" marL="0" rtl="0" algn="r">
+                        <a:spcBef>
+                          <a:spcPts val="0"/>
+                        </a:spcBef>
+                        <a:spcAft>
+                          <a:spcPts val="0"/>
+                        </a:spcAft>
+                        <a:buNone/>
+                      </a:pPr>
+                      <a:r>
+                        <a:rPr lang="ru" sz="750"/>
+                        <a:t>CO_Embed2_Dist_tau_d_expfit_meandiff</a:t>
+                      </a:r>
+                      <a:endParaRPr sz="1100"/>
+                    </a:p>
+                  </a:txBody>
+                  <a:tcPr marT="91425" marB="91425" marR="91425" marL="91425"/>
+                </a:tc>
+                <a:tc>
+                  <a:txBody>
+                    <a:bodyPr/>
+                    <a:lstStyle/>
+                    <a:p>
+                      <a:pPr indent="0" lvl="0" marL="0" rtl="0" algn="r">
+                        <a:lnSpc>
+                          <a:spcPct val="115000"/>
+                        </a:lnSpc>
+                        <a:spcBef>
+                          <a:spcPts val="0"/>
+                        </a:spcBef>
+                        <a:spcAft>
+                          <a:spcPts val="0"/>
+                        </a:spcAft>
+                        <a:buNone/>
+                      </a:pPr>
+                      <a:r>
+                        <a:rPr lang="ru" sz="750"/>
+                        <a:t>0.107719</a:t>
+                      </a:r>
+                      <a:endParaRPr sz="750"/>
+                    </a:p>
+                  </a:txBody>
+                  <a:tcPr marT="38100" marB="38100" marR="76200" marL="76200"/>
+                </a:tc>
+                <a:tc>
+                  <a:txBody>
+                    <a:bodyPr/>
+                    <a:lstStyle/>
+                    <a:p>
+                      <a:pPr indent="0" lvl="0" marL="0" rtl="0" algn="r">
+                        <a:lnSpc>
+                          <a:spcPct val="115000"/>
+                        </a:lnSpc>
+                        <a:spcBef>
+                          <a:spcPts val="0"/>
+                        </a:spcBef>
+                        <a:spcAft>
+                          <a:spcPts val="0"/>
+                        </a:spcAft>
+                        <a:buNone/>
+                      </a:pPr>
+                      <a:r>
+                        <a:rPr lang="ru" sz="750"/>
+                        <a:t>0.627726</a:t>
+                      </a:r>
+                      <a:endParaRPr sz="750"/>
+                    </a:p>
+                  </a:txBody>
+                  <a:tcPr marT="38100" marB="38100" marR="76200" marL="76200"/>
+                </a:tc>
+                <a:tc>
+                  <a:txBody>
+                    <a:bodyPr/>
+                    <a:lstStyle/>
+                    <a:p>
+                      <a:pPr indent="0" lvl="0" marL="0" rtl="0" algn="r">
+                        <a:lnSpc>
+                          <a:spcPct val="115000"/>
+                        </a:lnSpc>
+                        <a:spcBef>
+                          <a:spcPts val="0"/>
+                        </a:spcBef>
+                        <a:spcAft>
+                          <a:spcPts val="0"/>
+                        </a:spcAft>
+                        <a:buNone/>
+                      </a:pPr>
+                      <a:r>
+                        <a:rPr lang="ru" sz="750"/>
+                        <a:t>0.077979</a:t>
+                      </a:r>
+                      <a:endParaRPr sz="750"/>
+                    </a:p>
+                  </a:txBody>
+                  <a:tcPr marT="38100" marB="38100" marR="76200" marL="76200"/>
+                </a:tc>
+                <a:tc>
+                  <a:txBody>
+                    <a:bodyPr/>
+                    <a:lstStyle/>
+                    <a:p>
+                      <a:pPr indent="0" lvl="0" marL="0" rtl="0" algn="r">
+                        <a:lnSpc>
+                          <a:spcPct val="115000"/>
+                        </a:lnSpc>
+                        <a:spcBef>
+                          <a:spcPts val="0"/>
+                        </a:spcBef>
+                        <a:spcAft>
+                          <a:spcPts val="0"/>
+                        </a:spcAft>
+                        <a:buNone/>
+                      </a:pPr>
+                      <a:r>
+                        <a:rPr lang="ru" sz="750"/>
+                        <a:t>0.025494</a:t>
+                      </a:r>
+                      <a:endParaRPr sz="750"/>
+                    </a:p>
+                  </a:txBody>
+                  <a:tcPr marT="38100" marB="38100" marR="76200" marL="76200">
+                    <a:solidFill>
+                      <a:srgbClr val="B6D7A8"/>
+                    </a:solidFill>
+                  </a:tcPr>
+                </a:tc>
+              </a:tr>
+            </a:tbl>
+          </a:graphicData>
+        </a:graphic>
+      </p:graphicFrame>
+      <p:sp>
+        <p:nvSpPr>
+          <p:cNvPr id="167" name="Google Shape;167;p25"/>
+          <p:cNvSpPr txBox="1"/>
+          <p:nvPr/>
+        </p:nvSpPr>
+        <p:spPr>
+          <a:xfrm>
+            <a:off x="3989550" y="3931525"/>
+            <a:ext cx="3055800" cy="600300"/>
+          </a:xfrm>
+          <a:prstGeom prst="rect">
+            <a:avLst/>
+          </a:prstGeom>
+          <a:noFill/>
+          <a:ln>
+            <a:noFill/>
+          </a:ln>
+        </p:spPr>
+        <p:txBody>
+          <a:bodyPr anchorCtr="0" anchor="t" bIns="91425" lIns="91425" spcFirstLastPara="1" rIns="91425" wrap="square" tIns="91425">
+            <a:spAutoFit/>
+          </a:bodyPr>
+          <a:lstStyle/>
+          <a:p>
+            <a:pPr indent="0" lvl="0" marL="0" rtl="0" algn="l">
+              <a:spcBef>
+                <a:spcPts val="0"/>
+              </a:spcBef>
+              <a:spcAft>
+                <a:spcPts val="0"/>
+              </a:spcAft>
+              <a:buNone/>
+            </a:pPr>
+            <a:r>
+              <a:rPr lang="ru" sz="900">
+                <a:latin typeface="Roboto"/>
+                <a:ea typeface="Roboto"/>
+                <a:cs typeface="Roboto"/>
+                <a:sym typeface="Roboto"/>
+              </a:rPr>
+              <a:t>p-value ttest для значений компонент эмбеддинга Catch22 в хорошо и плохо предсказываемых группах насосов</a:t>
+            </a:r>
+            <a:endParaRPr sz="900">
+              <a:latin typeface="Roboto"/>
+              <a:ea typeface="Roboto"/>
+              <a:cs typeface="Roboto"/>
+              <a:sym typeface="Roboto"/>
+            </a:endParaRPr>
+          </a:p>
+        </p:txBody>
+      </p:sp>
+    </p:spTree>
+  </p:cSld>
+  <p:clrMapOvr>
+    <a:masterClrMapping/>
+  </p:clrMapOvr>
+</p:sld>
+</file>
+
+<file path=ppt/slides/slide14.xml><?xml version="1.0" encoding="utf-8"?>
+<p:sld xmlns:a="http://schemas.openxmlformats.org/drawingml/2006/main" xmlns:r="http://schemas.openxmlformats.org/officeDocument/2006/relationships" xmlns:mc="http://schemas.openxmlformats.org/markup-compatibility/2006" xmlns:mv="urn:schemas-microsoft-com:mac:vml" xmlns:p="http://schemas.openxmlformats.org/presentationml/2006/main" xmlns:c="http://schemas.openxmlformats.org/drawingml/2006/chart" xmlns:dgm="http://schemas.openxmlformats.org/drawingml/2006/diagram" xmlns:o="urn:schemas-microsoft-com:office:office" xmlns:v="urn:schemas-microsoft-com:vml" xmlns:pvml="urn:schemas-microsoft-com:office:powerpoint" xmlns:com="http://schemas.openxmlformats.org/drawingml/2006/compatibility" xmlns:p14="http://schemas.microsoft.com/office/powerpoint/2010/main" xmlns:p15="http://schemas.microsoft.com/office/powerpoint/2012/main" xmlns:ahyp="http://schemas.microsoft.com/office/drawing/2018/hyperlinkcolor">
+  <p:cSld>
+    <p:spTree>
+      <p:nvGrpSpPr>
+        <p:cNvPr id="171" name="Shape 171"/>
+        <p:cNvGrpSpPr/>
+        <p:nvPr/>
+      </p:nvGrpSpPr>
+      <p:grpSpPr>
+        <a:xfrm>
+          <a:off x="0" y="0"/>
+          <a:ext cx="0" cy="0"/>
+          <a:chOff x="0" y="0"/>
+          <a:chExt cx="0" cy="0"/>
+        </a:xfrm>
+      </p:grpSpPr>
+      <p:sp>
+        <p:nvSpPr>
+          <p:cNvPr id="172" name="Google Shape;172;p26"/>
+          <p:cNvSpPr txBox="1"/>
+          <p:nvPr>
+            <p:ph type="title"/>
+          </p:nvPr>
+        </p:nvSpPr>
+        <p:spPr>
+          <a:xfrm>
+            <a:off x="311700" y="410000"/>
+            <a:ext cx="8520600" cy="607800"/>
+          </a:xfrm>
+          <a:prstGeom prst="rect">
+            <a:avLst/>
+          </a:prstGeom>
+        </p:spPr>
+        <p:txBody>
+          <a:bodyPr anchorCtr="0" anchor="t" bIns="91425" lIns="91425" spcFirstLastPara="1" rIns="91425" wrap="square" tIns="91425">
+            <a:normAutofit fontScale="90000"/>
+          </a:bodyPr>
+          <a:lstStyle/>
+          <a:p>
+            <a:pPr indent="0" lvl="0" marL="0" rtl="0" algn="l">
+              <a:spcBef>
+                <a:spcPts val="0"/>
+              </a:spcBef>
+              <a:spcAft>
+                <a:spcPts val="0"/>
+              </a:spcAft>
+              <a:buNone/>
+            </a:pPr>
+            <a:r>
+              <a:rPr lang="ru"/>
+              <a:t>CompEngine</a:t>
+            </a:r>
+            <a:endParaRPr/>
+          </a:p>
+        </p:txBody>
+      </p:sp>
+      <p:pic>
+        <p:nvPicPr>
+          <p:cNvPr id="173" name="Google Shape;173;p26"/>
+          <p:cNvPicPr preferRelativeResize="0"/>
+          <p:nvPr/>
+        </p:nvPicPr>
+        <p:blipFill>
+          <a:blip r:embed="rId3">
+            <a:alphaModFix/>
+          </a:blip>
+          <a:stretch>
+            <a:fillRect/>
+          </a:stretch>
+        </p:blipFill>
+        <p:spPr>
+          <a:xfrm>
+            <a:off x="152400" y="1170200"/>
+            <a:ext cx="3678948" cy="3678948"/>
+          </a:xfrm>
+          <a:prstGeom prst="rect">
+            <a:avLst/>
+          </a:prstGeom>
+          <a:noFill/>
+          <a:ln>
+            <a:noFill/>
+          </a:ln>
+        </p:spPr>
+      </p:pic>
+      <p:pic>
+        <p:nvPicPr>
+          <p:cNvPr id="174" name="Google Shape;174;p26"/>
+          <p:cNvPicPr preferRelativeResize="0"/>
+          <p:nvPr/>
+        </p:nvPicPr>
+        <p:blipFill>
+          <a:blip r:embed="rId4">
+            <a:alphaModFix/>
+          </a:blip>
+          <a:stretch>
+            <a:fillRect/>
+          </a:stretch>
+        </p:blipFill>
+        <p:spPr>
+          <a:xfrm>
+            <a:off x="3628950" y="410000"/>
+            <a:ext cx="3507774" cy="3341225"/>
+          </a:xfrm>
+          <a:prstGeom prst="rect">
+            <a:avLst/>
+          </a:prstGeom>
+          <a:noFill/>
+          <a:ln>
+            <a:noFill/>
+          </a:ln>
+        </p:spPr>
+      </p:pic>
+      <p:pic>
+        <p:nvPicPr>
+          <p:cNvPr id="175" name="Google Shape;175;p26"/>
+          <p:cNvPicPr preferRelativeResize="0"/>
+          <p:nvPr/>
+        </p:nvPicPr>
+        <p:blipFill>
+          <a:blip r:embed="rId5">
+            <a:alphaModFix/>
+          </a:blip>
+          <a:stretch>
+            <a:fillRect/>
+          </a:stretch>
+        </p:blipFill>
+        <p:spPr>
+          <a:xfrm>
+            <a:off x="7136724" y="410000"/>
+            <a:ext cx="1649201" cy="2939170"/>
+          </a:xfrm>
+          <a:prstGeom prst="rect">
+            <a:avLst/>
+          </a:prstGeom>
+          <a:noFill/>
+          <a:ln>
+            <a:noFill/>
+          </a:ln>
+        </p:spPr>
+      </p:pic>
+    </p:spTree>
+  </p:cSld>
+  <p:clrMapOvr>
+    <a:masterClrMapping/>
+  </p:clrMapOvr>
+</p:sld>
+</file>
+
+<file path=ppt/slides/slide15.xml><?xml version="1.0" encoding="utf-8"?>
+<p:sld xmlns:a="http://schemas.openxmlformats.org/drawingml/2006/main" xmlns:r="http://schemas.openxmlformats.org/officeDocument/2006/relationships" xmlns:mc="http://schemas.openxmlformats.org/markup-compatibility/2006" xmlns:mv="urn:schemas-microsoft-com:mac:vml" xmlns:p="http://schemas.openxmlformats.org/presentationml/2006/main" xmlns:c="http://schemas.openxmlformats.org/drawingml/2006/chart" xmlns:dgm="http://schemas.openxmlformats.org/drawingml/2006/diagram" xmlns:o="urn:schemas-microsoft-com:office:office" xmlns:v="urn:schemas-microsoft-com:vml" xmlns:pvml="urn:schemas-microsoft-com:office:powerpoint" xmlns:com="http://schemas.openxmlformats.org/drawingml/2006/compatibility" xmlns:p14="http://schemas.microsoft.com/office/powerpoint/2010/main" xmlns:p15="http://schemas.microsoft.com/office/powerpoint/2012/main" xmlns:ahyp="http://schemas.microsoft.com/office/drawing/2018/hyperlinkcolor">
+  <p:cSld>
+    <p:spTree>
+      <p:nvGrpSpPr>
+        <p:cNvPr id="179" name="Shape 179"/>
+        <p:cNvGrpSpPr/>
+        <p:nvPr/>
+      </p:nvGrpSpPr>
+      <p:grpSpPr>
+        <a:xfrm>
+          <a:off x="0" y="0"/>
+          <a:ext cx="0" cy="0"/>
+          <a:chOff x="0" y="0"/>
+          <a:chExt cx="0" cy="0"/>
+        </a:xfrm>
+      </p:grpSpPr>
+      <p:sp>
+        <p:nvSpPr>
+          <p:cNvPr id="180" name="Google Shape;180;p27"/>
+          <p:cNvSpPr txBox="1"/>
+          <p:nvPr>
+            <p:ph type="title"/>
+          </p:nvPr>
+        </p:nvSpPr>
+        <p:spPr>
+          <a:xfrm>
+            <a:off x="598100" y="2152347"/>
+            <a:ext cx="8222100" cy="838800"/>
+          </a:xfrm>
+          <a:prstGeom prst="rect">
+            <a:avLst/>
+          </a:prstGeom>
+        </p:spPr>
+        <p:txBody>
+          <a:bodyPr anchorCtr="0" anchor="ctr" bIns="91425" lIns="91425" spcFirstLastPara="1" rIns="91425" wrap="square" tIns="91425">
+            <a:normAutofit/>
+          </a:bodyPr>
+          <a:lstStyle/>
+          <a:p>
+            <a:pPr indent="0" lvl="0" marL="0" rtl="0" algn="l">
+              <a:spcBef>
+                <a:spcPts val="0"/>
+              </a:spcBef>
+              <a:spcAft>
+                <a:spcPts val="0"/>
+              </a:spcAft>
+              <a:buNone/>
+            </a:pPr>
+            <a:r>
+              <a:rPr lang="ru"/>
+              <a:t>Спасибо за внимание</a:t>
+            </a:r>
+            <a:endParaRPr/>
+          </a:p>
+        </p:txBody>
+      </p:sp>
+    </p:spTree>
+  </p:cSld>
+  <p:clrMapOvr>
+    <a:masterClrMapping/>
+  </p:clrMapOvr>
+</p:sld>
+</file>
+
+<file path=ppt/slides/slide16.xml><?xml version="1.0" encoding="utf-8"?>
+<p:sld xmlns:a="http://schemas.openxmlformats.org/drawingml/2006/main" xmlns:r="http://schemas.openxmlformats.org/officeDocument/2006/relationships" xmlns:mc="http://schemas.openxmlformats.org/markup-compatibility/2006" xmlns:mv="urn:schemas-microsoft-com:mac:vml" xmlns:p="http://schemas.openxmlformats.org/presentationml/2006/main" xmlns:c="http://schemas.openxmlformats.org/drawingml/2006/chart" xmlns:dgm="http://schemas.openxmlformats.org/drawingml/2006/diagram" xmlns:o="urn:schemas-microsoft-com:office:office" xmlns:v="urn:schemas-microsoft-com:vml" xmlns:pvml="urn:schemas-microsoft-com:office:powerpoint" xmlns:com="http://schemas.openxmlformats.org/drawingml/2006/compatibility" xmlns:p14="http://schemas.microsoft.com/office/powerpoint/2010/main" xmlns:p15="http://schemas.microsoft.com/office/powerpoint/2012/main" xmlns:ahyp="http://schemas.microsoft.com/office/drawing/2018/hyperlinkcolor">
+  <p:cSld>
+    <p:spTree>
+      <p:nvGrpSpPr>
+        <p:cNvPr id="184" name="Shape 184"/>
+        <p:cNvGrpSpPr/>
+        <p:nvPr/>
+      </p:nvGrpSpPr>
+      <p:grpSpPr>
+        <a:xfrm>
+          <a:off x="0" y="0"/>
+          <a:ext cx="0" cy="0"/>
+          <a:chOff x="0" y="0"/>
+          <a:chExt cx="0" cy="0"/>
+        </a:xfrm>
+      </p:grpSpPr>
+      <p:sp>
+        <p:nvSpPr>
+          <p:cNvPr id="185" name="Google Shape;185;p28"/>
+          <p:cNvSpPr txBox="1"/>
+          <p:nvPr>
+            <p:ph idx="1" type="body"/>
+          </p:nvPr>
+        </p:nvSpPr>
+        <p:spPr>
+          <a:xfrm>
+            <a:off x="319500" y="4230575"/>
+            <a:ext cx="5998800" cy="598800"/>
+          </a:xfrm>
+          <a:prstGeom prst="rect">
+            <a:avLst/>
+          </a:prstGeom>
+        </p:spPr>
+        <p:txBody>
+          <a:bodyPr anchorCtr="0" anchor="ctr" bIns="91425" lIns="91425" spcFirstLastPara="1" rIns="91425" wrap="square" tIns="91425">
+            <a:normAutofit/>
+          </a:bodyPr>
+          <a:lstStyle/>
+          <a:p>
+            <a:pPr indent="0" lvl="0" marL="0" rtl="0" algn="l">
+              <a:spcBef>
+                <a:spcPts val="0"/>
+              </a:spcBef>
+              <a:spcAft>
+                <a:spcPts val="0"/>
+              </a:spcAft>
+              <a:buNone/>
+            </a:pPr>
+            <a:r>
+              <a:rPr lang="ru"/>
+              <a:t>Кирилл Сетдеков, Москва, 2021</a:t>
+            </a:r>
+            <a:endParaRPr/>
+          </a:p>
+        </p:txBody>
+      </p:sp>
+    </p:spTree>
+  </p:cSld>
+  <p:clrMapOvr>
+    <a:masterClrMapping/>
+  </p:clrMapOvr>
+</p:sld>
+</file>
+
 <file path=ppt/slides/slide2.xml><?xml version="1.0" encoding="utf-8"?>
 <p:sld xmlns:a="http://schemas.openxmlformats.org/drawingml/2006/main" xmlns:r="http://schemas.openxmlformats.org/officeDocument/2006/relationships" xmlns:mc="http://schemas.openxmlformats.org/markup-compatibility/2006" xmlns:mv="urn:schemas-microsoft-com:mac:vml" xmlns:p="http://schemas.openxmlformats.org/presentationml/2006/main" xmlns:c="http://schemas.openxmlformats.org/drawingml/2006/chart" xmlns:dgm="http://schemas.openxmlformats.org/drawingml/2006/diagram" xmlns:o="urn:schemas-microsoft-com:office:office" xmlns:v="urn:schemas-microsoft-com:vml" xmlns:pvml="urn:schemas-microsoft-com:office:powerpoint" xmlns:com="http://schemas.openxmlformats.org/drawingml/2006/compatibility" xmlns:p14="http://schemas.microsoft.com/office/powerpoint/2010/main" xmlns:p15="http://schemas.microsoft.com/office/powerpoint/2012/main" xmlns:ahyp="http://schemas.microsoft.com/office/drawing/2018/hyperlinkcolor">
   <p:cSld>
@@ -8026,8 +11924,8 @@
         </p:nvSpPr>
         <p:spPr>
           <a:xfrm>
-            <a:off x="598100" y="2152347"/>
-            <a:ext cx="8222100" cy="838800"/>
+            <a:off x="490250" y="526350"/>
+            <a:ext cx="5618700" cy="4090800"/>
           </a:xfrm>
           <a:prstGeom prst="rect">
             <a:avLst/>
@@ -8035,7 +11933,7 @@
         </p:spPr>
         <p:txBody>
           <a:bodyPr anchorCtr="0" anchor="ctr" bIns="91425" lIns="91425" spcFirstLastPara="1" rIns="91425" wrap="square" tIns="91425">
-            <a:normAutofit fontScale="90000"/>
+            <a:normAutofit/>
           </a:bodyPr>
           <a:lstStyle/>
           <a:p>
@@ -8049,12 +11947,8 @@
               <a:buNone/>
             </a:pPr>
             <a:r>
-              <a:rPr lang="ru"/>
-              <a:t>Какие из </a:t>
-            </a:r>
-            <a:r>
-              <a:rPr lang="ru"/>
-              <a:t>STOA алгоритмов лучше работают на реальных данных и насколько лучше AutoML?</a:t>
+              <a:rPr lang="ru" sz="4200"/>
+              <a:t>Какие из STOA алгоритмов лучше работают на реальных данных и насколько лучше AutoML?</a:t>
             </a:r>
             <a:endParaRPr/>
           </a:p>
@@ -8095,20 +11989,20 @@
         </p:nvSpPr>
         <p:spPr>
           <a:xfrm>
-            <a:off x="311700" y="410000"/>
-            <a:ext cx="8520600" cy="607800"/>
+            <a:off x="265500" y="1151100"/>
+            <a:ext cx="4045200" cy="1564500"/>
           </a:xfrm>
           <a:prstGeom prst="rect">
             <a:avLst/>
           </a:prstGeom>
         </p:spPr>
         <p:txBody>
-          <a:bodyPr anchorCtr="0" anchor="t" bIns="91425" lIns="91425" spcFirstLastPara="1" rIns="91425" wrap="square" tIns="91425">
-            <a:normAutofit fontScale="90000"/>
+          <a:bodyPr anchorCtr="0" anchor="b" bIns="91425" lIns="91425" spcFirstLastPara="1" rIns="91425" wrap="square" tIns="91425">
+            <a:normAutofit/>
           </a:bodyPr>
           <a:lstStyle/>
           <a:p>
-            <a:pPr indent="0" lvl="0" marL="0" rtl="0" algn="l">
+            <a:pPr indent="0" lvl="0" marL="0" rtl="0" algn="ctr">
               <a:spcBef>
                 <a:spcPts val="0"/>
               </a:spcBef>
@@ -8118,7 +12012,8 @@
               <a:buNone/>
             </a:pPr>
             <a:r>
-              <a:t/>
+              <a:rPr lang="ru"/>
+              <a:t>Данные и методы</a:t>
             </a:r>
             <a:endParaRPr/>
           </a:p>
@@ -8129,13 +12024,13 @@
           <p:cNvPr id="97" name="Google Shape;97;p15"/>
           <p:cNvSpPr txBox="1"/>
           <p:nvPr>
-            <p:ph idx="1" type="body"/>
+            <p:ph idx="1" type="subTitle"/>
           </p:nvPr>
         </p:nvSpPr>
         <p:spPr>
           <a:xfrm>
-            <a:off x="311700" y="1229975"/>
-            <a:ext cx="3999900" cy="3339000"/>
+            <a:off x="265500" y="2769001"/>
+            <a:ext cx="4045200" cy="1269300"/>
           </a:xfrm>
           <a:prstGeom prst="rect">
             <a:avLst/>
@@ -8147,17 +12042,18 @@
           </a:bodyPr>
           <a:lstStyle/>
           <a:p>
-            <a:pPr indent="0" lvl="0" marL="0" rtl="0" algn="l">
-              <a:spcBef>
-                <a:spcPts val="0"/>
-              </a:spcBef>
-              <a:spcAft>
-                <a:spcPts val="1200"/>
+            <a:pPr indent="0" lvl="0" marL="0" rtl="0" algn="ctr">
+              <a:spcBef>
+                <a:spcPts val="0"/>
+              </a:spcBef>
+              <a:spcAft>
+                <a:spcPts val="0"/>
               </a:spcAft>
               <a:buNone/>
             </a:pPr>
             <a:r>
-              <a:t/>
+              <a:rPr lang="ru"/>
+              <a:t>Многомерные временные ряды</a:t>
             </a:r>
             <a:endParaRPr/>
           </a:p>
@@ -8173,20 +12069,23 @@
         </p:nvSpPr>
         <p:spPr>
           <a:xfrm>
-            <a:off x="4832400" y="1229975"/>
-            <a:ext cx="3999900" cy="3339000"/>
+            <a:off x="4939500" y="724200"/>
+            <a:ext cx="3837000" cy="3695100"/>
           </a:xfrm>
           <a:prstGeom prst="rect">
             <a:avLst/>
           </a:prstGeom>
         </p:spPr>
         <p:txBody>
-          <a:bodyPr anchorCtr="0" anchor="t" bIns="91425" lIns="91425" spcFirstLastPara="1" rIns="91425" wrap="square" tIns="91425">
-            <a:normAutofit fontScale="70000" lnSpcReduction="20000"/>
+          <a:bodyPr anchorCtr="0" anchor="ctr" bIns="91425" lIns="91425" spcFirstLastPara="1" rIns="91425" wrap="square" tIns="91425">
+            <a:normAutofit/>
           </a:bodyPr>
           <a:lstStyle/>
           <a:p>
             <a:pPr indent="0" lvl="0" marL="0" rtl="0" algn="l">
+              <a:lnSpc>
+                <a:spcPct val="100000"/>
+              </a:lnSpc>
               <a:spcBef>
                 <a:spcPts val="0"/>
               </a:spcBef>
@@ -8196,167 +12095,8 @@
               <a:buNone/>
             </a:pPr>
             <a:r>
-              <a:rPr lang="ru"/>
-              <a:t>* для данных по насосам построил</a:t>
-            </a:r>
-            <a:endParaRPr/>
-          </a:p>
-          <a:p>
-            <a:pPr indent="0" lvl="0" marL="0" rtl="0" algn="l">
-              <a:spcBef>
-                <a:spcPts val="1200"/>
-              </a:spcBef>
-              <a:spcAft>
-                <a:spcPts val="0"/>
-              </a:spcAft>
-              <a:buNone/>
-            </a:pPr>
-            <a:r>
-              <a:rPr lang="ru"/>
-              <a:t>  * модель LAMA</a:t>
-            </a:r>
-            <a:endParaRPr/>
-          </a:p>
-          <a:p>
-            <a:pPr indent="0" lvl="0" marL="0" rtl="0" algn="l">
-              <a:spcBef>
-                <a:spcPts val="1200"/>
-              </a:spcBef>
-              <a:spcAft>
-                <a:spcPts val="0"/>
-              </a:spcAft>
-              <a:buNone/>
-            </a:pPr>
-            <a:r>
-              <a:rPr lang="ru"/>
-              <a:t>  * Time fusion transformers</a:t>
-            </a:r>
-            <a:endParaRPr/>
-          </a:p>
-          <a:p>
-            <a:pPr indent="0" lvl="0" marL="0" rtl="0" algn="l">
-              <a:spcBef>
-                <a:spcPts val="1200"/>
-              </a:spcBef>
-              <a:spcAft>
-                <a:spcPts val="0"/>
-              </a:spcAft>
-              <a:buNone/>
-            </a:pPr>
-            <a:r>
-              <a:rPr lang="ru"/>
-              <a:t>  * TCN</a:t>
-            </a:r>
-            <a:endParaRPr/>
-          </a:p>
-          <a:p>
-            <a:pPr indent="0" lvl="0" marL="0" rtl="0" algn="l">
-              <a:spcBef>
-                <a:spcPts val="1200"/>
-              </a:spcBef>
-              <a:spcAft>
-                <a:spcPts val="0"/>
-              </a:spcAft>
-              <a:buNone/>
-            </a:pPr>
-            <a:r>
-              <a:rPr lang="ru"/>
-              <a:t>  * Transformers</a:t>
-            </a:r>
-            <a:endParaRPr/>
-          </a:p>
-          <a:p>
-            <a:pPr indent="0" lvl="0" marL="0" rtl="0" algn="l">
-              <a:spcBef>
-                <a:spcPts val="1200"/>
-              </a:spcBef>
-              <a:spcAft>
-                <a:spcPts val="0"/>
-              </a:spcAft>
-              <a:buNone/>
-            </a:pPr>
-            <a:r>
-              <a:rPr lang="ru"/>
-              <a:t>  * N-Beats</a:t>
-            </a:r>
-            <a:endParaRPr/>
-          </a:p>
-          <a:p>
-            <a:pPr indent="0" lvl="0" marL="0" rtl="0" algn="l">
-              <a:spcBef>
-                <a:spcPts val="1200"/>
-              </a:spcBef>
-              <a:spcAft>
-                <a:spcPts val="0"/>
-              </a:spcAft>
-              <a:buNone/>
-            </a:pPr>
-            <a:r>
-              <a:rPr lang="ru"/>
-              <a:t>* сравнил их</a:t>
-            </a:r>
-            <a:endParaRPr/>
-          </a:p>
-          <a:p>
-            <a:pPr indent="0" lvl="0" marL="0" rtl="0" algn="l">
-              <a:spcBef>
-                <a:spcPts val="1200"/>
-              </a:spcBef>
-              <a:spcAft>
-                <a:spcPts val="0"/>
-              </a:spcAft>
-              <a:buNone/>
-            </a:pPr>
-            <a:r>
-              <a:rPr lang="ru"/>
-              <a:t>* сравнил как у них распределены остатки</a:t>
-            </a:r>
-            <a:endParaRPr/>
-          </a:p>
-          <a:p>
-            <a:pPr indent="0" lvl="0" marL="0" rtl="0" algn="l">
-              <a:spcBef>
-                <a:spcPts val="1200"/>
-              </a:spcBef>
-              <a:spcAft>
-                <a:spcPts val="0"/>
-              </a:spcAft>
-              <a:buNone/>
-            </a:pPr>
-            <a:r>
-              <a:rPr lang="ru"/>
-              <a:t>* сравнил как модели работаю по разному на основе Catch22</a:t>
-            </a:r>
-            <a:endParaRPr/>
-          </a:p>
-          <a:p>
-            <a:pPr indent="0" lvl="0" marL="0" rtl="0" algn="l">
-              <a:spcBef>
-                <a:spcPts val="1200"/>
-              </a:spcBef>
-              <a:spcAft>
-                <a:spcPts val="0"/>
-              </a:spcAft>
-              <a:buNone/>
-            </a:pPr>
-            <a:r>
-              <a:rPr lang="ru"/>
-              <a:t>* сделал выводы по классам из Compengine</a:t>
-            </a:r>
-            <a:endParaRPr/>
-          </a:p>
-          <a:p>
-            <a:pPr indent="0" lvl="0" marL="0" rtl="0" algn="l">
-              <a:spcBef>
-                <a:spcPts val="1200"/>
-              </a:spcBef>
-              <a:spcAft>
-                <a:spcPts val="1200"/>
-              </a:spcAft>
-              <a:buNone/>
-            </a:pPr>
-            <a:r>
-              <a:t/>
+              <a:rPr lang="ru" sz="4200"/>
+              <a:t>Какие лучшие подходы и к чему их применяют?</a:t>
             </a:r>
             <a:endParaRPr/>
           </a:p>
@@ -8421,7 +12161,7 @@
             </a:pPr>
             <a:r>
               <a:rPr lang="ru"/>
-              <a:t>для данных по насосам построил</a:t>
+              <a:t>Данные и методы - лучшие практики</a:t>
             </a:r>
             <a:endParaRPr/>
           </a:p>
@@ -8437,8 +12177,8 @@
         </p:nvSpPr>
         <p:spPr>
           <a:xfrm>
-            <a:off x="311700" y="1229875"/>
-            <a:ext cx="8520600" cy="3339000"/>
+            <a:off x="311700" y="1229975"/>
+            <a:ext cx="2297700" cy="3339000"/>
           </a:xfrm>
           <a:prstGeom prst="rect">
             <a:avLst/>
@@ -8461,7 +12201,7 @@
             </a:pPr>
             <a:r>
               <a:rPr lang="ru"/>
-              <a:t>* модель LAMA</a:t>
+              <a:t>Отбор моделей:</a:t>
             </a:r>
             <a:endParaRPr/>
           </a:p>
@@ -8477,7 +12217,7 @@
             </a:pPr>
             <a:r>
               <a:rPr lang="ru"/>
-              <a:t>  * Time fusion transformers</a:t>
+              <a:t>Papers with code:</a:t>
             </a:r>
             <a:endParaRPr/>
           </a:p>
@@ -8487,13 +12227,89 @@
                 <a:spcPts val="1200"/>
               </a:spcBef>
               <a:spcAft>
-                <a:spcPts val="0"/>
+                <a:spcPts val="1200"/>
               </a:spcAft>
               <a:buNone/>
             </a:pPr>
             <a:r>
               <a:rPr lang="ru"/>
-              <a:t>  * TCN</a:t>
+              <a:t>Бенчмарк ETTh2 (720) - часовые данные за 2 года, 30 дней прогноз, данные по температуре трансформатора от 7 зависимых переменных</a:t>
+            </a:r>
+            <a:endParaRPr/>
+          </a:p>
+        </p:txBody>
+      </p:sp>
+      <p:sp>
+        <p:nvSpPr>
+          <p:cNvPr id="105" name="Google Shape;105;p16"/>
+          <p:cNvSpPr txBox="1"/>
+          <p:nvPr>
+            <p:ph idx="2" type="body"/>
+          </p:nvPr>
+        </p:nvSpPr>
+        <p:spPr>
+          <a:xfrm>
+            <a:off x="2905175" y="1229975"/>
+            <a:ext cx="5927100" cy="3420600"/>
+          </a:xfrm>
+          <a:prstGeom prst="rect">
+            <a:avLst/>
+          </a:prstGeom>
+        </p:spPr>
+        <p:txBody>
+          <a:bodyPr anchorCtr="0" anchor="t" bIns="91425" lIns="91425" spcFirstLastPara="1" rIns="91425" wrap="square" tIns="91425">
+            <a:normAutofit fontScale="70000" lnSpcReduction="20000"/>
+          </a:bodyPr>
+          <a:lstStyle/>
+          <a:p>
+            <a:pPr indent="0" lvl="0" marL="0" rtl="0" algn="l">
+              <a:spcBef>
+                <a:spcPts val="0"/>
+              </a:spcBef>
+              <a:spcAft>
+                <a:spcPts val="0"/>
+              </a:spcAft>
+              <a:buNone/>
+            </a:pPr>
+            <a:r>
+              <a:rPr lang="ru"/>
+              <a:t>Лучшие модели сейчас:</a:t>
+            </a:r>
+            <a:endParaRPr/>
+          </a:p>
+          <a:p>
+            <a:pPr indent="-290830" lvl="0" marL="457200" rtl="0" algn="l">
+              <a:spcBef>
+                <a:spcPts val="1200"/>
+              </a:spcBef>
+              <a:spcAft>
+                <a:spcPts val="0"/>
+              </a:spcAft>
+              <a:buSzPct val="127272"/>
+              <a:buAutoNum type="arabicPeriod"/>
+            </a:pPr>
+            <a:r>
+              <a:rPr b="1" lang="ru" sz="1100" u="sng">
+                <a:solidFill>
+                  <a:srgbClr val="000000"/>
+                </a:solidFill>
+                <a:latin typeface="Arial"/>
+                <a:ea typeface="Arial"/>
+                <a:cs typeface="Arial"/>
+                <a:sym typeface="Arial"/>
+                <a:hlinkClick r:id="rId3">
+                  <a:extLst>
+                    <a:ext uri="{A12FA001-AC4F-418D-AE19-62706E023703}">
+                      <ahyp:hlinkClr val="tx"/>
+                    </a:ext>
+                  </a:extLst>
+                </a:hlinkClick>
+              </a:rPr>
+              <a:t>SCINet</a:t>
+            </a:r>
+            <a:r>
+              <a:rPr lang="ru"/>
+              <a:t> 2021 (развитие TCN)</a:t>
             </a:r>
             <a:endParaRPr/>
           </a:p>
@@ -8509,7 +12325,43 @@
             </a:pPr>
             <a:r>
               <a:rPr lang="ru"/>
-              <a:t>  * Transformers</a:t>
+              <a:t>Работает как сверточная сеть для временного ряда, но добавлены дополнительные слои смешения между свертками</a:t>
+            </a:r>
+            <a:endParaRPr/>
+          </a:p>
+          <a:p>
+            <a:pPr indent="-290830" lvl="0" marL="457200" rtl="0" algn="l">
+              <a:spcBef>
+                <a:spcPts val="1200"/>
+              </a:spcBef>
+              <a:spcAft>
+                <a:spcPts val="0"/>
+              </a:spcAft>
+              <a:buSzPct val="127272"/>
+              <a:buAutoNum type="arabicPeriod"/>
+            </a:pPr>
+            <a:r>
+              <a:rPr b="1" lang="ru" sz="1100" u="sng">
+                <a:solidFill>
+                  <a:srgbClr val="000000"/>
+                </a:solidFill>
+                <a:latin typeface="Arial"/>
+                <a:ea typeface="Arial"/>
+                <a:cs typeface="Arial"/>
+                <a:sym typeface="Arial"/>
+                <a:hlinkClick r:id="rId4">
+                  <a:extLst>
+                    <a:ext uri="{A12FA001-AC4F-418D-AE19-62706E023703}">
+                      <ahyp:hlinkClr val="tx"/>
+                    </a:ext>
+                  </a:extLst>
+                </a:hlinkClick>
+              </a:rPr>
+              <a:t>QuerySelector</a:t>
+            </a:r>
+            <a:r>
+              <a:rPr lang="ru"/>
+              <a:t> 2021 (развитие трансформеров)</a:t>
             </a:r>
             <a:endParaRPr/>
           </a:p>
@@ -8519,13 +12371,117 @@
                 <a:spcPts val="1200"/>
               </a:spcBef>
               <a:spcAft>
-                <a:spcPts val="1200"/>
+                <a:spcPts val="0"/>
               </a:spcAft>
               <a:buNone/>
             </a:pPr>
             <a:r>
               <a:rPr lang="ru"/>
-              <a:t>  * N-Beats</a:t>
+              <a:t>Матрица внимание строится большего размера, разреженной и детерминированно </a:t>
+            </a:r>
+            <a:endParaRPr/>
+          </a:p>
+          <a:p>
+            <a:pPr indent="-290830" lvl="0" marL="457200" rtl="0" algn="l">
+              <a:spcBef>
+                <a:spcPts val="1200"/>
+              </a:spcBef>
+              <a:spcAft>
+                <a:spcPts val="0"/>
+              </a:spcAft>
+              <a:buSzPct val="127272"/>
+              <a:buAutoNum type="arabicPeriod"/>
+            </a:pPr>
+            <a:r>
+              <a:rPr b="1" lang="ru" sz="1100" u="sng">
+                <a:solidFill>
+                  <a:srgbClr val="000000"/>
+                </a:solidFill>
+                <a:latin typeface="Arial"/>
+                <a:ea typeface="Arial"/>
+                <a:cs typeface="Arial"/>
+                <a:sym typeface="Arial"/>
+                <a:hlinkClick r:id="rId5">
+                  <a:extLst>
+                    <a:ext uri="{A12FA001-AC4F-418D-AE19-62706E023703}">
+                      <ahyp:hlinkClr val="tx"/>
+                    </a:ext>
+                  </a:extLst>
+                </a:hlinkClick>
+              </a:rPr>
+              <a:t>Informer</a:t>
+            </a:r>
+            <a:r>
+              <a:rPr lang="ru"/>
+              <a:t> 2020 (развитие трансформеров)</a:t>
+            </a:r>
+            <a:endParaRPr/>
+          </a:p>
+          <a:p>
+            <a:pPr indent="0" lvl="0" marL="0" rtl="0" algn="l">
+              <a:spcBef>
+                <a:spcPts val="1200"/>
+              </a:spcBef>
+              <a:spcAft>
+                <a:spcPts val="0"/>
+              </a:spcAft>
+              <a:buNone/>
+            </a:pPr>
+            <a:r>
+              <a:rPr lang="ru"/>
+              <a:t>Модификация механизма внимания в сторону ускорения + расширения внимание с прореживанием (как в TCN) + декодер генеративного типа, стоящий прогноз большей длины за 1 шаг, а не итеративно</a:t>
+            </a:r>
+            <a:endParaRPr/>
+          </a:p>
+          <a:p>
+            <a:pPr indent="-290830" lvl="0" marL="457200" rtl="0" algn="l">
+              <a:spcBef>
+                <a:spcPts val="1200"/>
+              </a:spcBef>
+              <a:spcAft>
+                <a:spcPts val="0"/>
+              </a:spcAft>
+              <a:buSzPct val="127272"/>
+              <a:buAutoNum type="arabicPeriod"/>
+            </a:pPr>
+            <a:r>
+              <a:rPr b="1" lang="ru" sz="1100" u="sng">
+                <a:solidFill>
+                  <a:srgbClr val="000000"/>
+                </a:solidFill>
+                <a:latin typeface="Arial"/>
+                <a:ea typeface="Arial"/>
+                <a:cs typeface="Arial"/>
+                <a:sym typeface="Arial"/>
+                <a:hlinkClick r:id="rId6">
+                  <a:extLst>
+                    <a:ext uri="{A12FA001-AC4F-418D-AE19-62706E023703}">
+                      <ahyp:hlinkClr val="tx"/>
+                    </a:ext>
+                  </a:extLst>
+                </a:hlinkClick>
+              </a:rPr>
+              <a:t>Transformer</a:t>
+            </a:r>
+            <a:r>
+              <a:rPr lang="ru"/>
+              <a:t> 2017-2019 (трансформеры в оригинальном виде)</a:t>
+            </a:r>
+            <a:endParaRPr/>
+          </a:p>
+          <a:p>
+            <a:pPr indent="0" lvl="0" marL="0" rtl="0" algn="l">
+              <a:spcBef>
+                <a:spcPts val="1200"/>
+              </a:spcBef>
+              <a:spcAft>
+                <a:spcPts val="1200"/>
+              </a:spcAft>
+              <a:buNone/>
+            </a:pPr>
+            <a:r>
+              <a:rPr lang="ru"/>
+              <a:t>Внутри грубо - энкодер-декодер + внутреннее внимание. Как машинный перевод, только регрессия</a:t>
             </a:r>
             <a:endParaRPr/>
           </a:p>
@@ -8544,7 +12500,7 @@
   <p:cSld>
     <p:spTree>
       <p:nvGrpSpPr>
-        <p:cNvPr id="108" name="Shape 108"/>
+        <p:cNvPr id="109" name="Shape 109"/>
         <p:cNvGrpSpPr/>
         <p:nvPr/>
       </p:nvGrpSpPr>
@@ -8558,7 +12514,392 @@
       </p:grpSpPr>
       <p:sp>
         <p:nvSpPr>
-          <p:cNvPr id="109" name="Google Shape;109;p17"/>
+          <p:cNvPr id="110" name="Google Shape;110;p17"/>
+          <p:cNvSpPr txBox="1"/>
+          <p:nvPr>
+            <p:ph type="title"/>
+          </p:nvPr>
+        </p:nvSpPr>
+        <p:spPr>
+          <a:xfrm>
+            <a:off x="311700" y="410000"/>
+            <a:ext cx="8520600" cy="607800"/>
+          </a:xfrm>
+          <a:prstGeom prst="rect">
+            <a:avLst/>
+          </a:prstGeom>
+        </p:spPr>
+        <p:txBody>
+          <a:bodyPr anchorCtr="0" anchor="t" bIns="91425" lIns="91425" spcFirstLastPara="1" rIns="91425" wrap="square" tIns="91425">
+            <a:normAutofit fontScale="90000"/>
+          </a:bodyPr>
+          <a:lstStyle/>
+          <a:p>
+            <a:pPr indent="0" lvl="0" marL="0" rtl="0" algn="l">
+              <a:spcBef>
+                <a:spcPts val="0"/>
+              </a:spcBef>
+              <a:spcAft>
+                <a:spcPts val="0"/>
+              </a:spcAft>
+              <a:buNone/>
+            </a:pPr>
+            <a:r>
+              <a:rPr lang="ru"/>
+              <a:t>Данные и методы - использовано в работе</a:t>
+            </a:r>
+            <a:endParaRPr/>
+          </a:p>
+        </p:txBody>
+      </p:sp>
+      <p:sp>
+        <p:nvSpPr>
+          <p:cNvPr id="111" name="Google Shape;111;p17"/>
+          <p:cNvSpPr txBox="1"/>
+          <p:nvPr>
+            <p:ph idx="1" type="body"/>
+          </p:nvPr>
+        </p:nvSpPr>
+        <p:spPr>
+          <a:xfrm>
+            <a:off x="311700" y="1229975"/>
+            <a:ext cx="3999900" cy="3339000"/>
+          </a:xfrm>
+          <a:prstGeom prst="rect">
+            <a:avLst/>
+          </a:prstGeom>
+        </p:spPr>
+        <p:txBody>
+          <a:bodyPr anchorCtr="0" anchor="t" bIns="91425" lIns="91425" spcFirstLastPara="1" rIns="91425" wrap="square" tIns="91425">
+            <a:normAutofit/>
+          </a:bodyPr>
+          <a:lstStyle/>
+          <a:p>
+            <a:pPr indent="0" lvl="0" marL="0" rtl="0" algn="l">
+              <a:spcBef>
+                <a:spcPts val="0"/>
+              </a:spcBef>
+              <a:spcAft>
+                <a:spcPts val="0"/>
+              </a:spcAft>
+              <a:buNone/>
+            </a:pPr>
+            <a:r>
+              <a:rPr lang="ru"/>
+              <a:t>Данные:</a:t>
+            </a:r>
+            <a:endParaRPr/>
+          </a:p>
+          <a:p>
+            <a:pPr indent="0" lvl="0" marL="0" rtl="0" algn="l">
+              <a:spcBef>
+                <a:spcPts val="1200"/>
+              </a:spcBef>
+              <a:spcAft>
+                <a:spcPts val="0"/>
+              </a:spcAft>
+              <a:buNone/>
+            </a:pPr>
+            <a:r>
+              <a:rPr lang="ru"/>
+              <a:t>2 месяца по 17 насосам, 16 ковариатам, разрешение 5 минут, прогноз на 1 шаг вперед</a:t>
+            </a:r>
+            <a:endParaRPr/>
+          </a:p>
+          <a:p>
+            <a:pPr indent="0" lvl="0" marL="0" rtl="0" algn="l">
+              <a:spcBef>
+                <a:spcPts val="1200"/>
+              </a:spcBef>
+              <a:spcAft>
+                <a:spcPts val="0"/>
+              </a:spcAft>
+              <a:buNone/>
+            </a:pPr>
+            <a:r>
+              <a:rPr lang="ru"/>
+              <a:t>целевая переменная и зависимые:</a:t>
+            </a:r>
+            <a:endParaRPr/>
+          </a:p>
+          <a:p>
+            <a:pPr indent="0" lvl="0" marL="0" rtl="0" algn="l">
+              <a:spcBef>
+                <a:spcPts val="1200"/>
+              </a:spcBef>
+              <a:spcAft>
+                <a:spcPts val="0"/>
+              </a:spcAft>
+              <a:buNone/>
+            </a:pPr>
+            <a:r>
+              <a:rPr lang="ru"/>
+              <a:t>  </a:t>
+            </a:r>
+            <a:endParaRPr/>
+          </a:p>
+          <a:p>
+            <a:pPr indent="0" lvl="0" marL="0" rtl="0" algn="l">
+              <a:spcBef>
+                <a:spcPts val="1200"/>
+              </a:spcBef>
+              <a:spcAft>
+                <a:spcPts val="1200"/>
+              </a:spcAft>
+              <a:buNone/>
+            </a:pPr>
+            <a:r>
+              <a:t/>
+            </a:r>
+            <a:endParaRPr/>
+          </a:p>
+        </p:txBody>
+      </p:sp>
+      <p:sp>
+        <p:nvSpPr>
+          <p:cNvPr id="112" name="Google Shape;112;p17"/>
+          <p:cNvSpPr txBox="1"/>
+          <p:nvPr>
+            <p:ph idx="2" type="body"/>
+          </p:nvPr>
+        </p:nvSpPr>
+        <p:spPr>
+          <a:xfrm>
+            <a:off x="4832400" y="1229975"/>
+            <a:ext cx="3999900" cy="3339000"/>
+          </a:xfrm>
+          <a:prstGeom prst="rect">
+            <a:avLst/>
+          </a:prstGeom>
+        </p:spPr>
+        <p:txBody>
+          <a:bodyPr anchorCtr="0" anchor="t" bIns="91425" lIns="91425" spcFirstLastPara="1" rIns="91425" wrap="square" tIns="91425">
+            <a:normAutofit/>
+          </a:bodyPr>
+          <a:lstStyle/>
+          <a:p>
+            <a:pPr indent="0" lvl="0" marL="0" rtl="0" algn="l">
+              <a:spcBef>
+                <a:spcPts val="0"/>
+              </a:spcBef>
+              <a:spcAft>
+                <a:spcPts val="0"/>
+              </a:spcAft>
+              <a:buNone/>
+            </a:pPr>
+            <a:r>
+              <a:rPr lang="ru"/>
+              <a:t>Подходы:</a:t>
+            </a:r>
+            <a:endParaRPr/>
+          </a:p>
+          <a:p>
+            <a:pPr indent="0" lvl="0" marL="0" rtl="0" algn="l">
+              <a:spcBef>
+                <a:spcPts val="1200"/>
+              </a:spcBef>
+              <a:spcAft>
+                <a:spcPts val="0"/>
+              </a:spcAft>
+              <a:buNone/>
+            </a:pPr>
+            <a:r>
+              <a:rPr lang="ru"/>
+              <a:t>Базовый подход</a:t>
+            </a:r>
+            <a:endParaRPr/>
+          </a:p>
+          <a:p>
+            <a:pPr indent="-317500" lvl="0" marL="457200" rtl="0" algn="l">
+              <a:spcBef>
+                <a:spcPts val="1200"/>
+              </a:spcBef>
+              <a:spcAft>
+                <a:spcPts val="0"/>
+              </a:spcAft>
+              <a:buSzPts val="1400"/>
+              <a:buChar char="●"/>
+            </a:pPr>
+            <a:r>
+              <a:rPr lang="ru"/>
+              <a:t>М</a:t>
+            </a:r>
+            <a:r>
+              <a:rPr lang="ru"/>
+              <a:t>одель LAMA - AutoML</a:t>
+            </a:r>
+            <a:endParaRPr/>
+          </a:p>
+          <a:p>
+            <a:pPr indent="0" lvl="0" marL="0" rtl="0" algn="l">
+              <a:spcBef>
+                <a:spcPts val="1200"/>
+              </a:spcBef>
+              <a:spcAft>
+                <a:spcPts val="0"/>
+              </a:spcAft>
+              <a:buNone/>
+            </a:pPr>
+            <a:r>
+              <a:rPr lang="ru"/>
+              <a:t>Входящие в STOA / или их предшественники</a:t>
+            </a:r>
+            <a:endParaRPr/>
+          </a:p>
+          <a:p>
+            <a:pPr indent="-317500" lvl="0" marL="457200" rtl="0" algn="l">
+              <a:spcBef>
+                <a:spcPts val="1200"/>
+              </a:spcBef>
+              <a:spcAft>
+                <a:spcPts val="0"/>
+              </a:spcAft>
+              <a:buSzPts val="1400"/>
+              <a:buChar char="●"/>
+            </a:pPr>
+            <a:r>
+              <a:rPr lang="ru"/>
+              <a:t>Time fusion transformers</a:t>
+            </a:r>
+            <a:endParaRPr/>
+          </a:p>
+          <a:p>
+            <a:pPr indent="-317500" lvl="0" marL="457200" rtl="0" algn="l">
+              <a:spcBef>
+                <a:spcPts val="0"/>
+              </a:spcBef>
+              <a:spcAft>
+                <a:spcPts val="0"/>
+              </a:spcAft>
+              <a:buSzPts val="1400"/>
+              <a:buChar char="●"/>
+            </a:pPr>
+            <a:r>
+              <a:rPr lang="ru"/>
+              <a:t>TCN</a:t>
+            </a:r>
+            <a:endParaRPr/>
+          </a:p>
+          <a:p>
+            <a:pPr indent="-317500" lvl="0" marL="457200" rtl="0" algn="l">
+              <a:spcBef>
+                <a:spcPts val="0"/>
+              </a:spcBef>
+              <a:spcAft>
+                <a:spcPts val="0"/>
+              </a:spcAft>
+              <a:buSzPts val="1400"/>
+              <a:buChar char="●"/>
+            </a:pPr>
+            <a:r>
+              <a:rPr lang="ru"/>
+              <a:t>Transformers</a:t>
+            </a:r>
+            <a:endParaRPr/>
+          </a:p>
+          <a:p>
+            <a:pPr indent="-317500" lvl="0" marL="457200" rtl="0" algn="l">
+              <a:spcBef>
+                <a:spcPts val="0"/>
+              </a:spcBef>
+              <a:spcAft>
+                <a:spcPts val="0"/>
+              </a:spcAft>
+              <a:buSzPts val="1400"/>
+              <a:buChar char="●"/>
+            </a:pPr>
+            <a:r>
+              <a:rPr lang="ru"/>
+              <a:t>N-Beats</a:t>
+            </a:r>
+            <a:endParaRPr/>
+          </a:p>
+        </p:txBody>
+      </p:sp>
+      <p:pic>
+        <p:nvPicPr>
+          <p:cNvPr id="113" name="Google Shape;113;p17"/>
+          <p:cNvPicPr preferRelativeResize="0"/>
+          <p:nvPr/>
+        </p:nvPicPr>
+        <p:blipFill>
+          <a:blip r:embed="rId3">
+            <a:alphaModFix/>
+          </a:blip>
+          <a:stretch>
+            <a:fillRect/>
+          </a:stretch>
+        </p:blipFill>
+        <p:spPr>
+          <a:xfrm>
+            <a:off x="311695" y="2942875"/>
+            <a:ext cx="2100575" cy="1480100"/>
+          </a:xfrm>
+          <a:prstGeom prst="rect">
+            <a:avLst/>
+          </a:prstGeom>
+          <a:noFill/>
+          <a:ln>
+            <a:noFill/>
+          </a:ln>
+        </p:spPr>
+      </p:pic>
+      <p:pic>
+        <p:nvPicPr>
+          <p:cNvPr id="114" name="Google Shape;114;p17"/>
+          <p:cNvPicPr preferRelativeResize="0"/>
+          <p:nvPr/>
+        </p:nvPicPr>
+        <p:blipFill>
+          <a:blip r:embed="rId4">
+            <a:alphaModFix/>
+          </a:blip>
+          <a:stretch>
+            <a:fillRect/>
+          </a:stretch>
+        </p:blipFill>
+        <p:spPr>
+          <a:xfrm>
+            <a:off x="2412275" y="2942875"/>
+            <a:ext cx="2420125" cy="1862643"/>
+          </a:xfrm>
+          <a:prstGeom prst="rect">
+            <a:avLst/>
+          </a:prstGeom>
+          <a:noFill/>
+          <a:ln>
+            <a:noFill/>
+          </a:ln>
+        </p:spPr>
+      </p:pic>
+    </p:spTree>
+  </p:cSld>
+  <p:clrMapOvr>
+    <a:masterClrMapping/>
+  </p:clrMapOvr>
+</p:sld>
+</file>
+
+<file path=ppt/slides/slide6.xml><?xml version="1.0" encoding="utf-8"?>
+<p:sld xmlns:a="http://schemas.openxmlformats.org/drawingml/2006/main" xmlns:r="http://schemas.openxmlformats.org/officeDocument/2006/relationships" xmlns:mc="http://schemas.openxmlformats.org/markup-compatibility/2006" xmlns:mv="urn:schemas-microsoft-com:mac:vml" xmlns:p="http://schemas.openxmlformats.org/presentationml/2006/main" xmlns:c="http://schemas.openxmlformats.org/drawingml/2006/chart" xmlns:dgm="http://schemas.openxmlformats.org/drawingml/2006/diagram" xmlns:o="urn:schemas-microsoft-com:office:office" xmlns:v="urn:schemas-microsoft-com:vml" xmlns:pvml="urn:schemas-microsoft-com:office:powerpoint" xmlns:com="http://schemas.openxmlformats.org/drawingml/2006/compatibility" xmlns:p14="http://schemas.microsoft.com/office/powerpoint/2010/main" xmlns:p15="http://schemas.microsoft.com/office/powerpoint/2012/main" xmlns:ahyp="http://schemas.microsoft.com/office/drawing/2018/hyperlinkcolor">
+  <p:cSld>
+    <p:spTree>
+      <p:nvGrpSpPr>
+        <p:cNvPr id="118" name="Shape 118"/>
+        <p:cNvGrpSpPr/>
+        <p:nvPr/>
+      </p:nvGrpSpPr>
+      <p:grpSpPr>
+        <a:xfrm>
+          <a:off x="0" y="0"/>
+          <a:ext cx="0" cy="0"/>
+          <a:chOff x="0" y="0"/>
+          <a:chExt cx="0" cy="0"/>
+        </a:xfrm>
+      </p:grpSpPr>
+      <p:sp>
+        <p:nvSpPr>
+          <p:cNvPr id="119" name="Google Shape;119;p18"/>
           <p:cNvSpPr txBox="1"/>
           <p:nvPr>
             <p:ph type="title"/>
@@ -8589,7 +12930,8 @@
               <a:buNone/>
             </a:pPr>
             <a:r>
-              <a:t/>
+              <a:rPr lang="ru"/>
+              <a:t>Проблемы и решения</a:t>
             </a:r>
             <a:endParaRPr/>
           </a:p>
@@ -8603,12 +12945,12 @@
 </p:sld>
 </file>
 
-<file path=ppt/slides/slide6.xml><?xml version="1.0" encoding="utf-8"?>
+<file path=ppt/slides/slide7.xml><?xml version="1.0" encoding="utf-8"?>
 <p:sld xmlns:a="http://schemas.openxmlformats.org/drawingml/2006/main" xmlns:r="http://schemas.openxmlformats.org/officeDocument/2006/relationships" xmlns:mc="http://schemas.openxmlformats.org/markup-compatibility/2006" xmlns:mv="urn:schemas-microsoft-com:mac:vml" xmlns:p="http://schemas.openxmlformats.org/presentationml/2006/main" xmlns:c="http://schemas.openxmlformats.org/drawingml/2006/chart" xmlns:dgm="http://schemas.openxmlformats.org/drawingml/2006/diagram" xmlns:o="urn:schemas-microsoft-com:office:office" xmlns:v="urn:schemas-microsoft-com:vml" xmlns:pvml="urn:schemas-microsoft-com:office:powerpoint" xmlns:com="http://schemas.openxmlformats.org/drawingml/2006/compatibility" xmlns:p14="http://schemas.microsoft.com/office/powerpoint/2010/main" xmlns:p15="http://schemas.microsoft.com/office/powerpoint/2012/main" xmlns:ahyp="http://schemas.microsoft.com/office/drawing/2018/hyperlinkcolor">
   <p:cSld>
     <p:spTree>
       <p:nvGrpSpPr>
-        <p:cNvPr id="113" name="Shape 113"/>
+        <p:cNvPr id="123" name="Shape 123"/>
         <p:cNvGrpSpPr/>
         <p:nvPr/>
       </p:nvGrpSpPr>
@@ -8622,7 +12964,62 @@
       </p:grpSpPr>
       <p:sp>
         <p:nvSpPr>
-          <p:cNvPr id="114" name="Google Shape;114;p18"/>
+          <p:cNvPr id="124" name="Google Shape;124;p19"/>
+          <p:cNvSpPr txBox="1"/>
+          <p:nvPr>
+            <p:ph type="title"/>
+          </p:nvPr>
+        </p:nvSpPr>
+        <p:spPr>
+          <a:xfrm>
+            <a:off x="311700" y="410000"/>
+            <a:ext cx="8520600" cy="607800"/>
+          </a:xfrm>
+          <a:prstGeom prst="rect">
+            <a:avLst/>
+          </a:prstGeom>
+        </p:spPr>
+        <p:txBody>
+          <a:bodyPr anchorCtr="0" anchor="t" bIns="91425" lIns="91425" spcFirstLastPara="1" rIns="91425" wrap="square" tIns="91425">
+            <a:normAutofit fontScale="90000"/>
+          </a:bodyPr>
+          <a:lstStyle/>
+          <a:p>
+            <a:pPr indent="0" lvl="0" marL="0" rtl="0" algn="l">
+              <a:spcBef>
+                <a:spcPts val="0"/>
+              </a:spcBef>
+              <a:spcAft>
+                <a:spcPts val="0"/>
+              </a:spcAft>
+              <a:buNone/>
+            </a:pPr>
+            <a:r>
+              <a:rPr lang="ru"/>
+              <a:t>Проблемы и решения</a:t>
+            </a:r>
+            <a:endParaRPr/>
+          </a:p>
+          <a:p>
+            <a:pPr indent="0" lvl="0" marL="0" rtl="0" algn="l">
+              <a:spcBef>
+                <a:spcPts val="0"/>
+              </a:spcBef>
+              <a:spcAft>
+                <a:spcPts val="0"/>
+              </a:spcAft>
+              <a:buNone/>
+            </a:pPr>
+            <a:r>
+              <a:t/>
+            </a:r>
+            <a:endParaRPr/>
+          </a:p>
+        </p:txBody>
+      </p:sp>
+      <p:sp>
+        <p:nvSpPr>
+          <p:cNvPr id="125" name="Google Shape;125;p19"/>
           <p:cNvSpPr txBox="1"/>
           <p:nvPr>
             <p:ph idx="1" type="body"/>
@@ -8630,8 +13027,201 @@
         </p:nvSpPr>
         <p:spPr>
           <a:xfrm>
-            <a:off x="319500" y="4230575"/>
-            <a:ext cx="5998800" cy="598800"/>
+            <a:off x="311700" y="1229975"/>
+            <a:ext cx="3999900" cy="3490200"/>
+          </a:xfrm>
+          <a:prstGeom prst="rect">
+            <a:avLst/>
+          </a:prstGeom>
+        </p:spPr>
+        <p:txBody>
+          <a:bodyPr anchorCtr="0" anchor="t" bIns="91425" lIns="91425" spcFirstLastPara="1" rIns="91425" wrap="square" tIns="91425">
+            <a:normAutofit/>
+          </a:bodyPr>
+          <a:lstStyle/>
+          <a:p>
+            <a:pPr indent="-317500" lvl="0" marL="457200" rtl="0" algn="l">
+              <a:spcBef>
+                <a:spcPts val="0"/>
+              </a:spcBef>
+              <a:spcAft>
+                <a:spcPts val="0"/>
+              </a:spcAft>
+              <a:buSzPts val="1400"/>
+              <a:buAutoNum type="arabicPeriod"/>
+            </a:pPr>
+            <a:r>
+              <a:rPr lang="ru"/>
+              <a:t>Менее</a:t>
+            </a:r>
+            <a:r>
+              <a:rPr lang="ru"/>
+              <a:t> 140 000 наблюдений - модель Temporal Fusion Transformers не имеет достаточную выборку для обучения (160 000 параметров) -&gt; хуже результат чем у </a:t>
+            </a:r>
+            <a:r>
+              <a:rPr lang="ru"/>
+              <a:t>Transformer</a:t>
+            </a:r>
+            <a:endParaRPr/>
+          </a:p>
+          <a:p>
+            <a:pPr indent="-317500" lvl="0" marL="457200" rtl="0" algn="l">
+              <a:spcBef>
+                <a:spcPts val="0"/>
+              </a:spcBef>
+              <a:spcAft>
+                <a:spcPts val="0"/>
+              </a:spcAft>
+              <a:buSzPts val="1400"/>
+              <a:buAutoNum type="arabicPeriod"/>
+            </a:pPr>
+            <a:r>
+              <a:rPr lang="ru"/>
+              <a:t>Время обучения ~ 20 часов на Colab Pro+ NVIDIA Tesla V100 -&gt; проблемы с перебором гиперпараметров</a:t>
+            </a:r>
+            <a:endParaRPr/>
+          </a:p>
+          <a:p>
+            <a:pPr indent="-317500" lvl="0" marL="457200" rtl="0" algn="l">
+              <a:spcBef>
+                <a:spcPts val="0"/>
+              </a:spcBef>
+              <a:spcAft>
+                <a:spcPts val="0"/>
+              </a:spcAft>
+              <a:buSzPts val="1400"/>
+              <a:buAutoNum type="arabicPeriod"/>
+            </a:pPr>
+            <a:r>
+              <a:rPr lang="ru"/>
+              <a:t>Подготовка данных и написание загрузчика - часть наблюдений синхронные по времени -&gt; настройка последовательного обучения модели на каждом из насосов в рамках батчей</a:t>
+            </a:r>
+            <a:endParaRPr/>
+          </a:p>
+        </p:txBody>
+      </p:sp>
+      <p:sp>
+        <p:nvSpPr>
+          <p:cNvPr id="126" name="Google Shape;126;p19"/>
+          <p:cNvSpPr txBox="1"/>
+          <p:nvPr>
+            <p:ph idx="2" type="body"/>
+          </p:nvPr>
+        </p:nvSpPr>
+        <p:spPr>
+          <a:xfrm>
+            <a:off x="4832400" y="1229975"/>
+            <a:ext cx="3999900" cy="3339000"/>
+          </a:xfrm>
+          <a:prstGeom prst="rect">
+            <a:avLst/>
+          </a:prstGeom>
+        </p:spPr>
+        <p:txBody>
+          <a:bodyPr anchorCtr="0" anchor="t" bIns="91425" lIns="91425" spcFirstLastPara="1" rIns="91425" wrap="square" tIns="91425">
+            <a:normAutofit/>
+          </a:bodyPr>
+          <a:lstStyle/>
+          <a:p>
+            <a:pPr indent="0" lvl="0" marL="0" rtl="0" algn="l">
+              <a:spcBef>
+                <a:spcPts val="0"/>
+              </a:spcBef>
+              <a:spcAft>
+                <a:spcPts val="0"/>
+              </a:spcAft>
+              <a:buNone/>
+            </a:pPr>
+            <a:r>
+              <a:rPr lang="ru"/>
+              <a:t>Подбор гиперпараметров:</a:t>
+            </a:r>
+            <a:endParaRPr/>
+          </a:p>
+          <a:p>
+            <a:pPr indent="-317500" lvl="0" marL="457200" rtl="0" algn="l">
+              <a:spcBef>
+                <a:spcPts val="1200"/>
+              </a:spcBef>
+              <a:spcAft>
+                <a:spcPts val="0"/>
+              </a:spcAft>
+              <a:buSzPts val="1400"/>
+              <a:buChar char="●"/>
+            </a:pPr>
+            <a:r>
+              <a:rPr lang="ru"/>
+              <a:t>Выбор окна для моделей - по ACF - OK</a:t>
+            </a:r>
+            <a:endParaRPr/>
+          </a:p>
+        </p:txBody>
+      </p:sp>
+      <p:pic>
+        <p:nvPicPr>
+          <p:cNvPr id="127" name="Google Shape;127;p19"/>
+          <p:cNvPicPr preferRelativeResize="0"/>
+          <p:nvPr/>
+        </p:nvPicPr>
+        <p:blipFill>
+          <a:blip r:embed="rId3">
+            <a:alphaModFix/>
+          </a:blip>
+          <a:stretch>
+            <a:fillRect/>
+          </a:stretch>
+        </p:blipFill>
+        <p:spPr>
+          <a:xfrm>
+            <a:off x="4863000" y="2278250"/>
+            <a:ext cx="3969300" cy="2001225"/>
+          </a:xfrm>
+          <a:prstGeom prst="rect">
+            <a:avLst/>
+          </a:prstGeom>
+          <a:noFill/>
+          <a:ln>
+            <a:noFill/>
+          </a:ln>
+        </p:spPr>
+      </p:pic>
+    </p:spTree>
+  </p:cSld>
+  <p:clrMapOvr>
+    <a:masterClrMapping/>
+  </p:clrMapOvr>
+</p:sld>
+</file>
+
+<file path=ppt/slides/slide8.xml><?xml version="1.0" encoding="utf-8"?>
+<p:sld xmlns:a="http://schemas.openxmlformats.org/drawingml/2006/main" xmlns:r="http://schemas.openxmlformats.org/officeDocument/2006/relationships" xmlns:mc="http://schemas.openxmlformats.org/markup-compatibility/2006" xmlns:mv="urn:schemas-microsoft-com:mac:vml" xmlns:p="http://schemas.openxmlformats.org/presentationml/2006/main" xmlns:c="http://schemas.openxmlformats.org/drawingml/2006/chart" xmlns:dgm="http://schemas.openxmlformats.org/drawingml/2006/diagram" xmlns:o="urn:schemas-microsoft-com:office:office" xmlns:v="urn:schemas-microsoft-com:vml" xmlns:pvml="urn:schemas-microsoft-com:office:powerpoint" xmlns:com="http://schemas.openxmlformats.org/drawingml/2006/compatibility" xmlns:p14="http://schemas.microsoft.com/office/powerpoint/2010/main" xmlns:p15="http://schemas.microsoft.com/office/powerpoint/2012/main" xmlns:ahyp="http://schemas.microsoft.com/office/drawing/2018/hyperlinkcolor">
+  <p:cSld>
+    <p:spTree>
+      <p:nvGrpSpPr>
+        <p:cNvPr id="131" name="Shape 131"/>
+        <p:cNvGrpSpPr/>
+        <p:nvPr/>
+      </p:nvGrpSpPr>
+      <p:grpSpPr>
+        <a:xfrm>
+          <a:off x="0" y="0"/>
+          <a:ext cx="0" cy="0"/>
+          <a:chOff x="0" y="0"/>
+          <a:chExt cx="0" cy="0"/>
+        </a:xfrm>
+      </p:grpSpPr>
+      <p:sp>
+        <p:nvSpPr>
+          <p:cNvPr id="132" name="Google Shape;132;p20"/>
+          <p:cNvSpPr txBox="1"/>
+          <p:nvPr>
+            <p:ph type="title"/>
+          </p:nvPr>
+        </p:nvSpPr>
+        <p:spPr>
+          <a:xfrm>
+            <a:off x="598100" y="2152347"/>
+            <a:ext cx="8222100" cy="838800"/>
           </a:xfrm>
           <a:prstGeom prst="rect">
             <a:avLst/>
@@ -8654,12 +13244,133 @@
             </a:pPr>
             <a:r>
               <a:rPr lang="ru"/>
-              <a:t>Кирилл Сетдеков, Москва, 2021</a:t>
+              <a:t>Результаты</a:t>
             </a:r>
             <a:endParaRPr/>
           </a:p>
         </p:txBody>
       </p:sp>
+    </p:spTree>
+  </p:cSld>
+  <p:clrMapOvr>
+    <a:masterClrMapping/>
+  </p:clrMapOvr>
+</p:sld>
+</file>
+
+<file path=ppt/slides/slide9.xml><?xml version="1.0" encoding="utf-8"?>
+<p:sld xmlns:a="http://schemas.openxmlformats.org/drawingml/2006/main" xmlns:r="http://schemas.openxmlformats.org/officeDocument/2006/relationships" xmlns:mc="http://schemas.openxmlformats.org/markup-compatibility/2006" xmlns:mv="urn:schemas-microsoft-com:mac:vml" xmlns:p="http://schemas.openxmlformats.org/presentationml/2006/main" xmlns:c="http://schemas.openxmlformats.org/drawingml/2006/chart" xmlns:dgm="http://schemas.openxmlformats.org/drawingml/2006/diagram" xmlns:o="urn:schemas-microsoft-com:office:office" xmlns:v="urn:schemas-microsoft-com:vml" xmlns:pvml="urn:schemas-microsoft-com:office:powerpoint" xmlns:com="http://schemas.openxmlformats.org/drawingml/2006/compatibility" xmlns:p14="http://schemas.microsoft.com/office/powerpoint/2010/main" xmlns:p15="http://schemas.microsoft.com/office/powerpoint/2012/main" xmlns:ahyp="http://schemas.microsoft.com/office/drawing/2018/hyperlinkcolor">
+  <p:cSld>
+    <p:spTree>
+      <p:nvGrpSpPr>
+        <p:cNvPr id="136" name="Shape 136"/>
+        <p:cNvGrpSpPr/>
+        <p:nvPr/>
+      </p:nvGrpSpPr>
+      <p:grpSpPr>
+        <a:xfrm>
+          <a:off x="0" y="0"/>
+          <a:ext cx="0" cy="0"/>
+          <a:chOff x="0" y="0"/>
+          <a:chExt cx="0" cy="0"/>
+        </a:xfrm>
+      </p:grpSpPr>
+      <p:sp>
+        <p:nvSpPr>
+          <p:cNvPr id="137" name="Google Shape;137;p21"/>
+          <p:cNvSpPr txBox="1"/>
+          <p:nvPr>
+            <p:ph type="title"/>
+          </p:nvPr>
+        </p:nvSpPr>
+        <p:spPr>
+          <a:xfrm>
+            <a:off x="311700" y="410000"/>
+            <a:ext cx="8520600" cy="607800"/>
+          </a:xfrm>
+          <a:prstGeom prst="rect">
+            <a:avLst/>
+          </a:prstGeom>
+        </p:spPr>
+        <p:txBody>
+          <a:bodyPr anchorCtr="0" anchor="t" bIns="91425" lIns="91425" spcFirstLastPara="1" rIns="91425" wrap="square" tIns="91425">
+            <a:normAutofit fontScale="90000"/>
+          </a:bodyPr>
+          <a:lstStyle/>
+          <a:p>
+            <a:pPr indent="0" lvl="0" marL="0" rtl="0" algn="l">
+              <a:spcBef>
+                <a:spcPts val="0"/>
+              </a:spcBef>
+              <a:spcAft>
+                <a:spcPts val="0"/>
+              </a:spcAft>
+              <a:buNone/>
+            </a:pPr>
+            <a:r>
+              <a:rPr lang="ru"/>
+              <a:t>Результаты - примеры</a:t>
+            </a:r>
+            <a:endParaRPr/>
+          </a:p>
+        </p:txBody>
+      </p:sp>
+      <p:pic>
+        <p:nvPicPr>
+          <p:cNvPr id="138" name="Google Shape;138;p21"/>
+          <p:cNvPicPr preferRelativeResize="0"/>
+          <p:nvPr/>
+        </p:nvPicPr>
+        <p:blipFill>
+          <a:blip r:embed="rId3">
+            <a:alphaModFix/>
+          </a:blip>
+          <a:stretch>
+            <a:fillRect/>
+          </a:stretch>
+        </p:blipFill>
+        <p:spPr>
+          <a:xfrm>
+            <a:off x="4572000" y="1170200"/>
+            <a:ext cx="3820901" cy="3820901"/>
+          </a:xfrm>
+          <a:prstGeom prst="rect">
+            <a:avLst/>
+          </a:prstGeom>
+          <a:noFill/>
+          <a:ln>
+            <a:noFill/>
+          </a:ln>
+        </p:spPr>
+      </p:pic>
+      <p:pic>
+        <p:nvPicPr>
+          <p:cNvPr id="139" name="Google Shape;139;p21"/>
+          <p:cNvPicPr preferRelativeResize="0"/>
+          <p:nvPr/>
+        </p:nvPicPr>
+        <p:blipFill>
+          <a:blip r:embed="rId4">
+            <a:alphaModFix/>
+          </a:blip>
+          <a:stretch>
+            <a:fillRect/>
+          </a:stretch>
+        </p:blipFill>
+        <p:spPr>
+          <a:xfrm>
+            <a:off x="751100" y="1170200"/>
+            <a:ext cx="3820901" cy="3820901"/>
+          </a:xfrm>
+          <a:prstGeom prst="rect">
+            <a:avLst/>
+          </a:prstGeom>
+          <a:noFill/>
+          <a:ln>
+            <a:noFill/>
+          </a:ln>
+        </p:spPr>
+      </p:pic>
     </p:spTree>
   </p:cSld>
   <p:clrMapOvr>
